--- a/content/docs/theory-analysis/container-nvidia-gpu/images/images.pptx
+++ b/content/docs/theory-analysis/container-nvidia-gpu/images/images.pptx
@@ -5,16 +5,17 @@
     <p:sldMasterId id="2147483648" r:id="rId1"/>
   </p:sldMasterIdLst>
   <p:notesMasterIdLst>
-    <p:notesMasterId r:id="rId9"/>
+    <p:notesMasterId r:id="rId10"/>
   </p:notesMasterIdLst>
   <p:sldIdLst>
     <p:sldId id="428" r:id="rId2"/>
     <p:sldId id="427" r:id="rId3"/>
     <p:sldId id="422" r:id="rId4"/>
     <p:sldId id="426" r:id="rId5"/>
-    <p:sldId id="429" r:id="rId6"/>
-    <p:sldId id="430" r:id="rId7"/>
-    <p:sldId id="431" r:id="rId8"/>
+    <p:sldId id="432" r:id="rId6"/>
+    <p:sldId id="429" r:id="rId7"/>
+    <p:sldId id="430" r:id="rId8"/>
+    <p:sldId id="431" r:id="rId9"/>
   </p:sldIdLst>
   <p:sldSz cx="9144000" cy="5143500" type="screen16x9"/>
   <p:notesSz cx="6858000" cy="9144000"/>
@@ -219,7 +220,7 @@
           <a:p>
             <a:fld id="{6CD5550B-26C4-49A9-A5BA-636EF7BE6CE9}" type="datetimeFigureOut">
               <a:rPr lang="ko-KR" altLang="en-US" smtClean="0"/>
-              <a:t>2023-02-12</a:t>
+              <a:t>2026. 2. 24.</a:t>
             </a:fld>
             <a:endParaRPr lang="ko-KR" altLang="en-US"/>
           </a:p>
@@ -743,7 +744,13 @@
   <p:cSld>
     <p:spTree>
       <p:nvGrpSpPr>
-        <p:cNvPr id="1" name=""/>
+        <p:cNvPr id="1" name="">
+          <a:extLst>
+            <a:ext uri="{FF2B5EF4-FFF2-40B4-BE49-F238E27FC236}">
+              <a16:creationId xmlns:a16="http://schemas.microsoft.com/office/drawing/2014/main" id="{6D308DBE-B1B4-7D50-CD13-CEB16511702E}"/>
+            </a:ext>
+          </a:extLst>
+        </p:cNvPr>
         <p:cNvGrpSpPr/>
         <p:nvPr/>
       </p:nvGrpSpPr>
@@ -757,7 +764,13 @@
       </p:grpSpPr>
       <p:sp>
         <p:nvSpPr>
-          <p:cNvPr id="2" name="슬라이드 이미지 개체 틀 1"/>
+          <p:cNvPr id="2" name="슬라이드 이미지 개체 틀 1">
+            <a:extLst>
+              <a:ext uri="{FF2B5EF4-FFF2-40B4-BE49-F238E27FC236}">
+                <a16:creationId xmlns:a16="http://schemas.microsoft.com/office/drawing/2014/main" id="{D8932A28-C535-04DC-B68D-E086AECAAA49}"/>
+              </a:ext>
+            </a:extLst>
+          </p:cNvPr>
           <p:cNvSpPr>
             <a:spLocks noGrp="1" noRot="1" noChangeAspect="1"/>
           </p:cNvSpPr>
@@ -769,7 +782,13 @@
       </p:sp>
       <p:sp>
         <p:nvSpPr>
-          <p:cNvPr id="3" name="슬라이드 노트 개체 틀 2"/>
+          <p:cNvPr id="3" name="슬라이드 노트 개체 틀 2">
+            <a:extLst>
+              <a:ext uri="{FF2B5EF4-FFF2-40B4-BE49-F238E27FC236}">
+                <a16:creationId xmlns:a16="http://schemas.microsoft.com/office/drawing/2014/main" id="{CB04DC1A-50F3-F419-D819-B62C860E0B3B}"/>
+              </a:ext>
+            </a:extLst>
+          </p:cNvPr>
           <p:cNvSpPr>
             <a:spLocks noGrp="1"/>
           </p:cNvSpPr>
@@ -788,7 +807,13 @@
       </p:sp>
       <p:sp>
         <p:nvSpPr>
-          <p:cNvPr id="4" name="슬라이드 번호 개체 틀 3"/>
+          <p:cNvPr id="4" name="슬라이드 번호 개체 틀 3">
+            <a:extLst>
+              <a:ext uri="{FF2B5EF4-FFF2-40B4-BE49-F238E27FC236}">
+                <a16:creationId xmlns:a16="http://schemas.microsoft.com/office/drawing/2014/main" id="{C4E9CA9E-6278-9238-5D9A-93DDFDE20AB7}"/>
+              </a:ext>
+            </a:extLst>
+          </p:cNvPr>
           <p:cNvSpPr>
             <a:spLocks noGrp="1"/>
           </p:cNvSpPr>
@@ -812,7 +837,7 @@
     </p:spTree>
     <p:extLst>
       <p:ext uri="{BB962C8B-B14F-4D97-AF65-F5344CB8AC3E}">
-        <p14:creationId xmlns:p14="http://schemas.microsoft.com/office/powerpoint/2010/main" val="1617950839"/>
+        <p14:creationId xmlns:p14="http://schemas.microsoft.com/office/powerpoint/2010/main" val="180167310"/>
       </p:ext>
     </p:extLst>
   </p:cSld>
@@ -896,7 +921,7 @@
     </p:spTree>
     <p:extLst>
       <p:ext uri="{BB962C8B-B14F-4D97-AF65-F5344CB8AC3E}">
-        <p14:creationId xmlns:p14="http://schemas.microsoft.com/office/powerpoint/2010/main" val="1174720120"/>
+        <p14:creationId xmlns:p14="http://schemas.microsoft.com/office/powerpoint/2010/main" val="1617950839"/>
       </p:ext>
     </p:extLst>
   </p:cSld>
@@ -972,6 +997,90 @@
             <a:fld id="{BA5DFA43-8D57-47FB-BC46-057616015C3B}" type="slidenum">
               <a:rPr lang="ko-KR" altLang="en-US" smtClean="0"/>
               <a:t>7</a:t>
+            </a:fld>
+            <a:endParaRPr lang="ko-KR" altLang="en-US"/>
+          </a:p>
+        </p:txBody>
+      </p:sp>
+    </p:spTree>
+    <p:extLst>
+      <p:ext uri="{BB962C8B-B14F-4D97-AF65-F5344CB8AC3E}">
+        <p14:creationId xmlns:p14="http://schemas.microsoft.com/office/powerpoint/2010/main" val="1174720120"/>
+      </p:ext>
+    </p:extLst>
+  </p:cSld>
+  <p:clrMapOvr>
+    <a:masterClrMapping/>
+  </p:clrMapOvr>
+</p:notes>
+</file>
+
+<file path=ppt/notesSlides/notesSlide7.xml><?xml version="1.0" encoding="utf-8"?>
+<p:notes xmlns:a="http://schemas.openxmlformats.org/drawingml/2006/main" xmlns:r="http://schemas.openxmlformats.org/officeDocument/2006/relationships" xmlns:p="http://schemas.openxmlformats.org/presentationml/2006/main">
+  <p:cSld>
+    <p:spTree>
+      <p:nvGrpSpPr>
+        <p:cNvPr id="1" name=""/>
+        <p:cNvGrpSpPr/>
+        <p:nvPr/>
+      </p:nvGrpSpPr>
+      <p:grpSpPr>
+        <a:xfrm>
+          <a:off x="0" y="0"/>
+          <a:ext cx="0" cy="0"/>
+          <a:chOff x="0" y="0"/>
+          <a:chExt cx="0" cy="0"/>
+        </a:xfrm>
+      </p:grpSpPr>
+      <p:sp>
+        <p:nvSpPr>
+          <p:cNvPr id="2" name="슬라이드 이미지 개체 틀 1"/>
+          <p:cNvSpPr>
+            <a:spLocks noGrp="1" noRot="1" noChangeAspect="1"/>
+          </p:cNvSpPr>
+          <p:nvPr>
+            <p:ph type="sldImg"/>
+          </p:nvPr>
+        </p:nvSpPr>
+        <p:spPr/>
+      </p:sp>
+      <p:sp>
+        <p:nvSpPr>
+          <p:cNvPr id="3" name="슬라이드 노트 개체 틀 2"/>
+          <p:cNvSpPr>
+            <a:spLocks noGrp="1"/>
+          </p:cNvSpPr>
+          <p:nvPr>
+            <p:ph type="body" idx="1"/>
+          </p:nvPr>
+        </p:nvSpPr>
+        <p:spPr/>
+        <p:txBody>
+          <a:bodyPr/>
+          <a:lstStyle/>
+          <a:p>
+            <a:endParaRPr lang="ko-KR" altLang="en-US"/>
+          </a:p>
+        </p:txBody>
+      </p:sp>
+      <p:sp>
+        <p:nvSpPr>
+          <p:cNvPr id="4" name="슬라이드 번호 개체 틀 3"/>
+          <p:cNvSpPr>
+            <a:spLocks noGrp="1"/>
+          </p:cNvSpPr>
+          <p:nvPr>
+            <p:ph type="sldNum" sz="quarter" idx="10"/>
+          </p:nvPr>
+        </p:nvSpPr>
+        <p:spPr/>
+        <p:txBody>
+          <a:bodyPr/>
+          <a:lstStyle/>
+          <a:p>
+            <a:fld id="{BA5DFA43-8D57-47FB-BC46-057616015C3B}" type="slidenum">
+              <a:rPr lang="ko-KR" altLang="en-US" smtClean="0"/>
+              <a:t>8</a:t>
             </a:fld>
             <a:endParaRPr lang="ko-KR" altLang="en-US"/>
           </a:p>
@@ -1169,7 +1278,7 @@
           <a:p>
             <a:fld id="{FB30EDBD-1C2D-4C1E-B459-B60219FAB484}" type="datetimeFigureOut">
               <a:rPr lang="ko-KR" altLang="en-US" smtClean="0"/>
-              <a:t>2023-02-12</a:t>
+              <a:t>2026. 2. 24.</a:t>
             </a:fld>
             <a:endParaRPr lang="ko-KR" altLang="en-US"/>
           </a:p>
@@ -1332,7 +1441,7 @@
           <a:p>
             <a:fld id="{FB30EDBD-1C2D-4C1E-B459-B60219FAB484}" type="datetimeFigureOut">
               <a:rPr lang="ko-KR" altLang="en-US" smtClean="0"/>
-              <a:t>2023-02-12</a:t>
+              <a:t>2026. 2. 24.</a:t>
             </a:fld>
             <a:endParaRPr lang="ko-KR" altLang="en-US"/>
           </a:p>
@@ -1505,7 +1614,7 @@
           <a:p>
             <a:fld id="{FB30EDBD-1C2D-4C1E-B459-B60219FAB484}" type="datetimeFigureOut">
               <a:rPr lang="ko-KR" altLang="en-US" smtClean="0"/>
-              <a:t>2023-02-12</a:t>
+              <a:t>2026. 2. 24.</a:t>
             </a:fld>
             <a:endParaRPr lang="ko-KR" altLang="en-US"/>
           </a:p>
@@ -1668,7 +1777,7 @@
           <a:p>
             <a:fld id="{FB30EDBD-1C2D-4C1E-B459-B60219FAB484}" type="datetimeFigureOut">
               <a:rPr lang="ko-KR" altLang="en-US" smtClean="0"/>
-              <a:t>2023-02-12</a:t>
+              <a:t>2026. 2. 24.</a:t>
             </a:fld>
             <a:endParaRPr lang="ko-KR" altLang="en-US"/>
           </a:p>
@@ -1908,7 +2017,7 @@
           <a:p>
             <a:fld id="{FB30EDBD-1C2D-4C1E-B459-B60219FAB484}" type="datetimeFigureOut">
               <a:rPr lang="ko-KR" altLang="en-US" smtClean="0"/>
-              <a:t>2023-02-12</a:t>
+              <a:t>2026. 2. 24.</a:t>
             </a:fld>
             <a:endParaRPr lang="ko-KR" altLang="en-US"/>
           </a:p>
@@ -2188,7 +2297,7 @@
           <a:p>
             <a:fld id="{FB30EDBD-1C2D-4C1E-B459-B60219FAB484}" type="datetimeFigureOut">
               <a:rPr lang="ko-KR" altLang="en-US" smtClean="0"/>
-              <a:t>2023-02-12</a:t>
+              <a:t>2026. 2. 24.</a:t>
             </a:fld>
             <a:endParaRPr lang="ko-KR" altLang="en-US"/>
           </a:p>
@@ -2602,7 +2711,7 @@
           <a:p>
             <a:fld id="{FB30EDBD-1C2D-4C1E-B459-B60219FAB484}" type="datetimeFigureOut">
               <a:rPr lang="ko-KR" altLang="en-US" smtClean="0"/>
-              <a:t>2023-02-12</a:t>
+              <a:t>2026. 2. 24.</a:t>
             </a:fld>
             <a:endParaRPr lang="ko-KR" altLang="en-US"/>
           </a:p>
@@ -2714,7 +2823,7 @@
           <a:p>
             <a:fld id="{FB30EDBD-1C2D-4C1E-B459-B60219FAB484}" type="datetimeFigureOut">
               <a:rPr lang="ko-KR" altLang="en-US" smtClean="0"/>
-              <a:t>2023-02-12</a:t>
+              <a:t>2026. 2. 24.</a:t>
             </a:fld>
             <a:endParaRPr lang="ko-KR" altLang="en-US"/>
           </a:p>
@@ -2804,7 +2913,7 @@
           <a:p>
             <a:fld id="{FB30EDBD-1C2D-4C1E-B459-B60219FAB484}" type="datetimeFigureOut">
               <a:rPr lang="ko-KR" altLang="en-US" smtClean="0"/>
-              <a:t>2023-02-12</a:t>
+              <a:t>2026. 2. 24.</a:t>
             </a:fld>
             <a:endParaRPr lang="ko-KR" altLang="en-US"/>
           </a:p>
@@ -3074,7 +3183,7 @@
           <a:p>
             <a:fld id="{FB30EDBD-1C2D-4C1E-B459-B60219FAB484}" type="datetimeFigureOut">
               <a:rPr lang="ko-KR" altLang="en-US" smtClean="0"/>
-              <a:t>2023-02-12</a:t>
+              <a:t>2026. 2. 24.</a:t>
             </a:fld>
             <a:endParaRPr lang="ko-KR" altLang="en-US"/>
           </a:p>
@@ -3321,7 +3430,7 @@
           <a:p>
             <a:fld id="{FB30EDBD-1C2D-4C1E-B459-B60219FAB484}" type="datetimeFigureOut">
               <a:rPr lang="ko-KR" altLang="en-US" smtClean="0"/>
-              <a:t>2023-02-12</a:t>
+              <a:t>2026. 2. 24.</a:t>
             </a:fld>
             <a:endParaRPr lang="ko-KR" altLang="en-US"/>
           </a:p>
@@ -3527,7 +3636,7 @@
           <a:p>
             <a:fld id="{FB30EDBD-1C2D-4C1E-B459-B60219FAB484}" type="datetimeFigureOut">
               <a:rPr lang="ko-KR" altLang="en-US" smtClean="0"/>
-              <a:t>2023-02-12</a:t>
+              <a:t>2026. 2. 24.</a:t>
             </a:fld>
             <a:endParaRPr lang="ko-KR" altLang="en-US"/>
           </a:p>
@@ -3955,6 +4064,7 @@
               <a:gd name="adj" fmla="val 0"/>
             </a:avLst>
           </a:prstGeom>
+          <a:ln w="12700"/>
         </p:spPr>
         <p:style>
           <a:lnRef idx="2">
@@ -4004,6 +4114,7 @@
               <a:gd name="adj" fmla="val 0"/>
             </a:avLst>
           </a:prstGeom>
+          <a:ln w="12700"/>
         </p:spPr>
         <p:style>
           <a:lnRef idx="2">
@@ -4154,12 +4265,12 @@
           <a:prstGeom prst="straightConnector1">
             <a:avLst/>
           </a:prstGeom>
-          <a:ln w="19050">
+          <a:ln w="12700">
             <a:solidFill>
               <a:schemeClr val="tx1"/>
             </a:solidFill>
             <a:headEnd type="none" w="med" len="med"/>
-            <a:tailEnd type="arrow" w="med" len="med"/>
+            <a:tailEnd type="triangle" w="med" len="med"/>
           </a:ln>
         </p:spPr>
         <p:style>
@@ -4319,6 +4430,7 @@
               <a:gd name="adj" fmla="val 6397"/>
             </a:avLst>
           </a:prstGeom>
+          <a:ln w="12700"/>
         </p:spPr>
         <p:style>
           <a:lnRef idx="2">
@@ -4340,10 +4452,10 @@
           <a:p>
             <a:pPr algn="ctr"/>
             <a:r>
-              <a:rPr lang="en-US" altLang="ko-KR" sz="1400"/>
+              <a:rPr lang="en-US" altLang="ko-KR" sz="1200"/>
               <a:t>nvidia-container-cli CLI</a:t>
             </a:r>
-            <a:endParaRPr lang="en-US" altLang="ko-KR" sz="1400" dirty="0"/>
+            <a:endParaRPr lang="en-US" altLang="ko-KR" sz="1200" dirty="0"/>
           </a:p>
         </p:txBody>
       </p:sp>
@@ -4369,6 +4481,7 @@
               <a:gd name="adj" fmla="val 6397"/>
             </a:avLst>
           </a:prstGeom>
+          <a:ln w="12700"/>
         </p:spPr>
         <p:style>
           <a:lnRef idx="2">
@@ -4390,10 +4503,10 @@
           <a:p>
             <a:pPr algn="ctr"/>
             <a:r>
-              <a:rPr lang="en-US" altLang="ko-KR" sz="1400"/>
+              <a:rPr lang="en-US" altLang="ko-KR" sz="1200"/>
               <a:t>libnvidia-container</a:t>
             </a:r>
-            <a:endParaRPr lang="en-US" altLang="ko-KR" sz="1400" dirty="0"/>
+            <a:endParaRPr lang="en-US" altLang="ko-KR" sz="1200" dirty="0"/>
           </a:p>
         </p:txBody>
       </p:sp>
@@ -4419,6 +4532,7 @@
               <a:gd name="adj" fmla="val 10304"/>
             </a:avLst>
           </a:prstGeom>
+          <a:ln w="12700"/>
         </p:spPr>
         <p:style>
           <a:lnRef idx="2">
@@ -4440,10 +4554,10 @@
           <a:p>
             <a:pPr algn="ctr"/>
             <a:r>
-              <a:rPr lang="en-US" altLang="ko-KR" sz="1400"/>
+              <a:rPr lang="en-US" altLang="ko-KR" sz="1200"/>
               <a:t>nvidia-container-runtime-hook CLI</a:t>
             </a:r>
-            <a:endParaRPr lang="en-US" altLang="ko-KR" sz="1400" dirty="0"/>
+            <a:endParaRPr lang="en-US" altLang="ko-KR" sz="1200" dirty="0"/>
           </a:p>
         </p:txBody>
       </p:sp>
@@ -4469,6 +4583,7 @@
               <a:gd name="adj" fmla="val 10304"/>
             </a:avLst>
           </a:prstGeom>
+          <a:ln w="12700"/>
         </p:spPr>
         <p:style>
           <a:lnRef idx="2">
@@ -4490,10 +4605,10 @@
           <a:p>
             <a:pPr algn="ctr"/>
             <a:r>
-              <a:rPr lang="en-US" altLang="ko-KR" sz="1400"/>
+              <a:rPr lang="en-US" altLang="ko-KR" sz="1200"/>
               <a:t>Hook Config File</a:t>
             </a:r>
-            <a:endParaRPr lang="en-US" altLang="ko-KR" sz="1400" dirty="0"/>
+            <a:endParaRPr lang="en-US" altLang="ko-KR" sz="1200" dirty="0"/>
           </a:p>
         </p:txBody>
       </p:sp>
@@ -4521,12 +4636,12 @@
           <a:prstGeom prst="straightConnector1">
             <a:avLst/>
           </a:prstGeom>
-          <a:ln w="19050">
+          <a:ln w="12700">
             <a:solidFill>
               <a:schemeClr val="tx1"/>
             </a:solidFill>
             <a:headEnd type="none" w="med" len="med"/>
-            <a:tailEnd type="arrow" w="med" len="med"/>
+            <a:tailEnd type="triangle" w="med" len="med"/>
           </a:ln>
         </p:spPr>
         <p:style>
@@ -4562,18 +4677,18 @@
         </p:nvCxnSpPr>
         <p:spPr>
           <a:xfrm flipH="1" flipV="1">
-            <a:off x="1955254" y="3343764"/>
-            <a:ext cx="1886052" cy="830505"/>
+            <a:off x="1955254" y="3850998"/>
+            <a:ext cx="1886052" cy="323271"/>
           </a:xfrm>
           <a:prstGeom prst="straightConnector1">
             <a:avLst/>
           </a:prstGeom>
-          <a:ln w="19050">
+          <a:ln w="12700">
             <a:solidFill>
               <a:schemeClr val="tx1"/>
             </a:solidFill>
             <a:headEnd type="none" w="med" len="med"/>
-            <a:tailEnd type="arrow" w="med" len="med"/>
+            <a:tailEnd type="triangle" w="med" len="med"/>
           </a:ln>
         </p:spPr>
         <p:style>
@@ -4615,12 +4730,12 @@
           <a:prstGeom prst="straightConnector1">
             <a:avLst/>
           </a:prstGeom>
-          <a:ln w="19050">
+          <a:ln w="12700">
             <a:solidFill>
               <a:schemeClr val="tx1"/>
             </a:solidFill>
             <a:headEnd type="none" w="med" len="med"/>
-            <a:tailEnd type="arrow" w="med" len="med"/>
+            <a:tailEnd type="triangle" w="med" len="med"/>
           </a:ln>
         </p:spPr>
         <p:style>
@@ -4662,12 +4777,12 @@
           <a:prstGeom prst="straightConnector1">
             <a:avLst/>
           </a:prstGeom>
-          <a:ln w="19050">
+          <a:ln w="12700">
             <a:solidFill>
               <a:schemeClr val="tx1"/>
             </a:solidFill>
             <a:headEnd type="none" w="med" len="med"/>
-            <a:tailEnd type="arrow" w="med" len="med"/>
+            <a:tailEnd type="triangle" w="med" len="med"/>
           </a:ln>
         </p:spPr>
         <p:style>
@@ -4707,6 +4822,7 @@
               <a:gd name="adj" fmla="val 10304"/>
             </a:avLst>
           </a:prstGeom>
+          <a:ln w="12700"/>
         </p:spPr>
         <p:style>
           <a:lnRef idx="2">
@@ -4728,10 +4844,10 @@
           <a:p>
             <a:pPr algn="ctr"/>
             <a:r>
-              <a:rPr lang="en-US" altLang="ko-KR" sz="1400"/>
+              <a:rPr lang="en-US" altLang="ko-KR" sz="1200"/>
               <a:t>runc CLI</a:t>
             </a:r>
-            <a:endParaRPr lang="en-US" altLang="ko-KR" sz="1400" dirty="0"/>
+            <a:endParaRPr lang="en-US" altLang="ko-KR" sz="1200" dirty="0"/>
           </a:p>
         </p:txBody>
       </p:sp>
@@ -4749,7 +4865,7 @@
         </p:nvSpPr>
         <p:spPr>
           <a:xfrm>
-            <a:off x="4978365" y="1942417"/>
+            <a:off x="4616610" y="1973478"/>
             <a:ext cx="2731142" cy="433442"/>
           </a:xfrm>
           <a:prstGeom prst="roundRect">
@@ -4782,8 +4898,15 @@
           <a:p>
             <a:pPr algn="ctr"/>
             <a:r>
-              <a:rPr lang="en-US" altLang="ko-KR" sz="1400" b="1"/>
-              <a:t>Exec via OCI runtime’s prestart hook</a:t>
+              <a:rPr lang="en-US" altLang="ko-KR" sz="1000" b="1" i="1"/>
+              <a:t>Exec via OCI runtime’s </a:t>
+            </a:r>
+          </a:p>
+          <a:p>
+            <a:pPr algn="ctr"/>
+            <a:r>
+              <a:rPr lang="en-US" altLang="ko-KR" sz="1000" b="1" i="1"/>
+              <a:t>prestart hook</a:t>
             </a:r>
           </a:p>
         </p:txBody>
@@ -4802,7 +4925,7 @@
         </p:nvSpPr>
         <p:spPr>
           <a:xfrm>
-            <a:off x="5153226" y="3080244"/>
+            <a:off x="4791471" y="3118132"/>
             <a:ext cx="2381421" cy="537288"/>
           </a:xfrm>
           <a:prstGeom prst="roundRect">
@@ -4835,14 +4958,14 @@
           <a:p>
             <a:pPr algn="ctr"/>
             <a:r>
-              <a:rPr lang="en-US" altLang="ko-KR" sz="1400" b="1"/>
+              <a:rPr lang="en-US" altLang="ko-KR" sz="1000" b="1" i="1"/>
               <a:t>Exec with container, </a:t>
             </a:r>
           </a:p>
           <a:p>
             <a:pPr algn="ctr"/>
             <a:r>
-              <a:rPr lang="en-US" altLang="ko-KR" sz="1400" b="1"/>
+              <a:rPr lang="en-US" altLang="ko-KR" sz="1000" b="1" i="1"/>
               <a:t>GPU, CUDA arguments</a:t>
             </a:r>
           </a:p>
@@ -4862,14 +4985,15 @@
         </p:nvSpPr>
         <p:spPr>
           <a:xfrm>
-            <a:off x="994692" y="2231784"/>
-            <a:ext cx="1921124" cy="1111980"/>
+            <a:off x="994692" y="2139701"/>
+            <a:ext cx="1921124" cy="1711297"/>
           </a:xfrm>
           <a:prstGeom prst="roundRect">
             <a:avLst>
               <a:gd name="adj" fmla="val 6774"/>
             </a:avLst>
           </a:prstGeom>
+          <a:ln w="12700"/>
         </p:spPr>
         <p:style>
           <a:lnRef idx="2">
@@ -4886,19 +5010,19 @@
           </a:fontRef>
         </p:style>
         <p:txBody>
-          <a:bodyPr rtlCol="0" anchor="ctr"/>
+          <a:bodyPr rtlCol="0" anchor="b"/>
           <a:lstStyle/>
           <a:p>
             <a:pPr algn="ctr"/>
             <a:r>
-              <a:rPr lang="en-US" altLang="ko-KR" sz="1400">
+              <a:rPr lang="en-US" altLang="ko-KR" sz="1200">
                 <a:solidFill>
                   <a:schemeClr val="tx1"/>
                 </a:solidFill>
               </a:rPr>
               <a:t>Container</a:t>
             </a:r>
-            <a:endParaRPr lang="en-US" altLang="ko-KR" sz="1400" dirty="0">
+            <a:endParaRPr lang="en-US" altLang="ko-KR" sz="1200" dirty="0">
               <a:solidFill>
                 <a:schemeClr val="tx1"/>
               </a:solidFill>
@@ -4907,7 +5031,7 @@
           <a:p>
             <a:pPr algn="ctr"/>
             <a:r>
-              <a:rPr lang="en-US" altLang="ko-KR" sz="1400">
+              <a:rPr lang="en-US" altLang="ko-KR" sz="1200">
                 <a:solidFill>
                   <a:schemeClr val="tx1"/>
                 </a:solidFill>
@@ -4931,8 +5055,8 @@
         </p:nvSpPr>
         <p:spPr>
           <a:xfrm>
-            <a:off x="1125242" y="1046349"/>
-            <a:ext cx="2731142" cy="619914"/>
+            <a:off x="2037881" y="1034393"/>
+            <a:ext cx="1828120" cy="420540"/>
           </a:xfrm>
           <a:prstGeom prst="roundRect">
             <a:avLst>
@@ -4964,14 +5088,14 @@
           <a:p>
             <a:pPr algn="ctr"/>
             <a:r>
-              <a:rPr lang="en-US" altLang="ko-KR" sz="1400"/>
+              <a:rPr lang="en-US" altLang="ko-KR" sz="1000" i="1"/>
               <a:t>Create namespace (clone()),</a:t>
             </a:r>
           </a:p>
           <a:p>
             <a:pPr algn="ctr"/>
             <a:r>
-              <a:rPr lang="en-US" altLang="ko-KR" sz="1400"/>
+              <a:rPr lang="en-US" altLang="ko-KR" sz="1000" i="1"/>
               <a:t>Set rootfs (overlay FS)</a:t>
             </a:r>
           </a:p>
@@ -4997,6 +5121,7 @@
           <a:prstGeom prst="ellipse">
             <a:avLst/>
           </a:prstGeom>
+          <a:ln w="12700"/>
         </p:spPr>
         <p:style>
           <a:lnRef idx="2">
@@ -5018,10 +5143,10 @@
           <a:p>
             <a:pPr algn="ctr"/>
             <a:r>
-              <a:rPr lang="en-US" altLang="ko-KR" sz="1600"/>
-              <a:t>2</a:t>
-            </a:r>
-            <a:endParaRPr lang="ko-KR" altLang="en-US" sz="1600"/>
+              <a:rPr lang="en-US" altLang="ko-KR" sz="1200"/>
+              <a:t>3</a:t>
+            </a:r>
+            <a:endParaRPr lang="ko-KR" altLang="en-US" sz="1200"/>
           </a:p>
         </p:txBody>
       </p:sp>
@@ -5045,6 +5170,7 @@
           <a:prstGeom prst="ellipse">
             <a:avLst/>
           </a:prstGeom>
+          <a:ln w="12700"/>
         </p:spPr>
         <p:style>
           <a:lnRef idx="2">
@@ -5066,10 +5192,10 @@
           <a:p>
             <a:pPr algn="ctr"/>
             <a:r>
-              <a:rPr lang="en-US" altLang="ko-KR" sz="1600"/>
-              <a:t>3</a:t>
-            </a:r>
-            <a:endParaRPr lang="ko-KR" altLang="en-US" sz="1600"/>
+              <a:rPr lang="en-US" altLang="ko-KR" sz="1200"/>
+              <a:t>4</a:t>
+            </a:r>
+            <a:endParaRPr lang="ko-KR" altLang="en-US" sz="1200"/>
           </a:p>
         </p:txBody>
       </p:sp>
@@ -5093,6 +5219,7 @@
           <a:prstGeom prst="ellipse">
             <a:avLst/>
           </a:prstGeom>
+          <a:ln w="12700"/>
         </p:spPr>
         <p:style>
           <a:lnRef idx="2">
@@ -5114,10 +5241,10 @@
           <a:p>
             <a:pPr algn="ctr"/>
             <a:r>
-              <a:rPr lang="en-US" altLang="ko-KR" sz="1600"/>
-              <a:t>4</a:t>
-            </a:r>
-            <a:endParaRPr lang="ko-KR" altLang="en-US" sz="1600"/>
+              <a:rPr lang="en-US" altLang="ko-KR" sz="1200"/>
+              <a:t>5</a:t>
+            </a:r>
+            <a:endParaRPr lang="ko-KR" altLang="en-US" sz="1200"/>
           </a:p>
         </p:txBody>
       </p:sp>
@@ -5135,8 +5262,8 @@
         </p:nvSpPr>
         <p:spPr>
           <a:xfrm>
-            <a:off x="2548806" y="1902976"/>
-            <a:ext cx="2604420" cy="619914"/>
+            <a:off x="1177355" y="2831826"/>
+            <a:ext cx="1886052" cy="458983"/>
           </a:xfrm>
           <a:prstGeom prst="roundRect">
             <a:avLst>
@@ -5168,67 +5295,16 @@
           <a:p>
             <a:pPr algn="ctr"/>
             <a:r>
-              <a:rPr lang="en-US" altLang="ko-KR" sz="1400"/>
+              <a:rPr lang="en-US" altLang="ko-KR" sz="1000" i="1"/>
               <a:t>Change root (pivot_root()),</a:t>
             </a:r>
             <a:br>
-              <a:rPr lang="en-US" altLang="ko-KR" sz="1400"/>
+              <a:rPr lang="en-US" altLang="ko-KR" sz="1000" i="1"/>
             </a:br>
             <a:r>
-              <a:rPr lang="en-US" altLang="ko-KR" sz="1400"/>
+              <a:rPr lang="en-US" altLang="ko-KR" sz="1000" i="1"/>
               <a:t>Exec app (exec())</a:t>
             </a:r>
-          </a:p>
-        </p:txBody>
-      </p:sp>
-      <p:sp>
-        <p:nvSpPr>
-          <p:cNvPr id="76" name="타원 75">
-            <a:extLst>
-              <a:ext uri="{FF2B5EF4-FFF2-40B4-BE49-F238E27FC236}">
-                <a16:creationId xmlns:a16="http://schemas.microsoft.com/office/drawing/2014/main" id="{ABCCEE66-F353-4557-8BFD-172E27E48A67}"/>
-              </a:ext>
-            </a:extLst>
-          </p:cNvPr>
-          <p:cNvSpPr/>
-          <p:nvPr/>
-        </p:nvSpPr>
-        <p:spPr>
-          <a:xfrm>
-            <a:off x="3690518" y="1705061"/>
-            <a:ext cx="288032" cy="288032"/>
-          </a:xfrm>
-          <a:prstGeom prst="ellipse">
-            <a:avLst/>
-          </a:prstGeom>
-          <a:solidFill>
-            <a:schemeClr val="bg1"/>
-          </a:solidFill>
-        </p:spPr>
-        <p:style>
-          <a:lnRef idx="2">
-            <a:schemeClr val="dk1"/>
-          </a:lnRef>
-          <a:fillRef idx="1">
-            <a:schemeClr val="lt1"/>
-          </a:fillRef>
-          <a:effectRef idx="0">
-            <a:schemeClr val="dk1"/>
-          </a:effectRef>
-          <a:fontRef idx="minor">
-            <a:schemeClr val="dk1"/>
-          </a:fontRef>
-        </p:style>
-        <p:txBody>
-          <a:bodyPr rtlCol="0" anchor="ctr"/>
-          <a:lstStyle/>
-          <a:p>
-            <a:pPr algn="ctr"/>
-            <a:r>
-              <a:rPr lang="en-US" altLang="ko-KR" sz="1600"/>
-              <a:t>5</a:t>
-            </a:r>
-            <a:endParaRPr lang="ko-KR" altLang="en-US" sz="1600"/>
           </a:p>
         </p:txBody>
       </p:sp>
@@ -5243,24 +5319,23 @@
           </p:cNvPr>
           <p:cNvCxnSpPr>
             <a:cxnSpLocks/>
-            <a:stCxn id="35" idx="1"/>
           </p:cNvCxnSpPr>
           <p:nvPr/>
         </p:nvCxnSpPr>
         <p:spPr>
           <a:xfrm flipH="1">
-            <a:off x="1718313" y="1594831"/>
-            <a:ext cx="2122988" cy="636953"/>
+            <a:off x="1551883" y="1472351"/>
+            <a:ext cx="2289418" cy="667351"/>
           </a:xfrm>
           <a:prstGeom prst="straightConnector1">
             <a:avLst/>
           </a:prstGeom>
-          <a:ln w="19050">
+          <a:ln w="12700">
             <a:solidFill>
               <a:schemeClr val="tx1"/>
             </a:solidFill>
             <a:headEnd type="none" w="med" len="med"/>
-            <a:tailEnd type="arrow" w="med" len="med"/>
+            <a:tailEnd type="triangle" w="med" len="med"/>
           </a:ln>
         </p:spPr>
         <p:style>
@@ -5292,12 +5367,13 @@
         </p:nvSpPr>
         <p:spPr>
           <a:xfrm>
-            <a:off x="3693972" y="1234253"/>
+            <a:off x="3693972" y="1242415"/>
             <a:ext cx="288032" cy="288032"/>
           </a:xfrm>
           <a:prstGeom prst="ellipse">
             <a:avLst/>
           </a:prstGeom>
+          <a:ln w="12700"/>
         </p:spPr>
         <p:style>
           <a:lnRef idx="2">
@@ -5319,10 +5395,10 @@
           <a:p>
             <a:pPr algn="ctr"/>
             <a:r>
-              <a:rPr lang="en-US" altLang="ko-KR" sz="1600"/>
+              <a:rPr lang="en-US" altLang="ko-KR" sz="1200"/>
               <a:t>1</a:t>
             </a:r>
-            <a:endParaRPr lang="ko-KR" altLang="en-US" sz="1600"/>
+            <a:endParaRPr lang="ko-KR" altLang="en-US" sz="1200"/>
           </a:p>
         </p:txBody>
       </p:sp>
@@ -5340,8 +5416,8 @@
         </p:nvSpPr>
         <p:spPr>
           <a:xfrm>
-            <a:off x="921657" y="3734226"/>
-            <a:ext cx="2878471" cy="619914"/>
+            <a:off x="1854525" y="4108151"/>
+            <a:ext cx="1859108" cy="398704"/>
           </a:xfrm>
           <a:prstGeom prst="roundRect">
             <a:avLst>
@@ -5373,15 +5449,15 @@
           <a:p>
             <a:pPr algn="ctr"/>
             <a:r>
-              <a:rPr lang="en-US" altLang="ko-KR" sz="1400"/>
-              <a:t>Make device node </a:t>
-            </a:r>
-            <a:br>
-              <a:rPr lang="en-US" altLang="ko-KR" sz="1400"/>
-            </a:br>
-            <a:r>
-              <a:rPr lang="en-US" altLang="ko-KR" sz="1400"/>
-              <a:t>(mknod), Load kernel module</a:t>
+              <a:rPr lang="en-US" altLang="ko-KR" sz="1000" i="1"/>
+              <a:t>Make device node (mknod), </a:t>
+            </a:r>
+          </a:p>
+          <a:p>
+            <a:pPr algn="ctr"/>
+            <a:r>
+              <a:rPr lang="en-US" altLang="ko-KR" sz="1000" i="1"/>
+              <a:t>Load kernel module</a:t>
             </a:r>
           </a:p>
         </p:txBody>
@@ -5408,6 +5484,7 @@
               <a:gd name="adj" fmla="val 10304"/>
             </a:avLst>
           </a:prstGeom>
+          <a:ln w="12700"/>
         </p:spPr>
         <p:style>
           <a:lnRef idx="2">
@@ -5429,17 +5506,17 @@
           <a:p>
             <a:pPr algn="ctr"/>
             <a:r>
-              <a:rPr lang="en-US" altLang="ko-KR" sz="1400"/>
+              <a:rPr lang="en-US" altLang="ko-KR" sz="1200"/>
               <a:t>OCI Runtime</a:t>
             </a:r>
           </a:p>
           <a:p>
             <a:pPr algn="ctr"/>
             <a:r>
-              <a:rPr lang="en-US" altLang="ko-KR" sz="1400"/>
+              <a:rPr lang="en-US" altLang="ko-KR" sz="1200"/>
               <a:t>Config.json</a:t>
             </a:r>
-            <a:endParaRPr lang="en-US" altLang="ko-KR" sz="1400" dirty="0"/>
+            <a:endParaRPr lang="en-US" altLang="ko-KR" sz="1200" dirty="0"/>
           </a:p>
         </p:txBody>
       </p:sp>
@@ -5467,12 +5544,12 @@
           <a:prstGeom prst="straightConnector1">
             <a:avLst/>
           </a:prstGeom>
-          <a:ln w="19050">
+          <a:ln w="12700">
             <a:solidFill>
               <a:schemeClr val="tx1"/>
             </a:solidFill>
             <a:headEnd type="none" w="med" len="med"/>
-            <a:tailEnd type="arrow" w="med" len="med"/>
+            <a:tailEnd type="triangle" w="med" len="med"/>
           </a:ln>
         </p:spPr>
         <p:style>
@@ -5514,12 +5591,12 @@
           <a:prstGeom prst="straightConnector1">
             <a:avLst/>
           </a:prstGeom>
-          <a:ln w="19050">
+          <a:ln w="12700">
             <a:solidFill>
               <a:schemeClr val="tx1"/>
             </a:solidFill>
             <a:headEnd type="none" w="med" len="med"/>
-            <a:tailEnd type="arrow" w="med" len="med"/>
+            <a:tailEnd type="triangle" w="med" len="med"/>
           </a:ln>
         </p:spPr>
         <p:style>
@@ -5537,6 +5614,361 @@
           </a:fontRef>
         </p:style>
       </p:cxnSp>
+      <p:cxnSp>
+        <p:nvCxnSpPr>
+          <p:cNvPr id="3" name="직선 화살표 연결선 2">
+            <a:extLst>
+              <a:ext uri="{FF2B5EF4-FFF2-40B4-BE49-F238E27FC236}">
+                <a16:creationId xmlns:a16="http://schemas.microsoft.com/office/drawing/2014/main" id="{EFE3B8DF-4C56-3CC0-5814-05BBC4932D96}"/>
+              </a:ext>
+            </a:extLst>
+          </p:cNvPr>
+          <p:cNvCxnSpPr>
+            <a:cxnSpLocks/>
+            <a:stCxn id="48" idx="0"/>
+            <a:endCxn id="35" idx="1"/>
+          </p:cNvCxnSpPr>
+          <p:nvPr/>
+        </p:nvCxnSpPr>
+        <p:spPr>
+          <a:xfrm flipV="1">
+            <a:off x="1955254" y="1594831"/>
+            <a:ext cx="1886047" cy="544870"/>
+          </a:xfrm>
+          <a:prstGeom prst="straightConnector1">
+            <a:avLst/>
+          </a:prstGeom>
+          <a:ln w="12700">
+            <a:solidFill>
+              <a:schemeClr val="tx1"/>
+            </a:solidFill>
+            <a:headEnd type="none" w="med" len="med"/>
+            <a:tailEnd type="triangle" w="med" len="med"/>
+          </a:ln>
+        </p:spPr>
+        <p:style>
+          <a:lnRef idx="1">
+            <a:schemeClr val="accent1"/>
+          </a:lnRef>
+          <a:fillRef idx="0">
+            <a:schemeClr val="accent1"/>
+          </a:fillRef>
+          <a:effectRef idx="0">
+            <a:schemeClr val="accent1"/>
+          </a:effectRef>
+          <a:fontRef idx="minor">
+            <a:schemeClr val="tx1"/>
+          </a:fontRef>
+        </p:style>
+      </p:cxnSp>
+      <p:sp>
+        <p:nvSpPr>
+          <p:cNvPr id="29" name="사각형: 둥근 모서리 114">
+            <a:extLst>
+              <a:ext uri="{FF2B5EF4-FFF2-40B4-BE49-F238E27FC236}">
+                <a16:creationId xmlns:a16="http://schemas.microsoft.com/office/drawing/2014/main" id="{DFB5EAB8-13A7-24B3-B600-D994ACA0B37A}"/>
+              </a:ext>
+            </a:extLst>
+          </p:cNvPr>
+          <p:cNvSpPr/>
+          <p:nvPr/>
+        </p:nvSpPr>
+        <p:spPr>
+          <a:xfrm>
+            <a:off x="686361" y="2128125"/>
+            <a:ext cx="1449638" cy="619914"/>
+          </a:xfrm>
+          <a:prstGeom prst="roundRect">
+            <a:avLst>
+              <a:gd name="adj" fmla="val 10304"/>
+            </a:avLst>
+          </a:prstGeom>
+          <a:noFill/>
+          <a:ln>
+            <a:noFill/>
+          </a:ln>
+        </p:spPr>
+        <p:style>
+          <a:lnRef idx="2">
+            <a:schemeClr val="dk1"/>
+          </a:lnRef>
+          <a:fillRef idx="1">
+            <a:schemeClr val="lt1"/>
+          </a:fillRef>
+          <a:effectRef idx="0">
+            <a:schemeClr val="dk1"/>
+          </a:effectRef>
+          <a:fontRef idx="minor">
+            <a:schemeClr val="dk1"/>
+          </a:fontRef>
+        </p:style>
+        <p:txBody>
+          <a:bodyPr rtlCol="0" anchor="ctr"/>
+          <a:lstStyle/>
+          <a:p>
+            <a:pPr algn="ctr"/>
+            <a:r>
+              <a:rPr lang="en-US" altLang="ko-KR" sz="1000" i="1"/>
+              <a:t>Request run </a:t>
+            </a:r>
+          </a:p>
+          <a:p>
+            <a:pPr algn="ctr"/>
+            <a:r>
+              <a:rPr lang="en-US" altLang="ko-KR" sz="1000" i="1"/>
+              <a:t>prestart hook through FIFO</a:t>
+            </a:r>
+          </a:p>
+        </p:txBody>
+      </p:sp>
+      <p:sp>
+        <p:nvSpPr>
+          <p:cNvPr id="33" name="타원 32">
+            <a:extLst>
+              <a:ext uri="{FF2B5EF4-FFF2-40B4-BE49-F238E27FC236}">
+                <a16:creationId xmlns:a16="http://schemas.microsoft.com/office/drawing/2014/main" id="{00DF2A4E-ED70-38F7-A9A8-11E7FD4B3FC8}"/>
+              </a:ext>
+            </a:extLst>
+          </p:cNvPr>
+          <p:cNvSpPr/>
+          <p:nvPr/>
+        </p:nvSpPr>
+        <p:spPr>
+          <a:xfrm>
+            <a:off x="1811238" y="2085622"/>
+            <a:ext cx="288032" cy="288032"/>
+          </a:xfrm>
+          <a:prstGeom prst="ellipse">
+            <a:avLst/>
+          </a:prstGeom>
+          <a:solidFill>
+            <a:schemeClr val="bg1"/>
+          </a:solidFill>
+          <a:ln w="12700"/>
+        </p:spPr>
+        <p:style>
+          <a:lnRef idx="2">
+            <a:schemeClr val="dk1"/>
+          </a:lnRef>
+          <a:fillRef idx="1">
+            <a:schemeClr val="lt1"/>
+          </a:fillRef>
+          <a:effectRef idx="0">
+            <a:schemeClr val="dk1"/>
+          </a:effectRef>
+          <a:fontRef idx="minor">
+            <a:schemeClr val="dk1"/>
+          </a:fontRef>
+        </p:style>
+        <p:txBody>
+          <a:bodyPr rtlCol="0" anchor="ctr"/>
+          <a:lstStyle/>
+          <a:p>
+            <a:pPr algn="ctr"/>
+            <a:r>
+              <a:rPr lang="en-US" altLang="ko-KR" sz="1200"/>
+              <a:t>2</a:t>
+            </a:r>
+            <a:endParaRPr lang="ko-KR" altLang="en-US" sz="1200"/>
+          </a:p>
+        </p:txBody>
+      </p:sp>
+      <p:cxnSp>
+        <p:nvCxnSpPr>
+          <p:cNvPr id="51" name="직선 화살표 연결선 50">
+            <a:extLst>
+              <a:ext uri="{FF2B5EF4-FFF2-40B4-BE49-F238E27FC236}">
+                <a16:creationId xmlns:a16="http://schemas.microsoft.com/office/drawing/2014/main" id="{E4DBC2F7-3A9E-6976-F9E3-68CB58121E8E}"/>
+              </a:ext>
+            </a:extLst>
+          </p:cNvPr>
+          <p:cNvCxnSpPr>
+            <a:cxnSpLocks/>
+          </p:cNvCxnSpPr>
+          <p:nvPr/>
+        </p:nvCxnSpPr>
+        <p:spPr>
+          <a:xfrm flipH="1">
+            <a:off x="2371915" y="1709737"/>
+            <a:ext cx="1464878" cy="430213"/>
+          </a:xfrm>
+          <a:prstGeom prst="straightConnector1">
+            <a:avLst/>
+          </a:prstGeom>
+          <a:ln w="12700">
+            <a:solidFill>
+              <a:schemeClr val="tx1"/>
+            </a:solidFill>
+            <a:headEnd type="none" w="med" len="med"/>
+            <a:tailEnd type="triangle" w="med" len="med"/>
+          </a:ln>
+        </p:spPr>
+        <p:style>
+          <a:lnRef idx="1">
+            <a:schemeClr val="accent1"/>
+          </a:lnRef>
+          <a:fillRef idx="0">
+            <a:schemeClr val="accent1"/>
+          </a:fillRef>
+          <a:effectRef idx="0">
+            <a:schemeClr val="accent1"/>
+          </a:effectRef>
+          <a:fontRef idx="minor">
+            <a:schemeClr val="tx1"/>
+          </a:fontRef>
+        </p:style>
+      </p:cxnSp>
+      <p:sp>
+        <p:nvSpPr>
+          <p:cNvPr id="57" name="타원 56">
+            <a:extLst>
+              <a:ext uri="{FF2B5EF4-FFF2-40B4-BE49-F238E27FC236}">
+                <a16:creationId xmlns:a16="http://schemas.microsoft.com/office/drawing/2014/main" id="{A8C5CAD4-4925-3C60-8FBF-A486C33C5A6A}"/>
+              </a:ext>
+            </a:extLst>
+          </p:cNvPr>
+          <p:cNvSpPr/>
+          <p:nvPr/>
+        </p:nvSpPr>
+        <p:spPr>
+          <a:xfrm>
+            <a:off x="3693972" y="1666142"/>
+            <a:ext cx="288032" cy="288032"/>
+          </a:xfrm>
+          <a:prstGeom prst="ellipse">
+            <a:avLst/>
+          </a:prstGeom>
+          <a:ln w="12700"/>
+        </p:spPr>
+        <p:style>
+          <a:lnRef idx="2">
+            <a:schemeClr val="dk1"/>
+          </a:lnRef>
+          <a:fillRef idx="1">
+            <a:schemeClr val="lt1"/>
+          </a:fillRef>
+          <a:effectRef idx="0">
+            <a:schemeClr val="dk1"/>
+          </a:effectRef>
+          <a:fontRef idx="minor">
+            <a:schemeClr val="dk1"/>
+          </a:fontRef>
+        </p:style>
+        <p:txBody>
+          <a:bodyPr rtlCol="0" anchor="ctr"/>
+          <a:lstStyle/>
+          <a:p>
+            <a:pPr algn="ctr"/>
+            <a:r>
+              <a:rPr lang="en-US" altLang="ko-KR" sz="1200"/>
+              <a:t>6</a:t>
+            </a:r>
+            <a:endParaRPr lang="ko-KR" altLang="en-US" sz="1200"/>
+          </a:p>
+        </p:txBody>
+      </p:sp>
+      <p:sp>
+        <p:nvSpPr>
+          <p:cNvPr id="58" name="사각형: 둥근 모서리 114">
+            <a:extLst>
+              <a:ext uri="{FF2B5EF4-FFF2-40B4-BE49-F238E27FC236}">
+                <a16:creationId xmlns:a16="http://schemas.microsoft.com/office/drawing/2014/main" id="{08F61331-5805-941B-ACD7-FD2DE2B3CF1F}"/>
+              </a:ext>
+            </a:extLst>
+          </p:cNvPr>
+          <p:cNvSpPr/>
+          <p:nvPr/>
+        </p:nvSpPr>
+        <p:spPr>
+          <a:xfrm>
+            <a:off x="2929779" y="1935917"/>
+            <a:ext cx="1828120" cy="420540"/>
+          </a:xfrm>
+          <a:prstGeom prst="roundRect">
+            <a:avLst>
+              <a:gd name="adj" fmla="val 10304"/>
+            </a:avLst>
+          </a:prstGeom>
+          <a:noFill/>
+          <a:ln>
+            <a:noFill/>
+          </a:ln>
+        </p:spPr>
+        <p:style>
+          <a:lnRef idx="2">
+            <a:schemeClr val="dk1"/>
+          </a:lnRef>
+          <a:fillRef idx="1">
+            <a:schemeClr val="lt1"/>
+          </a:fillRef>
+          <a:effectRef idx="0">
+            <a:schemeClr val="dk1"/>
+          </a:effectRef>
+          <a:fontRef idx="minor">
+            <a:schemeClr val="dk1"/>
+          </a:fontRef>
+        </p:style>
+        <p:txBody>
+          <a:bodyPr rtlCol="0" anchor="ctr"/>
+          <a:lstStyle/>
+          <a:p>
+            <a:pPr algn="ctr"/>
+            <a:r>
+              <a:rPr lang="en-US" altLang="ko-KR" sz="1000" i="1"/>
+              <a:t>Response done prestart hook through FIFO</a:t>
+            </a:r>
+          </a:p>
+        </p:txBody>
+      </p:sp>
+      <p:sp>
+        <p:nvSpPr>
+          <p:cNvPr id="64" name="타원 63">
+            <a:extLst>
+              <a:ext uri="{FF2B5EF4-FFF2-40B4-BE49-F238E27FC236}">
+                <a16:creationId xmlns:a16="http://schemas.microsoft.com/office/drawing/2014/main" id="{C9ECED67-B786-436A-F2E8-5EAF4D6F013D}"/>
+              </a:ext>
+            </a:extLst>
+          </p:cNvPr>
+          <p:cNvSpPr/>
+          <p:nvPr/>
+        </p:nvSpPr>
+        <p:spPr>
+          <a:xfrm>
+            <a:off x="1036914" y="2917302"/>
+            <a:ext cx="288032" cy="288032"/>
+          </a:xfrm>
+          <a:prstGeom prst="ellipse">
+            <a:avLst/>
+          </a:prstGeom>
+          <a:ln w="12700"/>
+        </p:spPr>
+        <p:style>
+          <a:lnRef idx="2">
+            <a:schemeClr val="dk1"/>
+          </a:lnRef>
+          <a:fillRef idx="1">
+            <a:schemeClr val="lt1"/>
+          </a:fillRef>
+          <a:effectRef idx="0">
+            <a:schemeClr val="dk1"/>
+          </a:effectRef>
+          <a:fontRef idx="minor">
+            <a:schemeClr val="dk1"/>
+          </a:fontRef>
+        </p:style>
+        <p:txBody>
+          <a:bodyPr rtlCol="0" anchor="ctr"/>
+          <a:lstStyle/>
+          <a:p>
+            <a:pPr algn="ctr"/>
+            <a:r>
+              <a:rPr lang="en-US" altLang="ko-KR" sz="1200"/>
+              <a:t>7</a:t>
+            </a:r>
+            <a:endParaRPr lang="ko-KR" altLang="en-US" sz="1200"/>
+          </a:p>
+        </p:txBody>
+      </p:sp>
     </p:spTree>
     <p:extLst>
       <p:ext uri="{BB962C8B-B14F-4D97-AF65-F5344CB8AC3E}">
@@ -5625,6 +6057,7 @@
               <a:gd name="adj" fmla="val 6397"/>
             </a:avLst>
           </a:prstGeom>
+          <a:ln w="12700"/>
         </p:spPr>
         <p:style>
           <a:lnRef idx="2">
@@ -5646,10 +6079,10 @@
           <a:p>
             <a:pPr algn="ctr"/>
             <a:r>
-              <a:rPr lang="en-US" altLang="ko-KR" sz="1400" b="1"/>
+              <a:rPr lang="en-US" altLang="ko-KR" sz="1200" b="1"/>
               <a:t>Host Hardware</a:t>
             </a:r>
-            <a:endParaRPr lang="en-US" altLang="ko-KR" sz="1400" b="1" dirty="0"/>
+            <a:endParaRPr lang="en-US" altLang="ko-KR" sz="1200" b="1" dirty="0"/>
           </a:p>
         </p:txBody>
       </p:sp>
@@ -5675,6 +6108,7 @@
               <a:gd name="adj" fmla="val 4167"/>
             </a:avLst>
           </a:prstGeom>
+          <a:ln w="12700"/>
         </p:spPr>
         <p:style>
           <a:lnRef idx="2">
@@ -5696,10 +6130,10 @@
           <a:p>
             <a:pPr algn="ctr"/>
             <a:r>
-              <a:rPr lang="en-US" altLang="ko-KR" sz="1400" b="1"/>
+              <a:rPr lang="en-US" altLang="ko-KR" sz="1200" b="1"/>
               <a:t>Host Kernel</a:t>
             </a:r>
-            <a:endParaRPr lang="en-US" altLang="ko-KR" sz="1400" b="1" dirty="0"/>
+            <a:endParaRPr lang="en-US" altLang="ko-KR" sz="1200" b="1" dirty="0"/>
           </a:p>
         </p:txBody>
       </p:sp>
@@ -5725,6 +6159,7 @@
               <a:gd name="adj" fmla="val 7242"/>
             </a:avLst>
           </a:prstGeom>
+          <a:ln w="12700"/>
         </p:spPr>
         <p:style>
           <a:lnRef idx="2">
@@ -5746,17 +6181,17 @@
           <a:p>
             <a:pPr algn="ctr"/>
             <a:r>
-              <a:rPr lang="en-US" altLang="ko-KR" sz="1200"/>
+              <a:rPr lang="en-US" altLang="ko-KR" sz="1050"/>
               <a:t>NVIDIA</a:t>
             </a:r>
           </a:p>
           <a:p>
             <a:pPr algn="ctr"/>
             <a:r>
-              <a:rPr lang="en-US" altLang="ko-KR" sz="1200"/>
+              <a:rPr lang="en-US" altLang="ko-KR" sz="1050"/>
               <a:t>GPU 0</a:t>
             </a:r>
-            <a:endParaRPr lang="en-US" altLang="ko-KR" sz="1200" dirty="0"/>
+            <a:endParaRPr lang="en-US" altLang="ko-KR" sz="1050" dirty="0"/>
           </a:p>
         </p:txBody>
       </p:sp>
@@ -5782,6 +6217,7 @@
               <a:gd name="adj" fmla="val 7242"/>
             </a:avLst>
           </a:prstGeom>
+          <a:ln w="12700"/>
         </p:spPr>
         <p:style>
           <a:lnRef idx="2">
@@ -5803,17 +6239,17 @@
           <a:p>
             <a:pPr algn="ctr"/>
             <a:r>
-              <a:rPr lang="en-US" altLang="ko-KR" sz="1200"/>
+              <a:rPr lang="en-US" altLang="ko-KR" sz="1050"/>
               <a:t>NVIDIA</a:t>
             </a:r>
           </a:p>
           <a:p>
             <a:pPr algn="ctr"/>
             <a:r>
-              <a:rPr lang="en-US" altLang="ko-KR" sz="1200"/>
+              <a:rPr lang="en-US" altLang="ko-KR" sz="1050"/>
               <a:t>GPU 1</a:t>
             </a:r>
-            <a:endParaRPr lang="en-US" altLang="ko-KR" sz="1200" dirty="0"/>
+            <a:endParaRPr lang="en-US" altLang="ko-KR" sz="1050" dirty="0"/>
           </a:p>
         </p:txBody>
       </p:sp>
@@ -5839,6 +6275,7 @@
               <a:gd name="adj" fmla="val 7242"/>
             </a:avLst>
           </a:prstGeom>
+          <a:ln w="12700"/>
         </p:spPr>
         <p:style>
           <a:lnRef idx="2">
@@ -5860,17 +6297,17 @@
           <a:p>
             <a:pPr algn="ctr"/>
             <a:r>
-              <a:rPr lang="en-US" altLang="ko-KR" sz="1200"/>
+              <a:rPr lang="en-US" altLang="ko-KR" sz="1050"/>
               <a:t>NVIDIA</a:t>
             </a:r>
           </a:p>
           <a:p>
             <a:pPr algn="ctr"/>
             <a:r>
-              <a:rPr lang="en-US" altLang="ko-KR" sz="1200"/>
+              <a:rPr lang="en-US" altLang="ko-KR" sz="1050"/>
               <a:t>GPU 2</a:t>
             </a:r>
-            <a:endParaRPr lang="en-US" altLang="ko-KR" sz="1200" dirty="0"/>
+            <a:endParaRPr lang="en-US" altLang="ko-KR" sz="1050" dirty="0"/>
           </a:p>
         </p:txBody>
       </p:sp>
@@ -5896,6 +6333,7 @@
               <a:gd name="adj" fmla="val 7242"/>
             </a:avLst>
           </a:prstGeom>
+          <a:ln w="12700"/>
         </p:spPr>
         <p:style>
           <a:lnRef idx="2">
@@ -5917,17 +6355,17 @@
           <a:p>
             <a:pPr algn="ctr"/>
             <a:r>
-              <a:rPr lang="en-US" altLang="ko-KR" sz="1200"/>
+              <a:rPr lang="en-US" altLang="ko-KR" sz="1050"/>
               <a:t>NVIDIA</a:t>
             </a:r>
           </a:p>
           <a:p>
             <a:pPr algn="ctr"/>
             <a:r>
-              <a:rPr lang="en-US" altLang="ko-KR" sz="1200"/>
+              <a:rPr lang="en-US" altLang="ko-KR" sz="1050"/>
               <a:t>GPU 3</a:t>
             </a:r>
-            <a:endParaRPr lang="en-US" altLang="ko-KR" sz="1200" dirty="0"/>
+            <a:endParaRPr lang="en-US" altLang="ko-KR" sz="1050" dirty="0"/>
           </a:p>
         </p:txBody>
       </p:sp>
@@ -5953,6 +6391,7 @@
               <a:gd name="adj" fmla="val 6774"/>
             </a:avLst>
           </a:prstGeom>
+          <a:ln w="12700"/>
         </p:spPr>
         <p:style>
           <a:lnRef idx="2">
@@ -5974,10 +6413,10 @@
           <a:p>
             <a:pPr algn="ctr"/>
             <a:r>
-              <a:rPr lang="en-US" altLang="ko-KR" sz="1400" b="1"/>
+              <a:rPr lang="en-US" altLang="ko-KR" sz="1200" b="1"/>
               <a:t>Container A</a:t>
             </a:r>
-            <a:endParaRPr lang="ko-KR" altLang="en-US" sz="1400" b="1" dirty="0">
+            <a:endParaRPr lang="ko-KR" altLang="en-US" sz="1200" b="1" dirty="0">
               <a:solidFill>
                 <a:schemeClr val="accent2">
                   <a:lumMod val="75000"/>
@@ -6009,6 +6448,7 @@
               <a:gd name="adj" fmla="val 7242"/>
             </a:avLst>
           </a:prstGeom>
+          <a:ln w="12700"/>
         </p:spPr>
         <p:style>
           <a:lnRef idx="2">
@@ -6030,10 +6470,10 @@
           <a:p>
             <a:pPr algn="ctr"/>
             <a:r>
-              <a:rPr lang="en-US" altLang="ko-KR" sz="1200"/>
+              <a:rPr lang="en-US" altLang="ko-KR" sz="1050"/>
               <a:t>/dev/nvidia0</a:t>
             </a:r>
-            <a:endParaRPr lang="en-US" altLang="ko-KR" sz="1200" dirty="0"/>
+            <a:endParaRPr lang="en-US" altLang="ko-KR" sz="1050" dirty="0"/>
           </a:p>
         </p:txBody>
       </p:sp>
@@ -6059,6 +6499,7 @@
               <a:gd name="adj" fmla="val 7242"/>
             </a:avLst>
           </a:prstGeom>
+          <a:ln w="12700"/>
         </p:spPr>
         <p:style>
           <a:lnRef idx="2">
@@ -6080,10 +6521,10 @@
           <a:p>
             <a:pPr algn="ctr"/>
             <a:r>
-              <a:rPr lang="en-US" altLang="ko-KR" sz="1200"/>
+              <a:rPr lang="en-US" altLang="ko-KR" sz="1050"/>
               <a:t>/dev/nvidia1</a:t>
             </a:r>
-            <a:endParaRPr lang="en-US" altLang="ko-KR" sz="1200" dirty="0"/>
+            <a:endParaRPr lang="en-US" altLang="ko-KR" sz="1050" dirty="0"/>
           </a:p>
         </p:txBody>
       </p:sp>
@@ -6109,6 +6550,7 @@
               <a:gd name="adj" fmla="val 7242"/>
             </a:avLst>
           </a:prstGeom>
+          <a:ln w="12700"/>
         </p:spPr>
         <p:style>
           <a:lnRef idx="2">
@@ -6130,10 +6572,10 @@
           <a:p>
             <a:pPr algn="ctr"/>
             <a:r>
-              <a:rPr lang="en-US" altLang="ko-KR" sz="1200"/>
+              <a:rPr lang="en-US" altLang="ko-KR" sz="1050"/>
               <a:t>NVIDIA CUDA Lib/Toolkit</a:t>
             </a:r>
-            <a:endParaRPr lang="en-US" altLang="ko-KR" sz="1200" dirty="0"/>
+            <a:endParaRPr lang="en-US" altLang="ko-KR" sz="1050" dirty="0"/>
           </a:p>
         </p:txBody>
       </p:sp>
@@ -6179,6 +6621,7 @@
                 <a:gd name="adj" fmla="val 6774"/>
               </a:avLst>
             </a:prstGeom>
+            <a:ln w="12700"/>
           </p:spPr>
           <p:style>
             <a:lnRef idx="2">
@@ -6200,10 +6643,10 @@
             <a:p>
               <a:pPr algn="ctr"/>
               <a:r>
-                <a:rPr lang="en-US" altLang="ko-KR" sz="1400" b="1"/>
+                <a:rPr lang="en-US" altLang="ko-KR" sz="1200" b="1"/>
                 <a:t>Container B</a:t>
               </a:r>
-              <a:endParaRPr lang="ko-KR" altLang="en-US" sz="1400" b="1" dirty="0">
+              <a:endParaRPr lang="ko-KR" altLang="en-US" sz="1200" b="1" dirty="0">
                 <a:solidFill>
                   <a:schemeClr val="accent2">
                     <a:lumMod val="75000"/>
@@ -6235,6 +6678,7 @@
                 <a:gd name="adj" fmla="val 7242"/>
               </a:avLst>
             </a:prstGeom>
+            <a:ln w="12700"/>
           </p:spPr>
           <p:style>
             <a:lnRef idx="2">
@@ -6256,10 +6700,10 @@
             <a:p>
               <a:pPr algn="ctr"/>
               <a:r>
-                <a:rPr lang="en-US" altLang="ko-KR" sz="1200"/>
+                <a:rPr lang="en-US" altLang="ko-KR" sz="1000"/>
                 <a:t>/dev/nvdia0</a:t>
               </a:r>
-              <a:endParaRPr lang="en-US" altLang="ko-KR" sz="1200" dirty="0"/>
+              <a:endParaRPr lang="en-US" altLang="ko-KR" sz="1000" dirty="0"/>
             </a:p>
           </p:txBody>
         </p:sp>
@@ -6285,6 +6729,7 @@
                 <a:gd name="adj" fmla="val 7242"/>
               </a:avLst>
             </a:prstGeom>
+            <a:ln w="12700"/>
           </p:spPr>
           <p:style>
             <a:lnRef idx="2">
@@ -6306,10 +6751,10 @@
             <a:p>
               <a:pPr algn="ctr"/>
               <a:r>
-                <a:rPr lang="en-US" altLang="ko-KR" sz="1200"/>
+                <a:rPr lang="en-US" altLang="ko-KR" sz="1000"/>
                 <a:t>/dev/nvdia2</a:t>
               </a:r>
-              <a:endParaRPr lang="en-US" altLang="ko-KR" sz="1200" dirty="0"/>
+              <a:endParaRPr lang="en-US" altLang="ko-KR" sz="1000" dirty="0"/>
             </a:p>
           </p:txBody>
         </p:sp>
@@ -6335,6 +6780,7 @@
                 <a:gd name="adj" fmla="val 7242"/>
               </a:avLst>
             </a:prstGeom>
+            <a:ln w="12700"/>
           </p:spPr>
           <p:style>
             <a:lnRef idx="2">
@@ -6356,10 +6802,10 @@
             <a:p>
               <a:pPr algn="ctr"/>
               <a:r>
-                <a:rPr lang="en-US" altLang="ko-KR" sz="1200"/>
+                <a:rPr lang="en-US" altLang="ko-KR" sz="1000"/>
                 <a:t>NVIDIA CUDA Lib/Toolkit</a:t>
               </a:r>
-              <a:endParaRPr lang="en-US" altLang="ko-KR" sz="1200" dirty="0"/>
+              <a:endParaRPr lang="en-US" altLang="ko-KR" sz="1000" dirty="0"/>
             </a:p>
           </p:txBody>
         </p:sp>
@@ -6385,6 +6831,7 @@
                 <a:gd name="adj" fmla="val 7242"/>
               </a:avLst>
             </a:prstGeom>
+            <a:ln w="12700"/>
           </p:spPr>
           <p:style>
             <a:lnRef idx="2">
@@ -6406,10 +6853,10 @@
             <a:p>
               <a:pPr algn="ctr"/>
               <a:r>
-                <a:rPr lang="en-US" altLang="ko-KR" sz="1200"/>
+                <a:rPr lang="en-US" altLang="ko-KR" sz="1000"/>
                 <a:t>/dev/nvdia3</a:t>
               </a:r>
-              <a:endParaRPr lang="en-US" altLang="ko-KR" sz="1200" dirty="0"/>
+              <a:endParaRPr lang="en-US" altLang="ko-KR" sz="1000" dirty="0"/>
             </a:p>
           </p:txBody>
         </p:sp>
@@ -6436,6 +6883,7 @@
               <a:gd name="adj" fmla="val 6774"/>
             </a:avLst>
           </a:prstGeom>
+          <a:ln w="12700"/>
         </p:spPr>
         <p:style>
           <a:lnRef idx="2">
@@ -6457,10 +6905,10 @@
           <a:p>
             <a:pPr algn="ctr"/>
             <a:r>
-              <a:rPr lang="en-US" altLang="ko-KR" sz="1400" b="1"/>
+              <a:rPr lang="en-US" altLang="ko-KR" sz="1200" b="1"/>
               <a:t>Container C</a:t>
             </a:r>
-            <a:endParaRPr lang="ko-KR" altLang="en-US" sz="1400" b="1" dirty="0">
+            <a:endParaRPr lang="ko-KR" altLang="en-US" sz="1200" b="1" dirty="0">
               <a:solidFill>
                 <a:schemeClr val="accent2">
                   <a:lumMod val="75000"/>
@@ -6492,6 +6940,7 @@
               <a:gd name="adj" fmla="val 7242"/>
             </a:avLst>
           </a:prstGeom>
+          <a:ln w="12700"/>
         </p:spPr>
         <p:style>
           <a:lnRef idx="2">
@@ -6513,10 +6962,10 @@
           <a:p>
             <a:pPr algn="ctr"/>
             <a:r>
-              <a:rPr lang="en-US" altLang="ko-KR" sz="1200"/>
+              <a:rPr lang="en-US" altLang="ko-KR" sz="1000"/>
               <a:t>/dev/nvdia3</a:t>
             </a:r>
-            <a:endParaRPr lang="en-US" altLang="ko-KR" sz="1200" dirty="0"/>
+            <a:endParaRPr lang="en-US" altLang="ko-KR" sz="1000" dirty="0"/>
           </a:p>
         </p:txBody>
       </p:sp>
@@ -6542,6 +6991,7 @@
               <a:gd name="adj" fmla="val 7242"/>
             </a:avLst>
           </a:prstGeom>
+          <a:ln w="12700"/>
         </p:spPr>
         <p:style>
           <a:lnRef idx="2">
@@ -6563,10 +7013,10 @@
           <a:p>
             <a:pPr algn="ctr"/>
             <a:r>
-              <a:rPr lang="en-US" altLang="ko-KR" sz="1200"/>
+              <a:rPr lang="en-US" altLang="ko-KR" sz="1000"/>
               <a:t>NVIDIA CUDA Lib/Toolkit</a:t>
             </a:r>
-            <a:endParaRPr lang="en-US" altLang="ko-KR" sz="1200" dirty="0"/>
+            <a:endParaRPr lang="en-US" altLang="ko-KR" sz="1000" dirty="0"/>
           </a:p>
         </p:txBody>
       </p:sp>
@@ -6594,7 +7044,7 @@
           <a:prstGeom prst="line">
             <a:avLst/>
           </a:prstGeom>
-          <a:ln w="19050">
+          <a:ln w="12700">
             <a:solidFill>
               <a:schemeClr val="tx1"/>
             </a:solidFill>
@@ -6639,7 +7089,7 @@
           <a:prstGeom prst="line">
             <a:avLst/>
           </a:prstGeom>
-          <a:ln w="19050">
+          <a:ln w="12700">
             <a:solidFill>
               <a:schemeClr val="tx1"/>
             </a:solidFill>
@@ -6684,7 +7134,7 @@
           <a:prstGeom prst="line">
             <a:avLst/>
           </a:prstGeom>
-          <a:ln w="19050">
+          <a:ln w="12700">
             <a:solidFill>
               <a:schemeClr val="tx1"/>
             </a:solidFill>
@@ -6729,7 +7179,7 @@
           <a:prstGeom prst="line">
             <a:avLst/>
           </a:prstGeom>
-          <a:ln w="19050">
+          <a:ln w="12700">
             <a:solidFill>
               <a:schemeClr val="tx1"/>
             </a:solidFill>
@@ -6774,7 +7224,7 @@
           <a:prstGeom prst="line">
             <a:avLst/>
           </a:prstGeom>
-          <a:ln w="19050">
+          <a:ln w="12700">
             <a:solidFill>
               <a:schemeClr val="tx1"/>
             </a:solidFill>
@@ -6819,7 +7269,7 @@
           <a:prstGeom prst="line">
             <a:avLst/>
           </a:prstGeom>
-          <a:ln w="19050">
+          <a:ln w="12700">
             <a:solidFill>
               <a:schemeClr val="tx1"/>
             </a:solidFill>
@@ -6862,6 +7312,7 @@
               <a:gd name="adj" fmla="val 7242"/>
             </a:avLst>
           </a:prstGeom>
+          <a:ln w="12700"/>
         </p:spPr>
         <p:style>
           <a:lnRef idx="2">
@@ -6883,10 +7334,10 @@
           <a:p>
             <a:pPr algn="ctr"/>
             <a:r>
-              <a:rPr lang="en-US" altLang="ko-KR" sz="1200"/>
+              <a:rPr lang="en-US" altLang="ko-KR" sz="1050"/>
               <a:t>NVIDIA GPU Device Driver</a:t>
             </a:r>
-            <a:endParaRPr lang="en-US" altLang="ko-KR" sz="1200" dirty="0"/>
+            <a:endParaRPr lang="en-US" altLang="ko-KR" sz="1050" dirty="0"/>
           </a:p>
         </p:txBody>
       </p:sp>
@@ -6938,7 +7389,13 @@
   <p:cSld>
     <p:spTree>
       <p:nvGrpSpPr>
-        <p:cNvPr id="1" name=""/>
+        <p:cNvPr id="1" name="">
+          <a:extLst>
+            <a:ext uri="{FF2B5EF4-FFF2-40B4-BE49-F238E27FC236}">
+              <a16:creationId xmlns:a16="http://schemas.microsoft.com/office/drawing/2014/main" id="{BED122ED-3835-3DC0-4352-5EC9D3A5DBE0}"/>
+            </a:ext>
+          </a:extLst>
+        </p:cNvPr>
         <p:cNvGrpSpPr/>
         <p:nvPr/>
       </p:nvGrpSpPr>
@@ -6955,7 +7412,7 @@
           <p:cNvPr id="2" name="제목 1">
             <a:extLst>
               <a:ext uri="{FF2B5EF4-FFF2-40B4-BE49-F238E27FC236}">
-                <a16:creationId xmlns:a16="http://schemas.microsoft.com/office/drawing/2014/main" id="{8738443D-5E72-49E2-86AC-581D61C41C39}"/>
+                <a16:creationId xmlns:a16="http://schemas.microsoft.com/office/drawing/2014/main" id="{B9995984-7EC0-74A8-AF2B-5AF306DDEE7F}"/>
               </a:ext>
             </a:extLst>
           </p:cNvPr>
@@ -6974,13 +7431,13 @@
         </p:spPr>
         <p:txBody>
           <a:bodyPr>
-            <a:normAutofit fontScale="90000"/>
+            <a:normAutofit/>
           </a:bodyPr>
           <a:lstStyle/>
           <a:p>
             <a:r>
               <a:rPr lang="en-US" altLang="ko-KR"/>
-              <a:t>CUDA Container OCI Runtime Spec</a:t>
+              <a:t>CUDA Container Init</a:t>
             </a:r>
             <a:endParaRPr lang="ko-KR" altLang="en-US" dirty="0"/>
           </a:p>
@@ -6988,10 +7445,10 @@
       </p:sp>
       <p:sp>
         <p:nvSpPr>
-          <p:cNvPr id="7" name="사각형: 둥근 모서리 114">
-            <a:extLst>
-              <a:ext uri="{FF2B5EF4-FFF2-40B4-BE49-F238E27FC236}">
-                <a16:creationId xmlns:a16="http://schemas.microsoft.com/office/drawing/2014/main" id="{E074CAD6-7716-4458-B0D4-1C0318E58F6D}"/>
+          <p:cNvPr id="42" name="사각형: 둥근 모서리 114">
+            <a:extLst>
+              <a:ext uri="{FF2B5EF4-FFF2-40B4-BE49-F238E27FC236}">
+                <a16:creationId xmlns:a16="http://schemas.microsoft.com/office/drawing/2014/main" id="{AECCCC64-0828-F134-05A2-0B439489904B}"/>
               </a:ext>
             </a:extLst>
           </p:cNvPr>
@@ -7000,12 +7457,12 @@
         </p:nvSpPr>
         <p:spPr>
           <a:xfrm>
-            <a:off x="2267744" y="698149"/>
-            <a:ext cx="4752528" cy="433441"/>
+            <a:off x="3841306" y="3760564"/>
+            <a:ext cx="2731142" cy="827410"/>
           </a:xfrm>
           <a:prstGeom prst="roundRect">
             <a:avLst>
-              <a:gd name="adj" fmla="val 0"/>
+              <a:gd name="adj" fmla="val 6397"/>
             </a:avLst>
           </a:prstGeom>
         </p:spPr>
@@ -7024,12 +7481,13 @@
           </a:fontRef>
         </p:style>
         <p:txBody>
-          <a:bodyPr rtlCol="0" anchor="ctr"/>
-          <a:lstStyle/>
-          <a:p>
+          <a:bodyPr rtlCol="0" anchor="t"/>
+          <a:lstStyle/>
+          <a:p>
+            <a:pPr algn="ctr"/>
             <a:r>
               <a:rPr lang="en-US" altLang="ko-KR" sz="1400"/>
-              <a:t># docker run --gpu all nvidia/cuda:9.0-base nvidia-smi</a:t>
+              <a:t>nvidia-container-cli CLI</a:t>
             </a:r>
             <a:endParaRPr lang="en-US" altLang="ko-KR" sz="1400" dirty="0"/>
           </a:p>
@@ -7037,10 +7495,10 @@
       </p:sp>
       <p:sp>
         <p:nvSpPr>
-          <p:cNvPr id="11" name="사각형: 둥근 모서리 114">
-            <a:extLst>
-              <a:ext uri="{FF2B5EF4-FFF2-40B4-BE49-F238E27FC236}">
-                <a16:creationId xmlns:a16="http://schemas.microsoft.com/office/drawing/2014/main" id="{E07F06D4-AF1E-486E-8493-362B4DEDC5E3}"/>
+          <p:cNvPr id="43" name="사각형: 둥근 모서리 114">
+            <a:extLst>
+              <a:ext uri="{FF2B5EF4-FFF2-40B4-BE49-F238E27FC236}">
+                <a16:creationId xmlns:a16="http://schemas.microsoft.com/office/drawing/2014/main" id="{392D0A0A-B53F-4A90-B311-F8FAD571A8A5}"/>
               </a:ext>
             </a:extLst>
           </p:cNvPr>
@@ -7049,12 +7507,12 @@
         </p:nvSpPr>
         <p:spPr>
           <a:xfrm>
-            <a:off x="899592" y="1354461"/>
-            <a:ext cx="7488831" cy="3367380"/>
+            <a:off x="4237350" y="4108151"/>
+            <a:ext cx="1939054" cy="372492"/>
           </a:xfrm>
           <a:prstGeom prst="roundRect">
             <a:avLst>
-              <a:gd name="adj" fmla="val 0"/>
+              <a:gd name="adj" fmla="val 6397"/>
             </a:avLst>
           </a:prstGeom>
         </p:spPr>
@@ -7076,96 +7534,110 @@
           <a:bodyPr rtlCol="0" anchor="ctr"/>
           <a:lstStyle/>
           <a:p>
+            <a:pPr algn="ctr"/>
             <a:r>
               <a:rPr lang="en-US" altLang="ko-KR" sz="1400"/>
-              <a:t>"hooks": {</a:t>
-            </a:r>
-          </a:p>
-          <a:p>
+              <a:t>libnvidia-container</a:t>
+            </a:r>
+            <a:endParaRPr lang="en-US" altLang="ko-KR" sz="1400" dirty="0"/>
+          </a:p>
+        </p:txBody>
+      </p:sp>
+      <p:sp>
+        <p:nvSpPr>
+          <p:cNvPr id="44" name="사각형: 둥근 모서리 114">
+            <a:extLst>
+              <a:ext uri="{FF2B5EF4-FFF2-40B4-BE49-F238E27FC236}">
+                <a16:creationId xmlns:a16="http://schemas.microsoft.com/office/drawing/2014/main" id="{4B2C7BE7-2F5A-24AE-CDFD-798E4A9F25CF}"/>
+              </a:ext>
+            </a:extLst>
+          </p:cNvPr>
+          <p:cNvSpPr/>
+          <p:nvPr/>
+        </p:nvSpPr>
+        <p:spPr>
+          <a:xfrm>
+            <a:off x="3673694" y="2571751"/>
+            <a:ext cx="3066366" cy="433441"/>
+          </a:xfrm>
+          <a:prstGeom prst="roundRect">
+            <a:avLst>
+              <a:gd name="adj" fmla="val 10304"/>
+            </a:avLst>
+          </a:prstGeom>
+        </p:spPr>
+        <p:style>
+          <a:lnRef idx="2">
+            <a:schemeClr val="dk1"/>
+          </a:lnRef>
+          <a:fillRef idx="1">
+            <a:schemeClr val="lt1"/>
+          </a:fillRef>
+          <a:effectRef idx="0">
+            <a:schemeClr val="dk1"/>
+          </a:effectRef>
+          <a:fontRef idx="minor">
+            <a:schemeClr val="dk1"/>
+          </a:fontRef>
+        </p:style>
+        <p:txBody>
+          <a:bodyPr rtlCol="0" anchor="ctr"/>
+          <a:lstStyle/>
+          <a:p>
+            <a:pPr algn="ctr"/>
             <a:r>
               <a:rPr lang="en-US" altLang="ko-KR" sz="1400"/>
-              <a:t>    "prestart": [</a:t>
-            </a:r>
-          </a:p>
-          <a:p>
+              <a:t>nvidia-container-runtime-hook CLI</a:t>
+            </a:r>
+            <a:endParaRPr lang="en-US" altLang="ko-KR" sz="1400" dirty="0"/>
+          </a:p>
+        </p:txBody>
+      </p:sp>
+      <p:sp>
+        <p:nvSpPr>
+          <p:cNvPr id="45" name="사각형: 둥근 모서리 114">
+            <a:extLst>
+              <a:ext uri="{FF2B5EF4-FFF2-40B4-BE49-F238E27FC236}">
+                <a16:creationId xmlns:a16="http://schemas.microsoft.com/office/drawing/2014/main" id="{6CB43451-663D-44ED-F26F-A184162A2227}"/>
+              </a:ext>
+            </a:extLst>
+          </p:cNvPr>
+          <p:cNvSpPr/>
+          <p:nvPr/>
+        </p:nvSpPr>
+        <p:spPr>
+          <a:xfrm>
+            <a:off x="7153673" y="2571750"/>
+            <a:ext cx="1717863" cy="433441"/>
+          </a:xfrm>
+          <a:prstGeom prst="roundRect">
+            <a:avLst>
+              <a:gd name="adj" fmla="val 10304"/>
+            </a:avLst>
+          </a:prstGeom>
+        </p:spPr>
+        <p:style>
+          <a:lnRef idx="2">
+            <a:schemeClr val="dk1"/>
+          </a:lnRef>
+          <a:fillRef idx="1">
+            <a:schemeClr val="lt1"/>
+          </a:fillRef>
+          <a:effectRef idx="0">
+            <a:schemeClr val="dk1"/>
+          </a:effectRef>
+          <a:fontRef idx="minor">
+            <a:schemeClr val="dk1"/>
+          </a:fontRef>
+        </p:style>
+        <p:txBody>
+          <a:bodyPr rtlCol="0" anchor="ctr"/>
+          <a:lstStyle/>
+          <a:p>
+            <a:pPr algn="ctr"/>
             <a:r>
               <a:rPr lang="en-US" altLang="ko-KR" sz="1400"/>
-              <a:t>         {</a:t>
-            </a:r>
-          </a:p>
-          <a:p>
-            <a:r>
-              <a:rPr lang="en-US" altLang="ko-KR" sz="1400"/>
-              <a:t>             "path": “/usr/bin/nvidia-container-runtime-hook”,</a:t>
-            </a:r>
-          </a:p>
-          <a:p>
-            <a:r>
-              <a:rPr lang="en-US" altLang="ko-KR" sz="1400"/>
-              <a:t>             "args": ["nvidia-container-runtime-hook ", “prestart"],</a:t>
-            </a:r>
-          </a:p>
-          <a:p>
-            <a:r>
-              <a:rPr lang="en-US" altLang="ko-KR" sz="1400"/>
-              <a:t>             "env": [“CUDA_VERSION=9.0.176”,</a:t>
-            </a:r>
-            <a:br>
-              <a:rPr lang="en-US" altLang="ko-KR" sz="1400"/>
-            </a:br>
-            <a:r>
-              <a:rPr lang="en-US" altLang="ko-KR" sz="1400"/>
-              <a:t>                       “CUDA_PKG_VERSION=9-0=9.0.176-1”,</a:t>
-            </a:r>
-          </a:p>
-          <a:p>
-            <a:r>
-              <a:rPr lang="en-US" altLang="ko-KR" sz="1400"/>
-              <a:t>                       “NVIDIA_VISIBLE_DEVICES=all“,</a:t>
-            </a:r>
-            <a:br>
-              <a:rPr lang="en-US" altLang="ko-KR" sz="1400"/>
-            </a:br>
-            <a:r>
-              <a:rPr lang="en-US" altLang="ko-KR" sz="1400"/>
-              <a:t>                       “NVIDIA_DRIVER_CAPABILITIES=“compute,utility”,</a:t>
-            </a:r>
-          </a:p>
-          <a:p>
-            <a:r>
-              <a:rPr lang="en-US" altLang="ko-KR" sz="1400"/>
-              <a:t>                       "NVIDIA_REQUIRE_CUDA=cuda&gt;=9.0“,</a:t>
-            </a:r>
-            <a:br>
-              <a:rPr lang="en-US" altLang="ko-KR" sz="1400"/>
-            </a:br>
-            <a:r>
-              <a:rPr lang="en-US" altLang="ko-KR" sz="1400"/>
-              <a:t>                       "LD_LIBRARY_PATH=/usr/local/nvidia/lib:/usr/local/nvidia/lib64“</a:t>
-            </a:r>
-          </a:p>
-          <a:p>
-            <a:r>
-              <a:rPr lang="en-US" altLang="ko-KR" sz="1400"/>
-              <a:t>             ]</a:t>
-            </a:r>
-          </a:p>
-          <a:p>
-            <a:r>
-              <a:rPr lang="en-US" altLang="ko-KR" sz="1400"/>
-              <a:t>         },</a:t>
-            </a:r>
-          </a:p>
-          <a:p>
-            <a:r>
-              <a:rPr lang="en-US" altLang="ko-KR" sz="1400"/>
-              <a:t>    ],</a:t>
-            </a:r>
-          </a:p>
-          <a:p>
-            <a:r>
-              <a:rPr lang="en-US" altLang="ko-KR" sz="1400"/>
-              <a:t>}</a:t>
+              <a:t>Hook Config File</a:t>
             </a:r>
             <a:endParaRPr lang="en-US" altLang="ko-KR" sz="1400" dirty="0"/>
           </a:p>
@@ -7173,24 +7645,24 @@
       </p:sp>
       <p:cxnSp>
         <p:nvCxnSpPr>
-          <p:cNvPr id="9" name="직선 화살표 연결선 8">
-            <a:extLst>
-              <a:ext uri="{FF2B5EF4-FFF2-40B4-BE49-F238E27FC236}">
-                <a16:creationId xmlns:a16="http://schemas.microsoft.com/office/drawing/2014/main" id="{D3447036-464F-4C90-9B09-6E8806442451}"/>
+          <p:cNvPr id="18" name="직선 화살표 연결선 17">
+            <a:extLst>
+              <a:ext uri="{FF2B5EF4-FFF2-40B4-BE49-F238E27FC236}">
+                <a16:creationId xmlns:a16="http://schemas.microsoft.com/office/drawing/2014/main" id="{CEC02631-0696-740D-BC41-FDE19399C85F}"/>
               </a:ext>
             </a:extLst>
           </p:cNvPr>
           <p:cNvCxnSpPr>
             <a:cxnSpLocks/>
-            <a:stCxn id="7" idx="2"/>
-            <a:endCxn id="11" idx="0"/>
+            <a:stCxn id="45" idx="1"/>
+            <a:endCxn id="44" idx="3"/>
           </p:cNvCxnSpPr>
           <p:nvPr/>
         </p:nvCxnSpPr>
         <p:spPr>
-          <a:xfrm>
-            <a:off x="4644008" y="1131590"/>
-            <a:ext cx="0" cy="222871"/>
+          <a:xfrm flipH="1">
+            <a:off x="6740060" y="2788471"/>
+            <a:ext cx="413613" cy="1"/>
           </a:xfrm>
           <a:prstGeom prst="straightConnector1">
             <a:avLst/>
@@ -7218,12 +7690,153 @@
           </a:fontRef>
         </p:style>
       </p:cxnSp>
-      <p:sp>
-        <p:nvSpPr>
-          <p:cNvPr id="22" name="사각형: 둥근 모서리 114">
-            <a:extLst>
-              <a:ext uri="{FF2B5EF4-FFF2-40B4-BE49-F238E27FC236}">
-                <a16:creationId xmlns:a16="http://schemas.microsoft.com/office/drawing/2014/main" id="{0B79FB11-EB5E-48B2-9B7D-2CF7A5759856}"/>
+      <p:cxnSp>
+        <p:nvCxnSpPr>
+          <p:cNvPr id="21" name="직선 화살표 연결선 20">
+            <a:extLst>
+              <a:ext uri="{FF2B5EF4-FFF2-40B4-BE49-F238E27FC236}">
+                <a16:creationId xmlns:a16="http://schemas.microsoft.com/office/drawing/2014/main" id="{DC38CB59-20C9-6733-FA0E-412AE49E45FB}"/>
+              </a:ext>
+            </a:extLst>
+          </p:cNvPr>
+          <p:cNvCxnSpPr>
+            <a:cxnSpLocks/>
+            <a:stCxn id="42" idx="1"/>
+            <a:endCxn id="48" idx="2"/>
+          </p:cNvCxnSpPr>
+          <p:nvPr/>
+        </p:nvCxnSpPr>
+        <p:spPr>
+          <a:xfrm flipH="1" flipV="1">
+            <a:off x="1955254" y="3343764"/>
+            <a:ext cx="1886052" cy="830505"/>
+          </a:xfrm>
+          <a:prstGeom prst="straightConnector1">
+            <a:avLst/>
+          </a:prstGeom>
+          <a:ln w="19050">
+            <a:solidFill>
+              <a:schemeClr val="tx1"/>
+            </a:solidFill>
+            <a:headEnd type="none" w="med" len="med"/>
+            <a:tailEnd type="arrow" w="med" len="med"/>
+          </a:ln>
+        </p:spPr>
+        <p:style>
+          <a:lnRef idx="1">
+            <a:schemeClr val="accent1"/>
+          </a:lnRef>
+          <a:fillRef idx="0">
+            <a:schemeClr val="accent1"/>
+          </a:fillRef>
+          <a:effectRef idx="0">
+            <a:schemeClr val="accent1"/>
+          </a:effectRef>
+          <a:fontRef idx="minor">
+            <a:schemeClr val="tx1"/>
+          </a:fontRef>
+        </p:style>
+      </p:cxnSp>
+      <p:cxnSp>
+        <p:nvCxnSpPr>
+          <p:cNvPr id="22" name="직선 화살표 연결선 21">
+            <a:extLst>
+              <a:ext uri="{FF2B5EF4-FFF2-40B4-BE49-F238E27FC236}">
+                <a16:creationId xmlns:a16="http://schemas.microsoft.com/office/drawing/2014/main" id="{B3533A58-75CD-7D94-2995-7961486E80BA}"/>
+              </a:ext>
+            </a:extLst>
+          </p:cNvPr>
+          <p:cNvCxnSpPr>
+            <a:cxnSpLocks/>
+            <a:stCxn id="44" idx="2"/>
+            <a:endCxn id="42" idx="0"/>
+          </p:cNvCxnSpPr>
+          <p:nvPr/>
+        </p:nvCxnSpPr>
+        <p:spPr>
+          <a:xfrm>
+            <a:off x="5206877" y="3005192"/>
+            <a:ext cx="0" cy="755372"/>
+          </a:xfrm>
+          <a:prstGeom prst="straightConnector1">
+            <a:avLst/>
+          </a:prstGeom>
+          <a:ln w="19050">
+            <a:solidFill>
+              <a:schemeClr val="tx1"/>
+            </a:solidFill>
+            <a:headEnd type="none" w="med" len="med"/>
+            <a:tailEnd type="arrow" w="med" len="med"/>
+          </a:ln>
+        </p:spPr>
+        <p:style>
+          <a:lnRef idx="1">
+            <a:schemeClr val="accent1"/>
+          </a:lnRef>
+          <a:fillRef idx="0">
+            <a:schemeClr val="accent1"/>
+          </a:fillRef>
+          <a:effectRef idx="0">
+            <a:schemeClr val="accent1"/>
+          </a:effectRef>
+          <a:fontRef idx="minor">
+            <a:schemeClr val="tx1"/>
+          </a:fontRef>
+        </p:style>
+      </p:cxnSp>
+      <p:cxnSp>
+        <p:nvCxnSpPr>
+          <p:cNvPr id="30" name="직선 화살표 연결선 29">
+            <a:extLst>
+              <a:ext uri="{FF2B5EF4-FFF2-40B4-BE49-F238E27FC236}">
+                <a16:creationId xmlns:a16="http://schemas.microsoft.com/office/drawing/2014/main" id="{2674C97E-6670-D3AD-8F74-BA2D89D7A7FD}"/>
+              </a:ext>
+            </a:extLst>
+          </p:cNvPr>
+          <p:cNvCxnSpPr>
+            <a:cxnSpLocks/>
+            <a:stCxn id="35" idx="2"/>
+            <a:endCxn id="44" idx="0"/>
+          </p:cNvCxnSpPr>
+          <p:nvPr/>
+        </p:nvCxnSpPr>
+        <p:spPr>
+          <a:xfrm>
+            <a:off x="5206872" y="1811551"/>
+            <a:ext cx="5" cy="760200"/>
+          </a:xfrm>
+          <a:prstGeom prst="straightConnector1">
+            <a:avLst/>
+          </a:prstGeom>
+          <a:ln w="19050">
+            <a:solidFill>
+              <a:schemeClr val="tx1"/>
+            </a:solidFill>
+            <a:headEnd type="none" w="med" len="med"/>
+            <a:tailEnd type="arrow" w="med" len="med"/>
+          </a:ln>
+        </p:spPr>
+        <p:style>
+          <a:lnRef idx="1">
+            <a:schemeClr val="accent1"/>
+          </a:lnRef>
+          <a:fillRef idx="0">
+            <a:schemeClr val="accent1"/>
+          </a:fillRef>
+          <a:effectRef idx="0">
+            <a:schemeClr val="accent1"/>
+          </a:effectRef>
+          <a:fontRef idx="minor">
+            <a:schemeClr val="tx1"/>
+          </a:fontRef>
+        </p:style>
+      </p:cxnSp>
+      <p:sp>
+        <p:nvSpPr>
+          <p:cNvPr id="35" name="사각형: 둥근 모서리 114">
+            <a:extLst>
+              <a:ext uri="{FF2B5EF4-FFF2-40B4-BE49-F238E27FC236}">
+                <a16:creationId xmlns:a16="http://schemas.microsoft.com/office/drawing/2014/main" id="{B08B49E6-412F-DDF1-A72D-9194FA92404B}"/>
               </a:ext>
             </a:extLst>
           </p:cNvPr>
@@ -7232,7 +7845,7 @@
         </p:nvSpPr>
         <p:spPr>
           <a:xfrm>
-            <a:off x="3278436" y="4658589"/>
+            <a:off x="3841301" y="1378110"/>
             <a:ext cx="2731142" cy="433441"/>
           </a:xfrm>
           <a:prstGeom prst="roundRect">
@@ -7240,6 +7853,56 @@
               <a:gd name="adj" fmla="val 10304"/>
             </a:avLst>
           </a:prstGeom>
+        </p:spPr>
+        <p:style>
+          <a:lnRef idx="2">
+            <a:schemeClr val="dk1"/>
+          </a:lnRef>
+          <a:fillRef idx="1">
+            <a:schemeClr val="lt1"/>
+          </a:fillRef>
+          <a:effectRef idx="0">
+            <a:schemeClr val="dk1"/>
+          </a:effectRef>
+          <a:fontRef idx="minor">
+            <a:schemeClr val="dk1"/>
+          </a:fontRef>
+        </p:style>
+        <p:txBody>
+          <a:bodyPr rtlCol="0" anchor="ctr"/>
+          <a:lstStyle/>
+          <a:p>
+            <a:pPr algn="ctr"/>
+            <a:r>
+              <a:rPr lang="en-US" altLang="ko-KR" sz="1400"/>
+              <a:t>runc CLI</a:t>
+            </a:r>
+            <a:endParaRPr lang="en-US" altLang="ko-KR" sz="1400" dirty="0"/>
+          </a:p>
+        </p:txBody>
+      </p:sp>
+      <p:sp>
+        <p:nvSpPr>
+          <p:cNvPr id="39" name="사각형: 둥근 모서리 114">
+            <a:extLst>
+              <a:ext uri="{FF2B5EF4-FFF2-40B4-BE49-F238E27FC236}">
+                <a16:creationId xmlns:a16="http://schemas.microsoft.com/office/drawing/2014/main" id="{3BCEDCC4-7A90-07A4-91E3-FEF13C5D6553}"/>
+              </a:ext>
+            </a:extLst>
+          </p:cNvPr>
+          <p:cNvSpPr/>
+          <p:nvPr/>
+        </p:nvSpPr>
+        <p:spPr>
+          <a:xfrm>
+            <a:off x="4978365" y="1942417"/>
+            <a:ext cx="2731142" cy="433442"/>
+          </a:xfrm>
+          <a:prstGeom prst="roundRect">
+            <a:avLst>
+              <a:gd name="adj" fmla="val 10304"/>
+            </a:avLst>
+          </a:prstGeom>
           <a:noFill/>
           <a:ln>
             <a:noFill/>
@@ -7265,17 +7928,765 @@
           <a:p>
             <a:pPr algn="ctr"/>
             <a:r>
+              <a:rPr lang="en-US" altLang="ko-KR" sz="1400" b="1"/>
+              <a:t>Exec via OCI runtime’s prestart hook</a:t>
+            </a:r>
+          </a:p>
+        </p:txBody>
+      </p:sp>
+      <p:sp>
+        <p:nvSpPr>
+          <p:cNvPr id="46" name="사각형: 둥근 모서리 114">
+            <a:extLst>
+              <a:ext uri="{FF2B5EF4-FFF2-40B4-BE49-F238E27FC236}">
+                <a16:creationId xmlns:a16="http://schemas.microsoft.com/office/drawing/2014/main" id="{C082F7EE-2B3E-ED69-1005-9B90468E3EDB}"/>
+              </a:ext>
+            </a:extLst>
+          </p:cNvPr>
+          <p:cNvSpPr/>
+          <p:nvPr/>
+        </p:nvSpPr>
+        <p:spPr>
+          <a:xfrm>
+            <a:off x="5153226" y="3080244"/>
+            <a:ext cx="2381421" cy="537288"/>
+          </a:xfrm>
+          <a:prstGeom prst="roundRect">
+            <a:avLst>
+              <a:gd name="adj" fmla="val 10304"/>
+            </a:avLst>
+          </a:prstGeom>
+          <a:noFill/>
+          <a:ln>
+            <a:noFill/>
+          </a:ln>
+        </p:spPr>
+        <p:style>
+          <a:lnRef idx="2">
+            <a:schemeClr val="dk1"/>
+          </a:lnRef>
+          <a:fillRef idx="1">
+            <a:schemeClr val="lt1"/>
+          </a:fillRef>
+          <a:effectRef idx="0">
+            <a:schemeClr val="dk1"/>
+          </a:effectRef>
+          <a:fontRef idx="minor">
+            <a:schemeClr val="dk1"/>
+          </a:fontRef>
+        </p:style>
+        <p:txBody>
+          <a:bodyPr rtlCol="0" anchor="ctr"/>
+          <a:lstStyle/>
+          <a:p>
+            <a:pPr algn="ctr"/>
+            <a:r>
+              <a:rPr lang="en-US" altLang="ko-KR" sz="1400" b="1"/>
+              <a:t>Exec with container, </a:t>
+            </a:r>
+          </a:p>
+          <a:p>
+            <a:pPr algn="ctr"/>
+            <a:r>
+              <a:rPr lang="en-US" altLang="ko-KR" sz="1400" b="1"/>
+              <a:t>GPU, CUDA arguments</a:t>
+            </a:r>
+          </a:p>
+        </p:txBody>
+      </p:sp>
+      <p:sp>
+        <p:nvSpPr>
+          <p:cNvPr id="48" name="사각형: 둥근 모서리 114">
+            <a:extLst>
+              <a:ext uri="{FF2B5EF4-FFF2-40B4-BE49-F238E27FC236}">
+                <a16:creationId xmlns:a16="http://schemas.microsoft.com/office/drawing/2014/main" id="{8F2DFD78-2A43-A301-E75E-696F7A31EDDF}"/>
+              </a:ext>
+            </a:extLst>
+          </p:cNvPr>
+          <p:cNvSpPr/>
+          <p:nvPr/>
+        </p:nvSpPr>
+        <p:spPr>
+          <a:xfrm>
+            <a:off x="994692" y="2231784"/>
+            <a:ext cx="1921124" cy="1111980"/>
+          </a:xfrm>
+          <a:prstGeom prst="roundRect">
+            <a:avLst>
+              <a:gd name="adj" fmla="val 6774"/>
+            </a:avLst>
+          </a:prstGeom>
+        </p:spPr>
+        <p:style>
+          <a:lnRef idx="2">
+            <a:schemeClr val="dk1"/>
+          </a:lnRef>
+          <a:fillRef idx="1">
+            <a:schemeClr val="lt1"/>
+          </a:fillRef>
+          <a:effectRef idx="0">
+            <a:schemeClr val="dk1"/>
+          </a:effectRef>
+          <a:fontRef idx="minor">
+            <a:schemeClr val="dk1"/>
+          </a:fontRef>
+        </p:style>
+        <p:txBody>
+          <a:bodyPr rtlCol="0" anchor="ctr"/>
+          <a:lstStyle/>
+          <a:p>
+            <a:pPr algn="ctr"/>
+            <a:r>
+              <a:rPr lang="en-US" altLang="ko-KR" sz="1400">
+                <a:solidFill>
+                  <a:schemeClr val="tx1"/>
+                </a:solidFill>
+              </a:rPr>
+              <a:t>Container</a:t>
+            </a:r>
+            <a:endParaRPr lang="en-US" altLang="ko-KR" sz="1400" dirty="0">
+              <a:solidFill>
+                <a:schemeClr val="tx1"/>
+              </a:solidFill>
+            </a:endParaRPr>
+          </a:p>
+          <a:p>
+            <a:pPr algn="ctr"/>
+            <a:r>
+              <a:rPr lang="en-US" altLang="ko-KR" sz="1400">
+                <a:solidFill>
+                  <a:schemeClr val="tx1"/>
+                </a:solidFill>
+              </a:rPr>
+              <a:t>(Namespace, Rootfs)</a:t>
+            </a:r>
+          </a:p>
+        </p:txBody>
+      </p:sp>
+      <p:sp>
+        <p:nvSpPr>
+          <p:cNvPr id="59" name="사각형: 둥근 모서리 114">
+            <a:extLst>
+              <a:ext uri="{FF2B5EF4-FFF2-40B4-BE49-F238E27FC236}">
+                <a16:creationId xmlns:a16="http://schemas.microsoft.com/office/drawing/2014/main" id="{E7104B79-1752-9403-35AA-4C63AF9C7839}"/>
+              </a:ext>
+            </a:extLst>
+          </p:cNvPr>
+          <p:cNvSpPr/>
+          <p:nvPr/>
+        </p:nvSpPr>
+        <p:spPr>
+          <a:xfrm>
+            <a:off x="1125242" y="1046349"/>
+            <a:ext cx="2731142" cy="619914"/>
+          </a:xfrm>
+          <a:prstGeom prst="roundRect">
+            <a:avLst>
+              <a:gd name="adj" fmla="val 10304"/>
+            </a:avLst>
+          </a:prstGeom>
+          <a:noFill/>
+          <a:ln>
+            <a:noFill/>
+          </a:ln>
+        </p:spPr>
+        <p:style>
+          <a:lnRef idx="2">
+            <a:schemeClr val="dk1"/>
+          </a:lnRef>
+          <a:fillRef idx="1">
+            <a:schemeClr val="lt1"/>
+          </a:fillRef>
+          <a:effectRef idx="0">
+            <a:schemeClr val="dk1"/>
+          </a:effectRef>
+          <a:fontRef idx="minor">
+            <a:schemeClr val="dk1"/>
+          </a:fontRef>
+        </p:style>
+        <p:txBody>
+          <a:bodyPr rtlCol="0" anchor="ctr"/>
+          <a:lstStyle/>
+          <a:p>
+            <a:pPr algn="ctr"/>
+            <a:r>
               <a:rPr lang="en-US" altLang="ko-KR" sz="1400"/>
-              <a:t>OCI Runtime Spec</a:t>
+              <a:t>Create namespace (clone()),</a:t>
+            </a:r>
+          </a:p>
+          <a:p>
+            <a:pPr algn="ctr"/>
+            <a:r>
+              <a:rPr lang="en-US" altLang="ko-KR" sz="1400"/>
+              <a:t>Set rootfs (overlay FS)</a:t>
+            </a:r>
+          </a:p>
+        </p:txBody>
+      </p:sp>
+      <p:sp>
+        <p:nvSpPr>
+          <p:cNvPr id="73" name="타원 72">
+            <a:extLst>
+              <a:ext uri="{FF2B5EF4-FFF2-40B4-BE49-F238E27FC236}">
+                <a16:creationId xmlns:a16="http://schemas.microsoft.com/office/drawing/2014/main" id="{3D06B21E-B4C8-C97E-A8A8-41A024A3AAAD}"/>
+              </a:ext>
+            </a:extLst>
+          </p:cNvPr>
+          <p:cNvSpPr/>
+          <p:nvPr/>
+        </p:nvSpPr>
+        <p:spPr>
+          <a:xfrm>
+            <a:off x="5054539" y="1708096"/>
+            <a:ext cx="288032" cy="288032"/>
+          </a:xfrm>
+          <a:prstGeom prst="ellipse">
+            <a:avLst/>
+          </a:prstGeom>
+        </p:spPr>
+        <p:style>
+          <a:lnRef idx="2">
+            <a:schemeClr val="dk1"/>
+          </a:lnRef>
+          <a:fillRef idx="1">
+            <a:schemeClr val="lt1"/>
+          </a:fillRef>
+          <a:effectRef idx="0">
+            <a:schemeClr val="dk1"/>
+          </a:effectRef>
+          <a:fontRef idx="minor">
+            <a:schemeClr val="dk1"/>
+          </a:fontRef>
+        </p:style>
+        <p:txBody>
+          <a:bodyPr rtlCol="0" anchor="ctr"/>
+          <a:lstStyle/>
+          <a:p>
+            <a:pPr algn="ctr"/>
+            <a:r>
+              <a:rPr lang="en-US" altLang="ko-KR" sz="1600"/>
+              <a:t>2</a:t>
+            </a:r>
+            <a:endParaRPr lang="ko-KR" altLang="en-US" sz="1600"/>
+          </a:p>
+        </p:txBody>
+      </p:sp>
+      <p:sp>
+        <p:nvSpPr>
+          <p:cNvPr id="74" name="타원 73">
+            <a:extLst>
+              <a:ext uri="{FF2B5EF4-FFF2-40B4-BE49-F238E27FC236}">
+                <a16:creationId xmlns:a16="http://schemas.microsoft.com/office/drawing/2014/main" id="{12E84C7F-602E-1394-C058-B812ABB2093C}"/>
+              </a:ext>
+            </a:extLst>
+          </p:cNvPr>
+          <p:cNvSpPr/>
+          <p:nvPr/>
+        </p:nvSpPr>
+        <p:spPr>
+          <a:xfrm>
+            <a:off x="5054539" y="2886446"/>
+            <a:ext cx="288032" cy="288032"/>
+          </a:xfrm>
+          <a:prstGeom prst="ellipse">
+            <a:avLst/>
+          </a:prstGeom>
+        </p:spPr>
+        <p:style>
+          <a:lnRef idx="2">
+            <a:schemeClr val="dk1"/>
+          </a:lnRef>
+          <a:fillRef idx="1">
+            <a:schemeClr val="lt1"/>
+          </a:fillRef>
+          <a:effectRef idx="0">
+            <a:schemeClr val="dk1"/>
+          </a:effectRef>
+          <a:fontRef idx="minor">
+            <a:schemeClr val="dk1"/>
+          </a:fontRef>
+        </p:style>
+        <p:txBody>
+          <a:bodyPr rtlCol="0" anchor="ctr"/>
+          <a:lstStyle/>
+          <a:p>
+            <a:pPr algn="ctr"/>
+            <a:r>
+              <a:rPr lang="en-US" altLang="ko-KR" sz="1600"/>
+              <a:t>3</a:t>
+            </a:r>
+            <a:endParaRPr lang="ko-KR" altLang="en-US" sz="1600"/>
+          </a:p>
+        </p:txBody>
+      </p:sp>
+      <p:sp>
+        <p:nvSpPr>
+          <p:cNvPr id="75" name="타원 74">
+            <a:extLst>
+              <a:ext uri="{FF2B5EF4-FFF2-40B4-BE49-F238E27FC236}">
+                <a16:creationId xmlns:a16="http://schemas.microsoft.com/office/drawing/2014/main" id="{03712F6E-D101-AE14-5440-4FAFDBCBA76B}"/>
+              </a:ext>
+            </a:extLst>
+          </p:cNvPr>
+          <p:cNvSpPr/>
+          <p:nvPr/>
+        </p:nvSpPr>
+        <p:spPr>
+          <a:xfrm>
+            <a:off x="3693972" y="4030253"/>
+            <a:ext cx="288032" cy="288032"/>
+          </a:xfrm>
+          <a:prstGeom prst="ellipse">
+            <a:avLst/>
+          </a:prstGeom>
+        </p:spPr>
+        <p:style>
+          <a:lnRef idx="2">
+            <a:schemeClr val="dk1"/>
+          </a:lnRef>
+          <a:fillRef idx="1">
+            <a:schemeClr val="lt1"/>
+          </a:fillRef>
+          <a:effectRef idx="0">
+            <a:schemeClr val="dk1"/>
+          </a:effectRef>
+          <a:fontRef idx="minor">
+            <a:schemeClr val="dk1"/>
+          </a:fontRef>
+        </p:style>
+        <p:txBody>
+          <a:bodyPr rtlCol="0" anchor="ctr"/>
+          <a:lstStyle/>
+          <a:p>
+            <a:pPr algn="ctr"/>
+            <a:r>
+              <a:rPr lang="en-US" altLang="ko-KR" sz="1600"/>
+              <a:t>4</a:t>
+            </a:r>
+            <a:endParaRPr lang="ko-KR" altLang="en-US" sz="1600"/>
+          </a:p>
+        </p:txBody>
+      </p:sp>
+      <p:sp>
+        <p:nvSpPr>
+          <p:cNvPr id="80" name="사각형: 둥근 모서리 114">
+            <a:extLst>
+              <a:ext uri="{FF2B5EF4-FFF2-40B4-BE49-F238E27FC236}">
+                <a16:creationId xmlns:a16="http://schemas.microsoft.com/office/drawing/2014/main" id="{81580CDA-A4DC-926E-BF06-49B86D6E308F}"/>
+              </a:ext>
+            </a:extLst>
+          </p:cNvPr>
+          <p:cNvSpPr/>
+          <p:nvPr/>
+        </p:nvSpPr>
+        <p:spPr>
+          <a:xfrm>
+            <a:off x="2548806" y="1902976"/>
+            <a:ext cx="2604420" cy="619914"/>
+          </a:xfrm>
+          <a:prstGeom prst="roundRect">
+            <a:avLst>
+              <a:gd name="adj" fmla="val 10304"/>
+            </a:avLst>
+          </a:prstGeom>
+          <a:noFill/>
+          <a:ln>
+            <a:noFill/>
+          </a:ln>
+        </p:spPr>
+        <p:style>
+          <a:lnRef idx="2">
+            <a:schemeClr val="dk1"/>
+          </a:lnRef>
+          <a:fillRef idx="1">
+            <a:schemeClr val="lt1"/>
+          </a:fillRef>
+          <a:effectRef idx="0">
+            <a:schemeClr val="dk1"/>
+          </a:effectRef>
+          <a:fontRef idx="minor">
+            <a:schemeClr val="dk1"/>
+          </a:fontRef>
+        </p:style>
+        <p:txBody>
+          <a:bodyPr rtlCol="0" anchor="ctr"/>
+          <a:lstStyle/>
+          <a:p>
+            <a:pPr algn="ctr"/>
+            <a:r>
+              <a:rPr lang="en-US" altLang="ko-KR" sz="1400"/>
+              <a:t>Change root (pivot_root()),</a:t>
+            </a:r>
+            <a:br>
+              <a:rPr lang="en-US" altLang="ko-KR" sz="1400"/>
+            </a:br>
+            <a:r>
+              <a:rPr lang="en-US" altLang="ko-KR" sz="1400"/>
+              <a:t>Exec app (exec())</a:t>
+            </a:r>
+          </a:p>
+        </p:txBody>
+      </p:sp>
+      <p:sp>
+        <p:nvSpPr>
+          <p:cNvPr id="76" name="타원 75">
+            <a:extLst>
+              <a:ext uri="{FF2B5EF4-FFF2-40B4-BE49-F238E27FC236}">
+                <a16:creationId xmlns:a16="http://schemas.microsoft.com/office/drawing/2014/main" id="{6ED8FE13-254F-4094-BE66-85495E6FE887}"/>
+              </a:ext>
+            </a:extLst>
+          </p:cNvPr>
+          <p:cNvSpPr/>
+          <p:nvPr/>
+        </p:nvSpPr>
+        <p:spPr>
+          <a:xfrm>
+            <a:off x="3690518" y="1705061"/>
+            <a:ext cx="288032" cy="288032"/>
+          </a:xfrm>
+          <a:prstGeom prst="ellipse">
+            <a:avLst/>
+          </a:prstGeom>
+          <a:solidFill>
+            <a:schemeClr val="bg1"/>
+          </a:solidFill>
+        </p:spPr>
+        <p:style>
+          <a:lnRef idx="2">
+            <a:schemeClr val="dk1"/>
+          </a:lnRef>
+          <a:fillRef idx="1">
+            <a:schemeClr val="lt1"/>
+          </a:fillRef>
+          <a:effectRef idx="0">
+            <a:schemeClr val="dk1"/>
+          </a:effectRef>
+          <a:fontRef idx="minor">
+            <a:schemeClr val="dk1"/>
+          </a:fontRef>
+        </p:style>
+        <p:txBody>
+          <a:bodyPr rtlCol="0" anchor="ctr"/>
+          <a:lstStyle/>
+          <a:p>
+            <a:pPr algn="ctr"/>
+            <a:r>
+              <a:rPr lang="en-US" altLang="ko-KR" sz="1600"/>
+              <a:t>5</a:t>
+            </a:r>
+            <a:endParaRPr lang="ko-KR" altLang="en-US" sz="1600"/>
+          </a:p>
+        </p:txBody>
+      </p:sp>
+      <p:cxnSp>
+        <p:nvCxnSpPr>
+          <p:cNvPr id="97" name="직선 화살표 연결선 96">
+            <a:extLst>
+              <a:ext uri="{FF2B5EF4-FFF2-40B4-BE49-F238E27FC236}">
+                <a16:creationId xmlns:a16="http://schemas.microsoft.com/office/drawing/2014/main" id="{73965EDB-8B72-A906-108E-D38F962AAA8C}"/>
+              </a:ext>
+            </a:extLst>
+          </p:cNvPr>
+          <p:cNvCxnSpPr>
+            <a:cxnSpLocks/>
+            <a:stCxn id="35" idx="1"/>
+          </p:cNvCxnSpPr>
+          <p:nvPr/>
+        </p:nvCxnSpPr>
+        <p:spPr>
+          <a:xfrm flipH="1">
+            <a:off x="1718313" y="1594831"/>
+            <a:ext cx="2122988" cy="636953"/>
+          </a:xfrm>
+          <a:prstGeom prst="straightConnector1">
+            <a:avLst/>
+          </a:prstGeom>
+          <a:ln w="19050">
+            <a:solidFill>
+              <a:schemeClr val="tx1"/>
+            </a:solidFill>
+            <a:headEnd type="none" w="med" len="med"/>
+            <a:tailEnd type="arrow" w="med" len="med"/>
+          </a:ln>
+        </p:spPr>
+        <p:style>
+          <a:lnRef idx="1">
+            <a:schemeClr val="accent1"/>
+          </a:lnRef>
+          <a:fillRef idx="0">
+            <a:schemeClr val="accent1"/>
+          </a:fillRef>
+          <a:effectRef idx="0">
+            <a:schemeClr val="accent1"/>
+          </a:effectRef>
+          <a:fontRef idx="minor">
+            <a:schemeClr val="tx1"/>
+          </a:fontRef>
+        </p:style>
+      </p:cxnSp>
+      <p:sp>
+        <p:nvSpPr>
+          <p:cNvPr id="70" name="타원 69">
+            <a:extLst>
+              <a:ext uri="{FF2B5EF4-FFF2-40B4-BE49-F238E27FC236}">
+                <a16:creationId xmlns:a16="http://schemas.microsoft.com/office/drawing/2014/main" id="{5D0B6546-3B63-E414-9215-AE042A33EBDC}"/>
+              </a:ext>
+            </a:extLst>
+          </p:cNvPr>
+          <p:cNvSpPr/>
+          <p:nvPr/>
+        </p:nvSpPr>
+        <p:spPr>
+          <a:xfrm>
+            <a:off x="3693972" y="1234253"/>
+            <a:ext cx="288032" cy="288032"/>
+          </a:xfrm>
+          <a:prstGeom prst="ellipse">
+            <a:avLst/>
+          </a:prstGeom>
+        </p:spPr>
+        <p:style>
+          <a:lnRef idx="2">
+            <a:schemeClr val="dk1"/>
+          </a:lnRef>
+          <a:fillRef idx="1">
+            <a:schemeClr val="lt1"/>
+          </a:fillRef>
+          <a:effectRef idx="0">
+            <a:schemeClr val="dk1"/>
+          </a:effectRef>
+          <a:fontRef idx="minor">
+            <a:schemeClr val="dk1"/>
+          </a:fontRef>
+        </p:style>
+        <p:txBody>
+          <a:bodyPr rtlCol="0" anchor="ctr"/>
+          <a:lstStyle/>
+          <a:p>
+            <a:pPr algn="ctr"/>
+            <a:r>
+              <a:rPr lang="en-US" altLang="ko-KR" sz="1600"/>
+              <a:t>1</a:t>
+            </a:r>
+            <a:endParaRPr lang="ko-KR" altLang="en-US" sz="1600"/>
+          </a:p>
+        </p:txBody>
+      </p:sp>
+      <p:sp>
+        <p:nvSpPr>
+          <p:cNvPr id="24" name="사각형: 둥근 모서리 114">
+            <a:extLst>
+              <a:ext uri="{FF2B5EF4-FFF2-40B4-BE49-F238E27FC236}">
+                <a16:creationId xmlns:a16="http://schemas.microsoft.com/office/drawing/2014/main" id="{8BD2647E-7F6D-665A-281C-4989E21F06B8}"/>
+              </a:ext>
+            </a:extLst>
+          </p:cNvPr>
+          <p:cNvSpPr/>
+          <p:nvPr/>
+        </p:nvSpPr>
+        <p:spPr>
+          <a:xfrm>
+            <a:off x="921657" y="3734226"/>
+            <a:ext cx="2878471" cy="619914"/>
+          </a:xfrm>
+          <a:prstGeom prst="roundRect">
+            <a:avLst>
+              <a:gd name="adj" fmla="val 10304"/>
+            </a:avLst>
+          </a:prstGeom>
+          <a:noFill/>
+          <a:ln>
+            <a:noFill/>
+          </a:ln>
+        </p:spPr>
+        <p:style>
+          <a:lnRef idx="2">
+            <a:schemeClr val="dk1"/>
+          </a:lnRef>
+          <a:fillRef idx="1">
+            <a:schemeClr val="lt1"/>
+          </a:fillRef>
+          <a:effectRef idx="0">
+            <a:schemeClr val="dk1"/>
+          </a:effectRef>
+          <a:fontRef idx="minor">
+            <a:schemeClr val="dk1"/>
+          </a:fontRef>
+        </p:style>
+        <p:txBody>
+          <a:bodyPr rtlCol="0" anchor="ctr"/>
+          <a:lstStyle/>
+          <a:p>
+            <a:pPr algn="ctr"/>
+            <a:r>
+              <a:rPr lang="en-US" altLang="ko-KR" sz="1400"/>
+              <a:t>Make device node </a:t>
+            </a:r>
+            <a:br>
+              <a:rPr lang="en-US" altLang="ko-KR" sz="1400"/>
+            </a:br>
+            <a:r>
+              <a:rPr lang="en-US" altLang="ko-KR" sz="1400"/>
+              <a:t>(mknod), Load kernel module</a:t>
+            </a:r>
+          </a:p>
+        </p:txBody>
+      </p:sp>
+      <p:sp>
+        <p:nvSpPr>
+          <p:cNvPr id="4" name="사각형: 둥근 모서리 114">
+            <a:extLst>
+              <a:ext uri="{FF2B5EF4-FFF2-40B4-BE49-F238E27FC236}">
+                <a16:creationId xmlns:a16="http://schemas.microsoft.com/office/drawing/2014/main" id="{BFD3FE09-03AF-1987-088E-72EB08CB5B76}"/>
+              </a:ext>
+            </a:extLst>
+          </p:cNvPr>
+          <p:cNvSpPr/>
+          <p:nvPr/>
+        </p:nvSpPr>
+        <p:spPr>
+          <a:xfrm>
+            <a:off x="7153673" y="1370132"/>
+            <a:ext cx="1717863" cy="433441"/>
+          </a:xfrm>
+          <a:prstGeom prst="roundRect">
+            <a:avLst>
+              <a:gd name="adj" fmla="val 10304"/>
+            </a:avLst>
+          </a:prstGeom>
+        </p:spPr>
+        <p:style>
+          <a:lnRef idx="2">
+            <a:schemeClr val="dk1"/>
+          </a:lnRef>
+          <a:fillRef idx="1">
+            <a:schemeClr val="lt1"/>
+          </a:fillRef>
+          <a:effectRef idx="0">
+            <a:schemeClr val="dk1"/>
+          </a:effectRef>
+          <a:fontRef idx="minor">
+            <a:schemeClr val="dk1"/>
+          </a:fontRef>
+        </p:style>
+        <p:txBody>
+          <a:bodyPr rtlCol="0" anchor="ctr"/>
+          <a:lstStyle/>
+          <a:p>
+            <a:pPr algn="ctr"/>
+            <a:r>
+              <a:rPr lang="en-US" altLang="ko-KR" sz="1400"/>
+              <a:t>OCI Runtime</a:t>
+            </a:r>
+          </a:p>
+          <a:p>
+            <a:pPr algn="ctr"/>
+            <a:r>
+              <a:rPr lang="en-US" altLang="ko-KR" sz="1400"/>
+              <a:t>Config.json</a:t>
             </a:r>
             <a:endParaRPr lang="en-US" altLang="ko-KR" sz="1400" dirty="0"/>
           </a:p>
         </p:txBody>
       </p:sp>
+      <p:cxnSp>
+        <p:nvCxnSpPr>
+          <p:cNvPr id="5" name="직선 화살표 연결선 17">
+            <a:extLst>
+              <a:ext uri="{FF2B5EF4-FFF2-40B4-BE49-F238E27FC236}">
+                <a16:creationId xmlns:a16="http://schemas.microsoft.com/office/drawing/2014/main" id="{73A68F90-A225-1E6B-0D4B-49050CDFFAFE}"/>
+              </a:ext>
+            </a:extLst>
+          </p:cNvPr>
+          <p:cNvCxnSpPr>
+            <a:cxnSpLocks/>
+            <a:stCxn id="4" idx="1"/>
+            <a:endCxn id="35" idx="3"/>
+          </p:cNvCxnSpPr>
+          <p:nvPr/>
+        </p:nvCxnSpPr>
+        <p:spPr>
+          <a:xfrm flipH="1">
+            <a:off x="6572443" y="1586853"/>
+            <a:ext cx="581230" cy="7978"/>
+          </a:xfrm>
+          <a:prstGeom prst="straightConnector1">
+            <a:avLst/>
+          </a:prstGeom>
+          <a:ln w="19050">
+            <a:solidFill>
+              <a:schemeClr val="tx1"/>
+            </a:solidFill>
+            <a:headEnd type="none" w="med" len="med"/>
+            <a:tailEnd type="arrow" w="med" len="med"/>
+          </a:ln>
+        </p:spPr>
+        <p:style>
+          <a:lnRef idx="1">
+            <a:schemeClr val="accent1"/>
+          </a:lnRef>
+          <a:fillRef idx="0">
+            <a:schemeClr val="accent1"/>
+          </a:fillRef>
+          <a:effectRef idx="0">
+            <a:schemeClr val="accent1"/>
+          </a:effectRef>
+          <a:fontRef idx="minor">
+            <a:schemeClr val="tx1"/>
+          </a:fontRef>
+        </p:style>
+      </p:cxnSp>
+      <p:cxnSp>
+        <p:nvCxnSpPr>
+          <p:cNvPr id="26" name="직선 화살표 연결선 17">
+            <a:extLst>
+              <a:ext uri="{FF2B5EF4-FFF2-40B4-BE49-F238E27FC236}">
+                <a16:creationId xmlns:a16="http://schemas.microsoft.com/office/drawing/2014/main" id="{080B94D1-EF6B-8C54-F068-8376FB251754}"/>
+              </a:ext>
+            </a:extLst>
+          </p:cNvPr>
+          <p:cNvCxnSpPr>
+            <a:cxnSpLocks/>
+            <a:stCxn id="4" idx="2"/>
+            <a:endCxn id="44" idx="3"/>
+          </p:cNvCxnSpPr>
+          <p:nvPr/>
+        </p:nvCxnSpPr>
+        <p:spPr>
+          <a:xfrm flipH="1">
+            <a:off x="6740060" y="1803573"/>
+            <a:ext cx="1272545" cy="984899"/>
+          </a:xfrm>
+          <a:prstGeom prst="straightConnector1">
+            <a:avLst/>
+          </a:prstGeom>
+          <a:ln w="19050">
+            <a:solidFill>
+              <a:schemeClr val="tx1"/>
+            </a:solidFill>
+            <a:headEnd type="none" w="med" len="med"/>
+            <a:tailEnd type="arrow" w="med" len="med"/>
+          </a:ln>
+        </p:spPr>
+        <p:style>
+          <a:lnRef idx="1">
+            <a:schemeClr val="accent1"/>
+          </a:lnRef>
+          <a:fillRef idx="0">
+            <a:schemeClr val="accent1"/>
+          </a:fillRef>
+          <a:effectRef idx="0">
+            <a:schemeClr val="accent1"/>
+          </a:effectRef>
+          <a:fontRef idx="minor">
+            <a:schemeClr val="tx1"/>
+          </a:fontRef>
+        </p:style>
+      </p:cxnSp>
     </p:spTree>
     <p:extLst>
       <p:ext uri="{BB962C8B-B14F-4D97-AF65-F5344CB8AC3E}">
-        <p14:creationId xmlns:p14="http://schemas.microsoft.com/office/powerpoint/2010/main" val="3532445663"/>
+        <p14:creationId xmlns:p14="http://schemas.microsoft.com/office/powerpoint/2010/main" val="1318549003"/>
       </p:ext>
     </p:extLst>
   </p:cSld>
@@ -7326,6 +8737,358 @@
         </p:spPr>
         <p:txBody>
           <a:bodyPr>
+            <a:normAutofit fontScale="90000"/>
+          </a:bodyPr>
+          <a:lstStyle/>
+          <a:p>
+            <a:r>
+              <a:rPr lang="en-US" altLang="ko-KR"/>
+              <a:t>CUDA Container OCI Runtime Spec</a:t>
+            </a:r>
+            <a:endParaRPr lang="ko-KR" altLang="en-US" dirty="0"/>
+          </a:p>
+        </p:txBody>
+      </p:sp>
+      <p:sp>
+        <p:nvSpPr>
+          <p:cNvPr id="7" name="사각형: 둥근 모서리 114">
+            <a:extLst>
+              <a:ext uri="{FF2B5EF4-FFF2-40B4-BE49-F238E27FC236}">
+                <a16:creationId xmlns:a16="http://schemas.microsoft.com/office/drawing/2014/main" id="{E074CAD6-7716-4458-B0D4-1C0318E58F6D}"/>
+              </a:ext>
+            </a:extLst>
+          </p:cNvPr>
+          <p:cNvSpPr/>
+          <p:nvPr/>
+        </p:nvSpPr>
+        <p:spPr>
+          <a:xfrm>
+            <a:off x="2267744" y="698149"/>
+            <a:ext cx="4752528" cy="433441"/>
+          </a:xfrm>
+          <a:prstGeom prst="roundRect">
+            <a:avLst>
+              <a:gd name="adj" fmla="val 0"/>
+            </a:avLst>
+          </a:prstGeom>
+        </p:spPr>
+        <p:style>
+          <a:lnRef idx="2">
+            <a:schemeClr val="dk1"/>
+          </a:lnRef>
+          <a:fillRef idx="1">
+            <a:schemeClr val="lt1"/>
+          </a:fillRef>
+          <a:effectRef idx="0">
+            <a:schemeClr val="dk1"/>
+          </a:effectRef>
+          <a:fontRef idx="minor">
+            <a:schemeClr val="dk1"/>
+          </a:fontRef>
+        </p:style>
+        <p:txBody>
+          <a:bodyPr rtlCol="0" anchor="ctr"/>
+          <a:lstStyle/>
+          <a:p>
+            <a:r>
+              <a:rPr lang="en-US" altLang="ko-KR" sz="1400"/>
+              <a:t># docker run --gpu all nvidia/cuda:9.0-base nvidia-smi</a:t>
+            </a:r>
+            <a:endParaRPr lang="en-US" altLang="ko-KR" sz="1400" dirty="0"/>
+          </a:p>
+        </p:txBody>
+      </p:sp>
+      <p:sp>
+        <p:nvSpPr>
+          <p:cNvPr id="11" name="사각형: 둥근 모서리 114">
+            <a:extLst>
+              <a:ext uri="{FF2B5EF4-FFF2-40B4-BE49-F238E27FC236}">
+                <a16:creationId xmlns:a16="http://schemas.microsoft.com/office/drawing/2014/main" id="{E07F06D4-AF1E-486E-8493-362B4DEDC5E3}"/>
+              </a:ext>
+            </a:extLst>
+          </p:cNvPr>
+          <p:cNvSpPr/>
+          <p:nvPr/>
+        </p:nvSpPr>
+        <p:spPr>
+          <a:xfrm>
+            <a:off x="899592" y="1354461"/>
+            <a:ext cx="7488831" cy="3367380"/>
+          </a:xfrm>
+          <a:prstGeom prst="roundRect">
+            <a:avLst>
+              <a:gd name="adj" fmla="val 0"/>
+            </a:avLst>
+          </a:prstGeom>
+        </p:spPr>
+        <p:style>
+          <a:lnRef idx="2">
+            <a:schemeClr val="dk1"/>
+          </a:lnRef>
+          <a:fillRef idx="1">
+            <a:schemeClr val="lt1"/>
+          </a:fillRef>
+          <a:effectRef idx="0">
+            <a:schemeClr val="dk1"/>
+          </a:effectRef>
+          <a:fontRef idx="minor">
+            <a:schemeClr val="dk1"/>
+          </a:fontRef>
+        </p:style>
+        <p:txBody>
+          <a:bodyPr rtlCol="0" anchor="ctr"/>
+          <a:lstStyle/>
+          <a:p>
+            <a:r>
+              <a:rPr lang="en-US" altLang="ko-KR" sz="1400"/>
+              <a:t>"hooks": {</a:t>
+            </a:r>
+          </a:p>
+          <a:p>
+            <a:r>
+              <a:rPr lang="en-US" altLang="ko-KR" sz="1400"/>
+              <a:t>    "prestart": [</a:t>
+            </a:r>
+          </a:p>
+          <a:p>
+            <a:r>
+              <a:rPr lang="en-US" altLang="ko-KR" sz="1400"/>
+              <a:t>         {</a:t>
+            </a:r>
+          </a:p>
+          <a:p>
+            <a:r>
+              <a:rPr lang="en-US" altLang="ko-KR" sz="1400"/>
+              <a:t>             "path": “/usr/bin/nvidia-container-runtime-hook”,</a:t>
+            </a:r>
+          </a:p>
+          <a:p>
+            <a:r>
+              <a:rPr lang="en-US" altLang="ko-KR" sz="1400"/>
+              <a:t>             "args": ["nvidia-container-runtime-hook ", “prestart"],</a:t>
+            </a:r>
+          </a:p>
+          <a:p>
+            <a:r>
+              <a:rPr lang="en-US" altLang="ko-KR" sz="1400"/>
+              <a:t>             "env": [“CUDA_VERSION=9.0.176”,</a:t>
+            </a:r>
+            <a:br>
+              <a:rPr lang="en-US" altLang="ko-KR" sz="1400"/>
+            </a:br>
+            <a:r>
+              <a:rPr lang="en-US" altLang="ko-KR" sz="1400"/>
+              <a:t>                       “CUDA_PKG_VERSION=9-0=9.0.176-1”,</a:t>
+            </a:r>
+          </a:p>
+          <a:p>
+            <a:r>
+              <a:rPr lang="en-US" altLang="ko-KR" sz="1400"/>
+              <a:t>                       “NVIDIA_VISIBLE_DEVICES=all“,</a:t>
+            </a:r>
+            <a:br>
+              <a:rPr lang="en-US" altLang="ko-KR" sz="1400"/>
+            </a:br>
+            <a:r>
+              <a:rPr lang="en-US" altLang="ko-KR" sz="1400"/>
+              <a:t>                       “NVIDIA_DRIVER_CAPABILITIES=“compute,utility”,</a:t>
+            </a:r>
+          </a:p>
+          <a:p>
+            <a:r>
+              <a:rPr lang="en-US" altLang="ko-KR" sz="1400"/>
+              <a:t>                       "NVIDIA_REQUIRE_CUDA=cuda&gt;=9.0“,</a:t>
+            </a:r>
+            <a:br>
+              <a:rPr lang="en-US" altLang="ko-KR" sz="1400"/>
+            </a:br>
+            <a:r>
+              <a:rPr lang="en-US" altLang="ko-KR" sz="1400"/>
+              <a:t>                       "LD_LIBRARY_PATH=/usr/local/nvidia/lib:/usr/local/nvidia/lib64“</a:t>
+            </a:r>
+          </a:p>
+          <a:p>
+            <a:r>
+              <a:rPr lang="en-US" altLang="ko-KR" sz="1400"/>
+              <a:t>             ]</a:t>
+            </a:r>
+          </a:p>
+          <a:p>
+            <a:r>
+              <a:rPr lang="en-US" altLang="ko-KR" sz="1400"/>
+              <a:t>         },</a:t>
+            </a:r>
+          </a:p>
+          <a:p>
+            <a:r>
+              <a:rPr lang="en-US" altLang="ko-KR" sz="1400"/>
+              <a:t>    ],</a:t>
+            </a:r>
+          </a:p>
+          <a:p>
+            <a:r>
+              <a:rPr lang="en-US" altLang="ko-KR" sz="1400"/>
+              <a:t>}</a:t>
+            </a:r>
+            <a:endParaRPr lang="en-US" altLang="ko-KR" sz="1400" dirty="0"/>
+          </a:p>
+        </p:txBody>
+      </p:sp>
+      <p:cxnSp>
+        <p:nvCxnSpPr>
+          <p:cNvPr id="9" name="직선 화살표 연결선 8">
+            <a:extLst>
+              <a:ext uri="{FF2B5EF4-FFF2-40B4-BE49-F238E27FC236}">
+                <a16:creationId xmlns:a16="http://schemas.microsoft.com/office/drawing/2014/main" id="{D3447036-464F-4C90-9B09-6E8806442451}"/>
+              </a:ext>
+            </a:extLst>
+          </p:cNvPr>
+          <p:cNvCxnSpPr>
+            <a:cxnSpLocks/>
+            <a:stCxn id="7" idx="2"/>
+            <a:endCxn id="11" idx="0"/>
+          </p:cNvCxnSpPr>
+          <p:nvPr/>
+        </p:nvCxnSpPr>
+        <p:spPr>
+          <a:xfrm>
+            <a:off x="4644008" y="1131590"/>
+            <a:ext cx="0" cy="222871"/>
+          </a:xfrm>
+          <a:prstGeom prst="straightConnector1">
+            <a:avLst/>
+          </a:prstGeom>
+          <a:ln w="19050">
+            <a:solidFill>
+              <a:schemeClr val="tx1"/>
+            </a:solidFill>
+            <a:headEnd type="none" w="med" len="med"/>
+            <a:tailEnd type="arrow" w="med" len="med"/>
+          </a:ln>
+        </p:spPr>
+        <p:style>
+          <a:lnRef idx="1">
+            <a:schemeClr val="accent1"/>
+          </a:lnRef>
+          <a:fillRef idx="0">
+            <a:schemeClr val="accent1"/>
+          </a:fillRef>
+          <a:effectRef idx="0">
+            <a:schemeClr val="accent1"/>
+          </a:effectRef>
+          <a:fontRef idx="minor">
+            <a:schemeClr val="tx1"/>
+          </a:fontRef>
+        </p:style>
+      </p:cxnSp>
+      <p:sp>
+        <p:nvSpPr>
+          <p:cNvPr id="22" name="사각형: 둥근 모서리 114">
+            <a:extLst>
+              <a:ext uri="{FF2B5EF4-FFF2-40B4-BE49-F238E27FC236}">
+                <a16:creationId xmlns:a16="http://schemas.microsoft.com/office/drawing/2014/main" id="{0B79FB11-EB5E-48B2-9B7D-2CF7A5759856}"/>
+              </a:ext>
+            </a:extLst>
+          </p:cNvPr>
+          <p:cNvSpPr/>
+          <p:nvPr/>
+        </p:nvSpPr>
+        <p:spPr>
+          <a:xfrm>
+            <a:off x="3278436" y="4658589"/>
+            <a:ext cx="2731142" cy="433441"/>
+          </a:xfrm>
+          <a:prstGeom prst="roundRect">
+            <a:avLst>
+              <a:gd name="adj" fmla="val 10304"/>
+            </a:avLst>
+          </a:prstGeom>
+          <a:noFill/>
+          <a:ln>
+            <a:noFill/>
+          </a:ln>
+        </p:spPr>
+        <p:style>
+          <a:lnRef idx="2">
+            <a:schemeClr val="dk1"/>
+          </a:lnRef>
+          <a:fillRef idx="1">
+            <a:schemeClr val="lt1"/>
+          </a:fillRef>
+          <a:effectRef idx="0">
+            <a:schemeClr val="dk1"/>
+          </a:effectRef>
+          <a:fontRef idx="minor">
+            <a:schemeClr val="dk1"/>
+          </a:fontRef>
+        </p:style>
+        <p:txBody>
+          <a:bodyPr rtlCol="0" anchor="ctr"/>
+          <a:lstStyle/>
+          <a:p>
+            <a:pPr algn="ctr"/>
+            <a:r>
+              <a:rPr lang="en-US" altLang="ko-KR" sz="1400"/>
+              <a:t>OCI Runtime Spec</a:t>
+            </a:r>
+            <a:endParaRPr lang="en-US" altLang="ko-KR" sz="1400" dirty="0"/>
+          </a:p>
+        </p:txBody>
+      </p:sp>
+    </p:spTree>
+    <p:extLst>
+      <p:ext uri="{BB962C8B-B14F-4D97-AF65-F5344CB8AC3E}">
+        <p14:creationId xmlns:p14="http://schemas.microsoft.com/office/powerpoint/2010/main" val="3532445663"/>
+      </p:ext>
+    </p:extLst>
+  </p:cSld>
+  <p:clrMapOvr>
+    <a:masterClrMapping/>
+  </p:clrMapOvr>
+</p:sld>
+</file>
+
+<file path=ppt/slides/slide7.xml><?xml version="1.0" encoding="utf-8"?>
+<p:sld xmlns:a="http://schemas.openxmlformats.org/drawingml/2006/main" xmlns:r="http://schemas.openxmlformats.org/officeDocument/2006/relationships" xmlns:p="http://schemas.openxmlformats.org/presentationml/2006/main">
+  <p:cSld>
+    <p:spTree>
+      <p:nvGrpSpPr>
+        <p:cNvPr id="1" name=""/>
+        <p:cNvGrpSpPr/>
+        <p:nvPr/>
+      </p:nvGrpSpPr>
+      <p:grpSpPr>
+        <a:xfrm>
+          <a:off x="0" y="0"/>
+          <a:ext cx="0" cy="0"/>
+          <a:chOff x="0" y="0"/>
+          <a:chExt cx="0" cy="0"/>
+        </a:xfrm>
+      </p:grpSpPr>
+      <p:sp>
+        <p:nvSpPr>
+          <p:cNvPr id="2" name="제목 1">
+            <a:extLst>
+              <a:ext uri="{FF2B5EF4-FFF2-40B4-BE49-F238E27FC236}">
+                <a16:creationId xmlns:a16="http://schemas.microsoft.com/office/drawing/2014/main" id="{8738443D-5E72-49E2-86AC-581D61C41C39}"/>
+              </a:ext>
+            </a:extLst>
+          </p:cNvPr>
+          <p:cNvSpPr>
+            <a:spLocks noGrp="1"/>
+          </p:cNvSpPr>
+          <p:nvPr>
+            <p:ph type="title"/>
+          </p:nvPr>
+        </p:nvSpPr>
+        <p:spPr>
+          <a:xfrm>
+            <a:off x="0" y="-92546"/>
+            <a:ext cx="9144000" cy="857250"/>
+          </a:xfrm>
+        </p:spPr>
+        <p:txBody>
+          <a:bodyPr>
             <a:normAutofit/>
           </a:bodyPr>
           <a:lstStyle/>
@@ -8514,7 +10277,7 @@
 </p:sld>
 </file>
 
-<file path=ppt/slides/slide7.xml><?xml version="1.0" encoding="utf-8"?>
+<file path=ppt/slides/slide8.xml><?xml version="1.0" encoding="utf-8"?>
 <p:sld xmlns:a="http://schemas.openxmlformats.org/drawingml/2006/main" xmlns:r="http://schemas.openxmlformats.org/officeDocument/2006/relationships" xmlns:p="http://schemas.openxmlformats.org/presentationml/2006/main">
   <p:cSld>
     <p:spTree>

--- a/content/docs/theory-analysis/container-nvidia-gpu/images/images.pptx
+++ b/content/docs/theory-analysis/container-nvidia-gpu/images/images.pptx
@@ -5,17 +5,18 @@
     <p:sldMasterId id="2147483648" r:id="rId1"/>
   </p:sldMasterIdLst>
   <p:notesMasterIdLst>
-    <p:notesMasterId r:id="rId10"/>
+    <p:notesMasterId r:id="rId11"/>
   </p:notesMasterIdLst>
   <p:sldIdLst>
     <p:sldId id="428" r:id="rId2"/>
     <p:sldId id="427" r:id="rId3"/>
     <p:sldId id="422" r:id="rId4"/>
     <p:sldId id="426" r:id="rId5"/>
-    <p:sldId id="432" r:id="rId6"/>
-    <p:sldId id="429" r:id="rId7"/>
-    <p:sldId id="430" r:id="rId8"/>
-    <p:sldId id="431" r:id="rId9"/>
+    <p:sldId id="433" r:id="rId6"/>
+    <p:sldId id="432" r:id="rId7"/>
+    <p:sldId id="429" r:id="rId8"/>
+    <p:sldId id="430" r:id="rId9"/>
+    <p:sldId id="431" r:id="rId10"/>
   </p:sldIdLst>
   <p:sldSz cx="9144000" cy="5143500" type="screen16x9"/>
   <p:notesSz cx="6858000" cy="9144000"/>
@@ -747,6 +748,114 @@
         <p:cNvPr id="1" name="">
           <a:extLst>
             <a:ext uri="{FF2B5EF4-FFF2-40B4-BE49-F238E27FC236}">
+              <a16:creationId xmlns:a16="http://schemas.microsoft.com/office/drawing/2014/main" id="{C0976C4D-EFC4-3AFC-1CD9-943936783814}"/>
+            </a:ext>
+          </a:extLst>
+        </p:cNvPr>
+        <p:cNvGrpSpPr/>
+        <p:nvPr/>
+      </p:nvGrpSpPr>
+      <p:grpSpPr>
+        <a:xfrm>
+          <a:off x="0" y="0"/>
+          <a:ext cx="0" cy="0"/>
+          <a:chOff x="0" y="0"/>
+          <a:chExt cx="0" cy="0"/>
+        </a:xfrm>
+      </p:grpSpPr>
+      <p:sp>
+        <p:nvSpPr>
+          <p:cNvPr id="2" name="슬라이드 이미지 개체 틀 1">
+            <a:extLst>
+              <a:ext uri="{FF2B5EF4-FFF2-40B4-BE49-F238E27FC236}">
+                <a16:creationId xmlns:a16="http://schemas.microsoft.com/office/drawing/2014/main" id="{43C8D6C7-9AA7-D495-22CB-42E3FC3EB7AE}"/>
+              </a:ext>
+            </a:extLst>
+          </p:cNvPr>
+          <p:cNvSpPr>
+            <a:spLocks noGrp="1" noRot="1" noChangeAspect="1"/>
+          </p:cNvSpPr>
+          <p:nvPr>
+            <p:ph type="sldImg"/>
+          </p:nvPr>
+        </p:nvSpPr>
+        <p:spPr/>
+      </p:sp>
+      <p:sp>
+        <p:nvSpPr>
+          <p:cNvPr id="3" name="슬라이드 노트 개체 틀 2">
+            <a:extLst>
+              <a:ext uri="{FF2B5EF4-FFF2-40B4-BE49-F238E27FC236}">
+                <a16:creationId xmlns:a16="http://schemas.microsoft.com/office/drawing/2014/main" id="{888A1329-14DA-7F21-F73B-DEEEF4F9A47B}"/>
+              </a:ext>
+            </a:extLst>
+          </p:cNvPr>
+          <p:cNvSpPr>
+            <a:spLocks noGrp="1"/>
+          </p:cNvSpPr>
+          <p:nvPr>
+            <p:ph type="body" idx="1"/>
+          </p:nvPr>
+        </p:nvSpPr>
+        <p:spPr/>
+        <p:txBody>
+          <a:bodyPr/>
+          <a:lstStyle/>
+          <a:p>
+            <a:endParaRPr lang="ko-KR" altLang="en-US"/>
+          </a:p>
+        </p:txBody>
+      </p:sp>
+      <p:sp>
+        <p:nvSpPr>
+          <p:cNvPr id="4" name="슬라이드 번호 개체 틀 3">
+            <a:extLst>
+              <a:ext uri="{FF2B5EF4-FFF2-40B4-BE49-F238E27FC236}">
+                <a16:creationId xmlns:a16="http://schemas.microsoft.com/office/drawing/2014/main" id="{EC0DCCFE-57A4-D3EB-155D-B47E9FBF8B41}"/>
+              </a:ext>
+            </a:extLst>
+          </p:cNvPr>
+          <p:cNvSpPr>
+            <a:spLocks noGrp="1"/>
+          </p:cNvSpPr>
+          <p:nvPr>
+            <p:ph type="sldNum" sz="quarter" idx="10"/>
+          </p:nvPr>
+        </p:nvSpPr>
+        <p:spPr/>
+        <p:txBody>
+          <a:bodyPr/>
+          <a:lstStyle/>
+          <a:p>
+            <a:fld id="{BA5DFA43-8D57-47FB-BC46-057616015C3B}" type="slidenum">
+              <a:rPr lang="ko-KR" altLang="en-US" smtClean="0"/>
+              <a:t>5</a:t>
+            </a:fld>
+            <a:endParaRPr lang="ko-KR" altLang="en-US"/>
+          </a:p>
+        </p:txBody>
+      </p:sp>
+    </p:spTree>
+    <p:extLst>
+      <p:ext uri="{BB962C8B-B14F-4D97-AF65-F5344CB8AC3E}">
+        <p14:creationId xmlns:p14="http://schemas.microsoft.com/office/powerpoint/2010/main" val="2909460317"/>
+      </p:ext>
+    </p:extLst>
+  </p:cSld>
+  <p:clrMapOvr>
+    <a:masterClrMapping/>
+  </p:clrMapOvr>
+</p:notes>
+</file>
+
+<file path=ppt/notesSlides/notesSlide5.xml><?xml version="1.0" encoding="utf-8"?>
+<p:notes xmlns:a="http://schemas.openxmlformats.org/drawingml/2006/main" xmlns:r="http://schemas.openxmlformats.org/officeDocument/2006/relationships" xmlns:p="http://schemas.openxmlformats.org/presentationml/2006/main">
+  <p:cSld>
+    <p:spTree>
+      <p:nvGrpSpPr>
+        <p:cNvPr id="1" name="">
+          <a:extLst>
+            <a:ext uri="{FF2B5EF4-FFF2-40B4-BE49-F238E27FC236}">
               <a16:creationId xmlns:a16="http://schemas.microsoft.com/office/drawing/2014/main" id="{6D308DBE-B1B4-7D50-CD13-CEB16511702E}"/>
             </a:ext>
           </a:extLst>
@@ -828,7 +937,7 @@
           <a:p>
             <a:fld id="{BA5DFA43-8D57-47FB-BC46-057616015C3B}" type="slidenum">
               <a:rPr lang="ko-KR" altLang="en-US" smtClean="0"/>
-              <a:t>5</a:t>
+              <a:t>6</a:t>
             </a:fld>
             <a:endParaRPr lang="ko-KR" altLang="en-US"/>
           </a:p>
@@ -838,90 +947,6 @@
     <p:extLst>
       <p:ext uri="{BB962C8B-B14F-4D97-AF65-F5344CB8AC3E}">
         <p14:creationId xmlns:p14="http://schemas.microsoft.com/office/powerpoint/2010/main" val="180167310"/>
-      </p:ext>
-    </p:extLst>
-  </p:cSld>
-  <p:clrMapOvr>
-    <a:masterClrMapping/>
-  </p:clrMapOvr>
-</p:notes>
-</file>
-
-<file path=ppt/notesSlides/notesSlide5.xml><?xml version="1.0" encoding="utf-8"?>
-<p:notes xmlns:a="http://schemas.openxmlformats.org/drawingml/2006/main" xmlns:r="http://schemas.openxmlformats.org/officeDocument/2006/relationships" xmlns:p="http://schemas.openxmlformats.org/presentationml/2006/main">
-  <p:cSld>
-    <p:spTree>
-      <p:nvGrpSpPr>
-        <p:cNvPr id="1" name=""/>
-        <p:cNvGrpSpPr/>
-        <p:nvPr/>
-      </p:nvGrpSpPr>
-      <p:grpSpPr>
-        <a:xfrm>
-          <a:off x="0" y="0"/>
-          <a:ext cx="0" cy="0"/>
-          <a:chOff x="0" y="0"/>
-          <a:chExt cx="0" cy="0"/>
-        </a:xfrm>
-      </p:grpSpPr>
-      <p:sp>
-        <p:nvSpPr>
-          <p:cNvPr id="2" name="슬라이드 이미지 개체 틀 1"/>
-          <p:cNvSpPr>
-            <a:spLocks noGrp="1" noRot="1" noChangeAspect="1"/>
-          </p:cNvSpPr>
-          <p:nvPr>
-            <p:ph type="sldImg"/>
-          </p:nvPr>
-        </p:nvSpPr>
-        <p:spPr/>
-      </p:sp>
-      <p:sp>
-        <p:nvSpPr>
-          <p:cNvPr id="3" name="슬라이드 노트 개체 틀 2"/>
-          <p:cNvSpPr>
-            <a:spLocks noGrp="1"/>
-          </p:cNvSpPr>
-          <p:nvPr>
-            <p:ph type="body" idx="1"/>
-          </p:nvPr>
-        </p:nvSpPr>
-        <p:spPr/>
-        <p:txBody>
-          <a:bodyPr/>
-          <a:lstStyle/>
-          <a:p>
-            <a:endParaRPr lang="ko-KR" altLang="en-US"/>
-          </a:p>
-        </p:txBody>
-      </p:sp>
-      <p:sp>
-        <p:nvSpPr>
-          <p:cNvPr id="4" name="슬라이드 번호 개체 틀 3"/>
-          <p:cNvSpPr>
-            <a:spLocks noGrp="1"/>
-          </p:cNvSpPr>
-          <p:nvPr>
-            <p:ph type="sldNum" sz="quarter" idx="10"/>
-          </p:nvPr>
-        </p:nvSpPr>
-        <p:spPr/>
-        <p:txBody>
-          <a:bodyPr/>
-          <a:lstStyle/>
-          <a:p>
-            <a:fld id="{BA5DFA43-8D57-47FB-BC46-057616015C3B}" type="slidenum">
-              <a:rPr lang="ko-KR" altLang="en-US" smtClean="0"/>
-              <a:t>6</a:t>
-            </a:fld>
-            <a:endParaRPr lang="ko-KR" altLang="en-US"/>
-          </a:p>
-        </p:txBody>
-      </p:sp>
-    </p:spTree>
-    <p:extLst>
-      <p:ext uri="{BB962C8B-B14F-4D97-AF65-F5344CB8AC3E}">
-        <p14:creationId xmlns:p14="http://schemas.microsoft.com/office/powerpoint/2010/main" val="1617950839"/>
       </p:ext>
     </p:extLst>
   </p:cSld>
@@ -1005,7 +1030,7 @@
     </p:spTree>
     <p:extLst>
       <p:ext uri="{BB962C8B-B14F-4D97-AF65-F5344CB8AC3E}">
-        <p14:creationId xmlns:p14="http://schemas.microsoft.com/office/powerpoint/2010/main" val="1174720120"/>
+        <p14:creationId xmlns:p14="http://schemas.microsoft.com/office/powerpoint/2010/main" val="1617950839"/>
       </p:ext>
     </p:extLst>
   </p:cSld>
@@ -1081,6 +1106,90 @@
             <a:fld id="{BA5DFA43-8D57-47FB-BC46-057616015C3B}" type="slidenum">
               <a:rPr lang="ko-KR" altLang="en-US" smtClean="0"/>
               <a:t>8</a:t>
+            </a:fld>
+            <a:endParaRPr lang="ko-KR" altLang="en-US"/>
+          </a:p>
+        </p:txBody>
+      </p:sp>
+    </p:spTree>
+    <p:extLst>
+      <p:ext uri="{BB962C8B-B14F-4D97-AF65-F5344CB8AC3E}">
+        <p14:creationId xmlns:p14="http://schemas.microsoft.com/office/powerpoint/2010/main" val="1174720120"/>
+      </p:ext>
+    </p:extLst>
+  </p:cSld>
+  <p:clrMapOvr>
+    <a:masterClrMapping/>
+  </p:clrMapOvr>
+</p:notes>
+</file>
+
+<file path=ppt/notesSlides/notesSlide8.xml><?xml version="1.0" encoding="utf-8"?>
+<p:notes xmlns:a="http://schemas.openxmlformats.org/drawingml/2006/main" xmlns:r="http://schemas.openxmlformats.org/officeDocument/2006/relationships" xmlns:p="http://schemas.openxmlformats.org/presentationml/2006/main">
+  <p:cSld>
+    <p:spTree>
+      <p:nvGrpSpPr>
+        <p:cNvPr id="1" name=""/>
+        <p:cNvGrpSpPr/>
+        <p:nvPr/>
+      </p:nvGrpSpPr>
+      <p:grpSpPr>
+        <a:xfrm>
+          <a:off x="0" y="0"/>
+          <a:ext cx="0" cy="0"/>
+          <a:chOff x="0" y="0"/>
+          <a:chExt cx="0" cy="0"/>
+        </a:xfrm>
+      </p:grpSpPr>
+      <p:sp>
+        <p:nvSpPr>
+          <p:cNvPr id="2" name="슬라이드 이미지 개체 틀 1"/>
+          <p:cNvSpPr>
+            <a:spLocks noGrp="1" noRot="1" noChangeAspect="1"/>
+          </p:cNvSpPr>
+          <p:nvPr>
+            <p:ph type="sldImg"/>
+          </p:nvPr>
+        </p:nvSpPr>
+        <p:spPr/>
+      </p:sp>
+      <p:sp>
+        <p:nvSpPr>
+          <p:cNvPr id="3" name="슬라이드 노트 개체 틀 2"/>
+          <p:cNvSpPr>
+            <a:spLocks noGrp="1"/>
+          </p:cNvSpPr>
+          <p:nvPr>
+            <p:ph type="body" idx="1"/>
+          </p:nvPr>
+        </p:nvSpPr>
+        <p:spPr/>
+        <p:txBody>
+          <a:bodyPr/>
+          <a:lstStyle/>
+          <a:p>
+            <a:endParaRPr lang="ko-KR" altLang="en-US"/>
+          </a:p>
+        </p:txBody>
+      </p:sp>
+      <p:sp>
+        <p:nvSpPr>
+          <p:cNvPr id="4" name="슬라이드 번호 개체 틀 3"/>
+          <p:cNvSpPr>
+            <a:spLocks noGrp="1"/>
+          </p:cNvSpPr>
+          <p:nvPr>
+            <p:ph type="sldNum" sz="quarter" idx="10"/>
+          </p:nvPr>
+        </p:nvSpPr>
+        <p:spPr/>
+        <p:txBody>
+          <a:bodyPr/>
+          <a:lstStyle/>
+          <a:p>
+            <a:fld id="{BA5DFA43-8D57-47FB-BC46-057616015C3B}" type="slidenum">
+              <a:rPr lang="ko-KR" altLang="en-US" smtClean="0"/>
+              <a:t>9</a:t>
             </a:fld>
             <a:endParaRPr lang="ko-KR" altLang="en-US"/>
           </a:p>
@@ -4056,8 +4165,8 @@
         </p:nvSpPr>
         <p:spPr>
           <a:xfrm>
-            <a:off x="2267744" y="259255"/>
-            <a:ext cx="4752528" cy="433441"/>
+            <a:off x="2627784" y="259255"/>
+            <a:ext cx="4032448" cy="433441"/>
           </a:xfrm>
           <a:prstGeom prst="roundRect">
             <a:avLst>
@@ -4085,10 +4194,10 @@
           <a:lstStyle/>
           <a:p>
             <a:r>
-              <a:rPr lang="en-US" altLang="ko-KR" sz="1400"/>
-              <a:t># docker run --gpu all nvidia/cuda:9.0-base nvidia-smi</a:t>
-            </a:r>
-            <a:endParaRPr lang="en-US" altLang="ko-KR" sz="1400" dirty="0"/>
+              <a:rPr lang="en-US" altLang="ko-KR" sz="1100"/>
+              <a:t>$ docker run --gpu all nvidia/cuda:9.0-base nvidia-smi</a:t>
+            </a:r>
+            <a:endParaRPr lang="en-US" altLang="ko-KR" sz="1100" dirty="0"/>
           </a:p>
         </p:txBody>
       </p:sp>
@@ -4135,109 +4244,321 @@
           <a:lstStyle/>
           <a:p>
             <a:r>
-              <a:rPr lang="en-US" altLang="ko-KR" sz="1400"/>
-              <a:t>"hooks": {</a:t>
-            </a:r>
-          </a:p>
-          <a:p>
-            <a:r>
-              <a:rPr lang="en-US" altLang="ko-KR" sz="1400"/>
+              <a:rPr lang="en-US" altLang="ko-KR" sz="1100" kern="0" dirty="0">
+                <a:cs typeface="Al Bayan Plain" pitchFamily="2" charset="-78"/>
+              </a:rPr>
+              <a:t>{</a:t>
+            </a:r>
+          </a:p>
+          <a:p>
+            <a:r>
+              <a:rPr lang="en-US" altLang="ko-KR" sz="1100" kern="0" dirty="0">
+                <a:cs typeface="Al Bayan Plain" pitchFamily="2" charset="-78"/>
+              </a:rPr>
+              <a:t>    "hooks": {</a:t>
+            </a:r>
+          </a:p>
+          <a:p>
+            <a:r>
+              <a:rPr lang="en-US" altLang="ko-KR" sz="1100" kern="0" dirty="0">
+                <a:cs typeface="Al Bayan Plain" pitchFamily="2" charset="-78"/>
+              </a:rPr>
+              <a:t>        "</a:t>
+            </a:r>
+            <a:r>
+              <a:rPr lang="en-US" altLang="ko-KR" sz="1100" kern="0" dirty="0" err="1">
+                <a:cs typeface="Al Bayan Plain" pitchFamily="2" charset="-78"/>
+              </a:rPr>
+              <a:t>Poststart</a:t>
+            </a:r>
+            <a:r>
+              <a:rPr lang="en-US" altLang="ko-KR" sz="1100" kern="0" dirty="0">
+                <a:cs typeface="Al Bayan Plain" pitchFamily="2" charset="-78"/>
+              </a:rPr>
+              <a:t>": [],</a:t>
+            </a:r>
+          </a:p>
+          <a:p>
+            <a:r>
+              <a:rPr lang="en-US" altLang="ko-KR" sz="1100" kern="0" dirty="0">
+                <a:cs typeface="Al Bayan Plain" pitchFamily="2" charset="-78"/>
+              </a:rPr>
+              <a:t>        "</a:t>
+            </a:r>
+            <a:r>
+              <a:rPr lang="en-US" altLang="ko-KR" sz="1100" kern="0" dirty="0" err="1">
+                <a:cs typeface="Al Bayan Plain" pitchFamily="2" charset="-78"/>
+              </a:rPr>
+              <a:t>Poststop</a:t>
+            </a:r>
+            <a:r>
+              <a:rPr lang="en-US" altLang="ko-KR" sz="1100" kern="0" dirty="0">
+                <a:cs typeface="Al Bayan Plain" pitchFamily="2" charset="-78"/>
+              </a:rPr>
+              <a:t>": [],</a:t>
+            </a:r>
+          </a:p>
+          <a:p>
+            <a:r>
+              <a:rPr lang="en-US" altLang="ko-KR" sz="1100" kern="0" dirty="0">
+                <a:cs typeface="Al Bayan Plain" pitchFamily="2" charset="-78"/>
+              </a:rPr>
+              <a:t>        "prestart": [{</a:t>
+            </a:r>
+          </a:p>
+          <a:p>
+            <a:r>
+              <a:rPr lang="en-US" altLang="ko-KR" sz="1100" kern="0" dirty="0">
+                <a:cs typeface="Al Bayan Plain" pitchFamily="2" charset="-78"/>
+              </a:rPr>
+              <a:t>            "</a:t>
+            </a:r>
+            <a:r>
+              <a:rPr lang="en-US" altLang="ko-KR" sz="1100" kern="0" dirty="0" err="1">
+                <a:cs typeface="Al Bayan Plain" pitchFamily="2" charset="-78"/>
+              </a:rPr>
+              <a:t>args</a:t>
+            </a:r>
+            <a:r>
+              <a:rPr lang="en-US" altLang="ko-KR" sz="1100" kern="0" dirty="0">
+                <a:cs typeface="Al Bayan Plain" pitchFamily="2" charset="-78"/>
+              </a:rPr>
+              <a:t>": ["/</a:t>
+            </a:r>
+            <a:r>
+              <a:rPr lang="en-US" altLang="ko-KR" sz="1100" kern="0" dirty="0" err="1">
+                <a:cs typeface="Al Bayan Plain" pitchFamily="2" charset="-78"/>
+              </a:rPr>
+              <a:t>usr</a:t>
+            </a:r>
+            <a:r>
+              <a:rPr lang="en-US" altLang="ko-KR" sz="1100" kern="0" dirty="0">
+                <a:cs typeface="Al Bayan Plain" pitchFamily="2" charset="-78"/>
+              </a:rPr>
+              <a:t>/bin/</a:t>
+            </a:r>
+            <a:r>
+              <a:rPr lang="en-US" altLang="ko-KR" sz="1100" kern="0" dirty="0" err="1">
+                <a:cs typeface="Al Bayan Plain" pitchFamily="2" charset="-78"/>
+              </a:rPr>
+              <a:t>nvidia</a:t>
+            </a:r>
+            <a:r>
+              <a:rPr lang="en-US" altLang="ko-KR" sz="1100" kern="0" dirty="0">
+                <a:cs typeface="Al Bayan Plain" pitchFamily="2" charset="-78"/>
+              </a:rPr>
+              <a:t>-container-runtime-hook", "prestart"],</a:t>
+            </a:r>
+          </a:p>
+          <a:p>
+            <a:r>
+              <a:rPr lang="en-US" altLang="ko-KR" sz="1100" kern="0" dirty="0">
+                <a:cs typeface="Al Bayan Plain" pitchFamily="2" charset="-78"/>
+              </a:rPr>
+              <a:t>            "path": "/</a:t>
+            </a:r>
+            <a:r>
+              <a:rPr lang="en-US" altLang="ko-KR" sz="1100" kern="0" dirty="0" err="1">
+                <a:cs typeface="Al Bayan Plain" pitchFamily="2" charset="-78"/>
+              </a:rPr>
+              <a:t>usr</a:t>
+            </a:r>
+            <a:r>
+              <a:rPr lang="en-US" altLang="ko-KR" sz="1100" kern="0" dirty="0">
+                <a:cs typeface="Al Bayan Plain" pitchFamily="2" charset="-78"/>
+              </a:rPr>
+              <a:t>/bin/</a:t>
+            </a:r>
+            <a:r>
+              <a:rPr lang="en-US" altLang="ko-KR" sz="1100" kern="0" dirty="0" err="1">
+                <a:cs typeface="Al Bayan Plain" pitchFamily="2" charset="-78"/>
+              </a:rPr>
+              <a:t>nvidia</a:t>
+            </a:r>
+            <a:r>
+              <a:rPr lang="en-US" altLang="ko-KR" sz="1100" kern="0" dirty="0">
+                <a:cs typeface="Al Bayan Plain" pitchFamily="2" charset="-78"/>
+              </a:rPr>
+              <a:t>-container-runtime-hook”</a:t>
+            </a:r>
+          </a:p>
+          <a:p>
+            <a:r>
+              <a:rPr lang="en-US" altLang="ko-KR" sz="1100" kern="0" dirty="0">
+                <a:cs typeface="Al Bayan Plain" pitchFamily="2" charset="-78"/>
+              </a:rPr>
+              <a:t>        }]</a:t>
+            </a:r>
+          </a:p>
+          <a:p>
+            <a:r>
+              <a:rPr lang="en-US" altLang="ko-KR" sz="1100" kern="0" dirty="0">
+                <a:cs typeface="Al Bayan Plain" pitchFamily="2" charset="-78"/>
+              </a:rPr>
+              <a:t>    },</a:t>
+            </a:r>
+          </a:p>
+          <a:p>
+            <a:r>
+              <a:rPr lang="en-US" altLang="ko-KR" sz="1100" kern="0" dirty="0">
+                <a:cs typeface="Al Bayan Plain" pitchFamily="2" charset="-78"/>
+              </a:rPr>
+              <a:t>...</a:t>
+            </a:r>
+          </a:p>
+          <a:p>
+            <a:r>
+              <a:rPr lang="en-US" altLang="ko-KR" sz="1100" kern="0" dirty="0">
+                <a:cs typeface="Al Bayan Plain" pitchFamily="2" charset="-78"/>
+              </a:rPr>
               <a:t>    "process": {</a:t>
             </a:r>
           </a:p>
           <a:p>
             <a:r>
-              <a:rPr lang="en-US" altLang="ko-KR" sz="1400"/>
-              <a:t>          "env": [“CUDA_VERSION=9.0.176”,</a:t>
+              <a:rPr lang="en-US" altLang="ko-KR" sz="1100" kern="0" dirty="0">
+                <a:cs typeface="Al Bayan Plain" pitchFamily="2" charset="-78"/>
+              </a:rPr>
+              <a:t>        “env”: [</a:t>
+            </a:r>
+          </a:p>
+          <a:p>
+            <a:r>
+              <a:rPr lang="en-US" altLang="ko-KR" sz="1100" kern="0" dirty="0">
+                <a:cs typeface="Al Bayan Plain" pitchFamily="2" charset="-78"/>
+              </a:rPr>
+              <a:t>            "NVIDIA_VISIBLE_DEVICES=GPU-5a270e58-abc7-d55b-a94f-54d410c1dfe2,GPU-9de66fe4-2a8b-4a2b-36bc-d61c165db7d8",</a:t>
+            </a:r>
+          </a:p>
+          <a:p>
+            <a:r>
+              <a:rPr lang="en-US" altLang="ko-KR" sz="1100" kern="0" dirty="0">
+                <a:cs typeface="Al Bayan Plain" pitchFamily="2" charset="-78"/>
+              </a:rPr>
+              <a:t>            “NVIDIA_DRIVER_CAPABILITIES=</a:t>
+            </a:r>
+            <a:r>
+              <a:rPr lang="en-US" altLang="ko-KR" sz="1100" kern="0" dirty="0" err="1">
+                <a:cs typeface="Al Bayan Plain" pitchFamily="2" charset="-78"/>
+              </a:rPr>
+              <a:t>compute,utility</a:t>
+            </a:r>
+            <a:r>
+              <a:rPr lang="en-US" altLang="ko-KR" sz="1100" kern="0" dirty="0">
+                <a:cs typeface="Al Bayan Plain" pitchFamily="2" charset="-78"/>
+              </a:rPr>
+              <a:t>”,</a:t>
+            </a:r>
+          </a:p>
+          <a:p>
+            <a:r>
+              <a:rPr lang="en-US" altLang="ko-KR" sz="1100" kern="0" dirty="0">
+                <a:cs typeface="Al Bayan Plain" pitchFamily="2" charset="-78"/>
+              </a:rPr>
+              <a:t>            "NV_CUDA_CUDART_VERSION=11.8.89-1",</a:t>
+            </a:r>
+          </a:p>
+          <a:p>
+            <a:r>
+              <a:rPr lang="en-US" altLang="ko-KR" sz="1100" kern="0" dirty="0">
+                <a:cs typeface="Al Bayan Plain" pitchFamily="2" charset="-78"/>
+              </a:rPr>
+              <a:t>            "CUDA_VERSION=11.8.0”,</a:t>
+            </a:r>
+          </a:p>
+          <a:p>
+            <a:r>
+              <a:rPr lang="en-US" altLang="ko-KR" sz="1100" kern="0" dirty="0">
+                <a:cs typeface="Al Bayan Plain" pitchFamily="2" charset="-78"/>
+              </a:rPr>
+              <a:t>            "LD_LIBRARY_PATH=/</a:t>
+            </a:r>
+            <a:r>
+              <a:rPr lang="en-US" altLang="ko-KR" sz="1100" kern="0" dirty="0" err="1">
+                <a:cs typeface="Al Bayan Plain" pitchFamily="2" charset="-78"/>
+              </a:rPr>
+              <a:t>usr</a:t>
+            </a:r>
+            <a:r>
+              <a:rPr lang="en-US" altLang="ko-KR" sz="1100" kern="0" dirty="0">
+                <a:cs typeface="Al Bayan Plain" pitchFamily="2" charset="-78"/>
+              </a:rPr>
+              <a:t>/local/</a:t>
+            </a:r>
+            <a:r>
+              <a:rPr lang="en-US" altLang="ko-KR" sz="1100" kern="0" dirty="0" err="1">
+                <a:cs typeface="Al Bayan Plain" pitchFamily="2" charset="-78"/>
+              </a:rPr>
+              <a:t>nvidia</a:t>
+            </a:r>
+            <a:r>
+              <a:rPr lang="en-US" altLang="ko-KR" sz="1100" kern="0" dirty="0">
+                <a:cs typeface="Al Bayan Plain" pitchFamily="2" charset="-78"/>
+              </a:rPr>
+              <a:t>/lib:/</a:t>
+            </a:r>
+            <a:r>
+              <a:rPr lang="en-US" altLang="ko-KR" sz="1100" kern="0" dirty="0" err="1">
+                <a:cs typeface="Al Bayan Plain" pitchFamily="2" charset="-78"/>
+              </a:rPr>
+              <a:t>usr</a:t>
+            </a:r>
+            <a:r>
+              <a:rPr lang="en-US" altLang="ko-KR" sz="1100" kern="0" dirty="0">
+                <a:cs typeface="Al Bayan Plain" pitchFamily="2" charset="-78"/>
+              </a:rPr>
+              <a:t>/local/</a:t>
+            </a:r>
+            <a:r>
+              <a:rPr lang="en-US" altLang="ko-KR" sz="1100" kern="0" dirty="0" err="1">
+                <a:cs typeface="Al Bayan Plain" pitchFamily="2" charset="-78"/>
+              </a:rPr>
+              <a:t>nvidia</a:t>
+            </a:r>
+            <a:r>
+              <a:rPr lang="en-US" altLang="ko-KR" sz="1100" kern="0" dirty="0">
+                <a:cs typeface="Al Bayan Plain" pitchFamily="2" charset="-78"/>
+              </a:rPr>
+              <a:t>/lib64"</a:t>
+            </a:r>
+          </a:p>
+          <a:p>
+            <a:r>
+              <a:rPr lang="en-US" altLang="ko-KR" sz="1100" kern="0" dirty="0">
+                <a:cs typeface="Al Bayan Plain" pitchFamily="2" charset="-78"/>
+              </a:rPr>
+              <a:t>            ...</a:t>
             </a:r>
             <a:br>
-              <a:rPr lang="en-US" altLang="ko-KR" sz="1400"/>
+              <a:rPr lang="en-US" altLang="ko-KR" sz="1100" kern="0" dirty="0">
+                <a:cs typeface="Al Bayan Plain" pitchFamily="2" charset="-78"/>
+              </a:rPr>
             </a:br>
             <a:r>
-              <a:rPr lang="en-US" altLang="ko-KR" sz="1400"/>
-              <a:t>                   “CUDA_PKG_VERSION=9-0=9.0.176-1”,</a:t>
-            </a:r>
-          </a:p>
-          <a:p>
-            <a:r>
-              <a:rPr lang="en-US" altLang="ko-KR" sz="1400"/>
-              <a:t>                   “NVIDIA_VISIBLE_DEVICES=all“,</a:t>
-            </a:r>
-            <a:br>
-              <a:rPr lang="en-US" altLang="ko-KR" sz="1400"/>
-            </a:br>
-            <a:r>
-              <a:rPr lang="en-US" altLang="ko-KR" sz="1400"/>
-              <a:t>                   “NVIDIA_DRIVER_CAPABILITIES=“compute,utility”,</a:t>
-            </a:r>
-          </a:p>
-          <a:p>
-            <a:r>
-              <a:rPr lang="en-US" altLang="ko-KR" sz="1400"/>
-              <a:t>                   "NVIDIA_REQUIRE_CUDA=cuda&gt;=9.0“,</a:t>
-            </a:r>
-            <a:br>
-              <a:rPr lang="en-US" altLang="ko-KR" sz="1400"/>
-            </a:br>
-            <a:r>
-              <a:rPr lang="en-US" altLang="ko-KR" sz="1400"/>
-              <a:t>                   "LD_LIBRARY_PATH=/usr/local/nvidia/lib:/usr/local/nvidia/lib64“</a:t>
-            </a:r>
-          </a:p>
-          <a:p>
-            <a:r>
-              <a:rPr lang="en-US" altLang="ko-KR" sz="1400"/>
-              <a:t>             ]</a:t>
-            </a:r>
-          </a:p>
-          <a:p>
-            <a:r>
-              <a:rPr lang="en-US" altLang="ko-KR" sz="1400"/>
-              <a:t>     }</a:t>
-            </a:r>
-          </a:p>
-          <a:p>
-            <a:r>
-              <a:rPr lang="en-US" altLang="ko-KR" sz="1400"/>
-              <a:t>    "prestart": [</a:t>
-            </a:r>
-          </a:p>
-          <a:p>
-            <a:r>
-              <a:rPr lang="en-US" altLang="ko-KR" sz="1400"/>
-              <a:t>         {</a:t>
-            </a:r>
-          </a:p>
-          <a:p>
-            <a:r>
-              <a:rPr lang="en-US" altLang="ko-KR" sz="1400"/>
-              <a:t>             "path": “/usr/bin/nvidia-container-runtime-hook”,</a:t>
-            </a:r>
-          </a:p>
-          <a:p>
-            <a:r>
-              <a:rPr lang="en-US" altLang="ko-KR" sz="1400"/>
-              <a:t>             "args": ["nvidia-container-runtime-hook ", “prestart"]</a:t>
-            </a:r>
-          </a:p>
-          <a:p>
-            <a:r>
-              <a:rPr lang="en-US" altLang="ko-KR" sz="1400"/>
-              <a:t>         },</a:t>
-            </a:r>
-          </a:p>
-          <a:p>
-            <a:r>
-              <a:rPr lang="en-US" altLang="ko-KR" sz="1400"/>
-              <a:t>    ],</a:t>
-            </a:r>
-          </a:p>
-          <a:p>
-            <a:r>
-              <a:rPr lang="en-US" altLang="ko-KR" sz="1400"/>
-              <a:t>}</a:t>
-            </a:r>
-            <a:endParaRPr lang="en-US" altLang="ko-KR" sz="1400" dirty="0"/>
+              <a:rPr lang="en-US" altLang="ko-KR" sz="1100" kern="0" dirty="0">
+                <a:cs typeface="Al Bayan Plain" pitchFamily="2" charset="-78"/>
+              </a:rPr>
+              <a:t>        ]</a:t>
+            </a:r>
+          </a:p>
+          <a:p>
+            <a:r>
+              <a:rPr lang="en-US" altLang="ko-KR" sz="1100" kern="0" dirty="0">
+                <a:cs typeface="Al Bayan Plain" pitchFamily="2" charset="-78"/>
+              </a:rPr>
+              <a:t>    }</a:t>
+            </a:r>
+          </a:p>
+          <a:p>
+            <a:r>
+              <a:rPr lang="en-US" altLang="ko-KR" sz="1100" kern="0" dirty="0">
+                <a:cs typeface="Al Bayan Plain" pitchFamily="2" charset="-78"/>
+              </a:rPr>
+              <a:t>...</a:t>
+            </a:r>
+            <a:endParaRPr lang="en-US" altLang="ko-KR" sz="1600" kern="0" dirty="0">
+              <a:cs typeface="Al Bayan Plain" pitchFamily="2" charset="-78"/>
+            </a:endParaRPr>
           </a:p>
         </p:txBody>
       </p:sp>
@@ -4335,10 +4656,10 @@
           <a:p>
             <a:pPr algn="ctr"/>
             <a:r>
-              <a:rPr lang="en-US" altLang="ko-KR" sz="1400"/>
+              <a:rPr lang="en-US" altLang="ko-KR" sz="1200"/>
               <a:t>OCI Runtime Spec</a:t>
             </a:r>
-            <a:endParaRPr lang="en-US" altLang="ko-KR" sz="1400" dirty="0"/>
+            <a:endParaRPr lang="en-US" altLang="ko-KR" sz="1200" dirty="0"/>
           </a:p>
         </p:txBody>
       </p:sp>
@@ -4966,7 +5287,7 @@
             <a:pPr algn="ctr"/>
             <a:r>
               <a:rPr lang="en-US" altLang="ko-KR" sz="1000" b="1" i="1"/>
-              <a:t>GPU, CUDA arguments</a:t>
+              <a:t>GPU, CUDA parameters</a:t>
             </a:r>
           </a:p>
         </p:txBody>
@@ -7392,6 +7713,378 @@
         <p:cNvPr id="1" name="">
           <a:extLst>
             <a:ext uri="{FF2B5EF4-FFF2-40B4-BE49-F238E27FC236}">
+              <a16:creationId xmlns:a16="http://schemas.microsoft.com/office/drawing/2014/main" id="{A103B0BA-68D1-BD3C-3458-09E9ACE5CC40}"/>
+            </a:ext>
+          </a:extLst>
+        </p:cNvPr>
+        <p:cNvGrpSpPr/>
+        <p:nvPr/>
+      </p:nvGrpSpPr>
+      <p:grpSpPr>
+        <a:xfrm>
+          <a:off x="0" y="0"/>
+          <a:ext cx="0" cy="0"/>
+          <a:chOff x="0" y="0"/>
+          <a:chExt cx="0" cy="0"/>
+        </a:xfrm>
+      </p:grpSpPr>
+      <p:sp>
+        <p:nvSpPr>
+          <p:cNvPr id="2" name="제목 1">
+            <a:extLst>
+              <a:ext uri="{FF2B5EF4-FFF2-40B4-BE49-F238E27FC236}">
+                <a16:creationId xmlns:a16="http://schemas.microsoft.com/office/drawing/2014/main" id="{97C74CC4-DE60-A510-3813-8C0BD405B8B4}"/>
+              </a:ext>
+            </a:extLst>
+          </p:cNvPr>
+          <p:cNvSpPr>
+            <a:spLocks noGrp="1"/>
+          </p:cNvSpPr>
+          <p:nvPr>
+            <p:ph type="title"/>
+          </p:nvPr>
+        </p:nvSpPr>
+        <p:spPr>
+          <a:xfrm>
+            <a:off x="0" y="-726229"/>
+            <a:ext cx="9144000" cy="857250"/>
+          </a:xfrm>
+        </p:spPr>
+        <p:txBody>
+          <a:bodyPr>
+            <a:normAutofit fontScale="90000"/>
+          </a:bodyPr>
+          <a:lstStyle/>
+          <a:p>
+            <a:r>
+              <a:rPr lang="en-US" altLang="ko-KR"/>
+              <a:t>CUDA Container OCI Runtime Spec</a:t>
+            </a:r>
+            <a:endParaRPr lang="ko-KR" altLang="en-US" dirty="0"/>
+          </a:p>
+        </p:txBody>
+      </p:sp>
+      <p:sp>
+        <p:nvSpPr>
+          <p:cNvPr id="7" name="사각형: 둥근 모서리 114">
+            <a:extLst>
+              <a:ext uri="{FF2B5EF4-FFF2-40B4-BE49-F238E27FC236}">
+                <a16:creationId xmlns:a16="http://schemas.microsoft.com/office/drawing/2014/main" id="{D022E7F7-C9AC-F290-1424-37425B5839ED}"/>
+              </a:ext>
+            </a:extLst>
+          </p:cNvPr>
+          <p:cNvSpPr/>
+          <p:nvPr/>
+        </p:nvSpPr>
+        <p:spPr>
+          <a:xfrm>
+            <a:off x="2267744" y="259255"/>
+            <a:ext cx="4752528" cy="433441"/>
+          </a:xfrm>
+          <a:prstGeom prst="roundRect">
+            <a:avLst>
+              <a:gd name="adj" fmla="val 0"/>
+            </a:avLst>
+          </a:prstGeom>
+          <a:ln w="12700"/>
+        </p:spPr>
+        <p:style>
+          <a:lnRef idx="2">
+            <a:schemeClr val="dk1"/>
+          </a:lnRef>
+          <a:fillRef idx="1">
+            <a:schemeClr val="lt1"/>
+          </a:fillRef>
+          <a:effectRef idx="0">
+            <a:schemeClr val="dk1"/>
+          </a:effectRef>
+          <a:fontRef idx="minor">
+            <a:schemeClr val="dk1"/>
+          </a:fontRef>
+        </p:style>
+        <p:txBody>
+          <a:bodyPr rtlCol="0" anchor="ctr"/>
+          <a:lstStyle/>
+          <a:p>
+            <a:r>
+              <a:rPr lang="en-US" altLang="ko-KR" sz="1400"/>
+              <a:t># docker run --gpu all nvidia/cuda:9.0-base nvidia-smi</a:t>
+            </a:r>
+            <a:endParaRPr lang="en-US" altLang="ko-KR" sz="1400" dirty="0"/>
+          </a:p>
+        </p:txBody>
+      </p:sp>
+      <p:sp>
+        <p:nvSpPr>
+          <p:cNvPr id="11" name="사각형: 둥근 모서리 114">
+            <a:extLst>
+              <a:ext uri="{FF2B5EF4-FFF2-40B4-BE49-F238E27FC236}">
+                <a16:creationId xmlns:a16="http://schemas.microsoft.com/office/drawing/2014/main" id="{A632F3FB-7B22-D451-5B4D-B7281CE5B4AA}"/>
+              </a:ext>
+            </a:extLst>
+          </p:cNvPr>
+          <p:cNvSpPr/>
+          <p:nvPr/>
+        </p:nvSpPr>
+        <p:spPr>
+          <a:xfrm>
+            <a:off x="899592" y="915566"/>
+            <a:ext cx="7488831" cy="3737569"/>
+          </a:xfrm>
+          <a:prstGeom prst="roundRect">
+            <a:avLst>
+              <a:gd name="adj" fmla="val 0"/>
+            </a:avLst>
+          </a:prstGeom>
+          <a:ln w="12700"/>
+        </p:spPr>
+        <p:style>
+          <a:lnRef idx="2">
+            <a:schemeClr val="dk1"/>
+          </a:lnRef>
+          <a:fillRef idx="1">
+            <a:schemeClr val="lt1"/>
+          </a:fillRef>
+          <a:effectRef idx="0">
+            <a:schemeClr val="dk1"/>
+          </a:effectRef>
+          <a:fontRef idx="minor">
+            <a:schemeClr val="dk1"/>
+          </a:fontRef>
+        </p:style>
+        <p:txBody>
+          <a:bodyPr rtlCol="0" anchor="ctr"/>
+          <a:lstStyle/>
+          <a:p>
+            <a:r>
+              <a:rPr lang="en-US" altLang="ko-KR" sz="1400"/>
+              <a:t>"hooks": {</a:t>
+            </a:r>
+          </a:p>
+          <a:p>
+            <a:r>
+              <a:rPr lang="en-US" altLang="ko-KR" sz="1400"/>
+              <a:t>    "process": {</a:t>
+            </a:r>
+          </a:p>
+          <a:p>
+            <a:r>
+              <a:rPr lang="en-US" altLang="ko-KR" sz="1400"/>
+              <a:t>          "env": [“CUDA_VERSION=9.0.176”,</a:t>
+            </a:r>
+            <a:br>
+              <a:rPr lang="en-US" altLang="ko-KR" sz="1400"/>
+            </a:br>
+            <a:r>
+              <a:rPr lang="en-US" altLang="ko-KR" sz="1400"/>
+              <a:t>                   “CUDA_PKG_VERSION=9-0=9.0.176-1”,</a:t>
+            </a:r>
+          </a:p>
+          <a:p>
+            <a:r>
+              <a:rPr lang="en-US" altLang="ko-KR" sz="1400"/>
+              <a:t>                   “NVIDIA_VISIBLE_DEVICES=all“,</a:t>
+            </a:r>
+            <a:br>
+              <a:rPr lang="en-US" altLang="ko-KR" sz="1400"/>
+            </a:br>
+            <a:r>
+              <a:rPr lang="en-US" altLang="ko-KR" sz="1400"/>
+              <a:t>                   “NVIDIA_DRIVER_CAPABILITIES=“compute,utility”,</a:t>
+            </a:r>
+          </a:p>
+          <a:p>
+            <a:r>
+              <a:rPr lang="en-US" altLang="ko-KR" sz="1400"/>
+              <a:t>                   "NVIDIA_REQUIRE_CUDA=cuda&gt;=9.0“,</a:t>
+            </a:r>
+            <a:br>
+              <a:rPr lang="en-US" altLang="ko-KR" sz="1400"/>
+            </a:br>
+            <a:r>
+              <a:rPr lang="en-US" altLang="ko-KR" sz="1400"/>
+              <a:t>                   "LD_LIBRARY_PATH=/usr/local/nvidia/lib:/usr/local/nvidia/lib64“</a:t>
+            </a:r>
+          </a:p>
+          <a:p>
+            <a:r>
+              <a:rPr lang="en-US" altLang="ko-KR" sz="1400"/>
+              <a:t>             ]</a:t>
+            </a:r>
+          </a:p>
+          <a:p>
+            <a:r>
+              <a:rPr lang="en-US" altLang="ko-KR" sz="1400"/>
+              <a:t>     }</a:t>
+            </a:r>
+          </a:p>
+          <a:p>
+            <a:r>
+              <a:rPr lang="en-US" altLang="ko-KR" sz="1400"/>
+              <a:t>    "prestart": [</a:t>
+            </a:r>
+          </a:p>
+          <a:p>
+            <a:r>
+              <a:rPr lang="en-US" altLang="ko-KR" sz="1400"/>
+              <a:t>         {</a:t>
+            </a:r>
+          </a:p>
+          <a:p>
+            <a:r>
+              <a:rPr lang="en-US" altLang="ko-KR" sz="1400"/>
+              <a:t>             "path": “/usr/bin/nvidia-container-runtime-hook”,</a:t>
+            </a:r>
+          </a:p>
+          <a:p>
+            <a:r>
+              <a:rPr lang="en-US" altLang="ko-KR" sz="1400"/>
+              <a:t>             "args": ["nvidia-container-runtime-hook ", “prestart"]</a:t>
+            </a:r>
+          </a:p>
+          <a:p>
+            <a:r>
+              <a:rPr lang="en-US" altLang="ko-KR" sz="1400"/>
+              <a:t>         },</a:t>
+            </a:r>
+          </a:p>
+          <a:p>
+            <a:r>
+              <a:rPr lang="en-US" altLang="ko-KR" sz="1400"/>
+              <a:t>    ],</a:t>
+            </a:r>
+          </a:p>
+          <a:p>
+            <a:r>
+              <a:rPr lang="en-US" altLang="ko-KR" sz="1400"/>
+              <a:t>}</a:t>
+            </a:r>
+            <a:endParaRPr lang="en-US" altLang="ko-KR" sz="1400" dirty="0"/>
+          </a:p>
+        </p:txBody>
+      </p:sp>
+      <p:cxnSp>
+        <p:nvCxnSpPr>
+          <p:cNvPr id="9" name="직선 화살표 연결선 8">
+            <a:extLst>
+              <a:ext uri="{FF2B5EF4-FFF2-40B4-BE49-F238E27FC236}">
+                <a16:creationId xmlns:a16="http://schemas.microsoft.com/office/drawing/2014/main" id="{765C919B-0EDF-3301-DFC5-8C1EF831E09C}"/>
+              </a:ext>
+            </a:extLst>
+          </p:cNvPr>
+          <p:cNvCxnSpPr>
+            <a:cxnSpLocks/>
+            <a:stCxn id="7" idx="2"/>
+            <a:endCxn id="11" idx="0"/>
+          </p:cNvCxnSpPr>
+          <p:nvPr/>
+        </p:nvCxnSpPr>
+        <p:spPr>
+          <a:xfrm>
+            <a:off x="4644008" y="692696"/>
+            <a:ext cx="0" cy="222870"/>
+          </a:xfrm>
+          <a:prstGeom prst="straightConnector1">
+            <a:avLst/>
+          </a:prstGeom>
+          <a:ln w="12700">
+            <a:solidFill>
+              <a:schemeClr val="tx1"/>
+            </a:solidFill>
+            <a:headEnd type="none" w="med" len="med"/>
+            <a:tailEnd type="triangle" w="med" len="med"/>
+          </a:ln>
+        </p:spPr>
+        <p:style>
+          <a:lnRef idx="1">
+            <a:schemeClr val="accent1"/>
+          </a:lnRef>
+          <a:fillRef idx="0">
+            <a:schemeClr val="accent1"/>
+          </a:fillRef>
+          <a:effectRef idx="0">
+            <a:schemeClr val="accent1"/>
+          </a:effectRef>
+          <a:fontRef idx="minor">
+            <a:schemeClr val="tx1"/>
+          </a:fontRef>
+        </p:style>
+      </p:cxnSp>
+      <p:sp>
+        <p:nvSpPr>
+          <p:cNvPr id="22" name="사각형: 둥근 모서리 114">
+            <a:extLst>
+              <a:ext uri="{FF2B5EF4-FFF2-40B4-BE49-F238E27FC236}">
+                <a16:creationId xmlns:a16="http://schemas.microsoft.com/office/drawing/2014/main" id="{D7853DE0-49D2-11AD-A222-5CDD76CD3A39}"/>
+              </a:ext>
+            </a:extLst>
+          </p:cNvPr>
+          <p:cNvSpPr/>
+          <p:nvPr/>
+        </p:nvSpPr>
+        <p:spPr>
+          <a:xfrm>
+            <a:off x="3278436" y="4587974"/>
+            <a:ext cx="2731142" cy="433441"/>
+          </a:xfrm>
+          <a:prstGeom prst="roundRect">
+            <a:avLst>
+              <a:gd name="adj" fmla="val 10304"/>
+            </a:avLst>
+          </a:prstGeom>
+          <a:noFill/>
+          <a:ln>
+            <a:noFill/>
+          </a:ln>
+        </p:spPr>
+        <p:style>
+          <a:lnRef idx="2">
+            <a:schemeClr val="dk1"/>
+          </a:lnRef>
+          <a:fillRef idx="1">
+            <a:schemeClr val="lt1"/>
+          </a:fillRef>
+          <a:effectRef idx="0">
+            <a:schemeClr val="dk1"/>
+          </a:effectRef>
+          <a:fontRef idx="minor">
+            <a:schemeClr val="dk1"/>
+          </a:fontRef>
+        </p:style>
+        <p:txBody>
+          <a:bodyPr rtlCol="0" anchor="ctr"/>
+          <a:lstStyle/>
+          <a:p>
+            <a:pPr algn="ctr"/>
+            <a:r>
+              <a:rPr lang="en-US" altLang="ko-KR" sz="1400"/>
+              <a:t>OCI Runtime Spec</a:t>
+            </a:r>
+            <a:endParaRPr lang="en-US" altLang="ko-KR" sz="1400" dirty="0"/>
+          </a:p>
+        </p:txBody>
+      </p:sp>
+    </p:spTree>
+    <p:extLst>
+      <p:ext uri="{BB962C8B-B14F-4D97-AF65-F5344CB8AC3E}">
+        <p14:creationId xmlns:p14="http://schemas.microsoft.com/office/powerpoint/2010/main" val="3377665677"/>
+      </p:ext>
+    </p:extLst>
+  </p:cSld>
+  <p:clrMapOvr>
+    <a:masterClrMapping/>
+  </p:clrMapOvr>
+</p:sld>
+</file>
+
+<file path=ppt/slides/slide6.xml><?xml version="1.0" encoding="utf-8"?>
+<p:sld xmlns:a="http://schemas.openxmlformats.org/drawingml/2006/main" xmlns:r="http://schemas.openxmlformats.org/officeDocument/2006/relationships" xmlns:p="http://schemas.openxmlformats.org/presentationml/2006/main">
+  <p:cSld>
+    <p:spTree>
+      <p:nvGrpSpPr>
+        <p:cNvPr id="1" name="">
+          <a:extLst>
+            <a:ext uri="{FF2B5EF4-FFF2-40B4-BE49-F238E27FC236}">
               <a16:creationId xmlns:a16="http://schemas.microsoft.com/office/drawing/2014/main" id="{BED122ED-3835-3DC0-4352-5EC9D3A5DBE0}"/>
             </a:ext>
           </a:extLst>
@@ -8687,358 +9380,6 @@
     <p:extLst>
       <p:ext uri="{BB962C8B-B14F-4D97-AF65-F5344CB8AC3E}">
         <p14:creationId xmlns:p14="http://schemas.microsoft.com/office/powerpoint/2010/main" val="1318549003"/>
-      </p:ext>
-    </p:extLst>
-  </p:cSld>
-  <p:clrMapOvr>
-    <a:masterClrMapping/>
-  </p:clrMapOvr>
-</p:sld>
-</file>
-
-<file path=ppt/slides/slide6.xml><?xml version="1.0" encoding="utf-8"?>
-<p:sld xmlns:a="http://schemas.openxmlformats.org/drawingml/2006/main" xmlns:r="http://schemas.openxmlformats.org/officeDocument/2006/relationships" xmlns:p="http://schemas.openxmlformats.org/presentationml/2006/main">
-  <p:cSld>
-    <p:spTree>
-      <p:nvGrpSpPr>
-        <p:cNvPr id="1" name=""/>
-        <p:cNvGrpSpPr/>
-        <p:nvPr/>
-      </p:nvGrpSpPr>
-      <p:grpSpPr>
-        <a:xfrm>
-          <a:off x="0" y="0"/>
-          <a:ext cx="0" cy="0"/>
-          <a:chOff x="0" y="0"/>
-          <a:chExt cx="0" cy="0"/>
-        </a:xfrm>
-      </p:grpSpPr>
-      <p:sp>
-        <p:nvSpPr>
-          <p:cNvPr id="2" name="제목 1">
-            <a:extLst>
-              <a:ext uri="{FF2B5EF4-FFF2-40B4-BE49-F238E27FC236}">
-                <a16:creationId xmlns:a16="http://schemas.microsoft.com/office/drawing/2014/main" id="{8738443D-5E72-49E2-86AC-581D61C41C39}"/>
-              </a:ext>
-            </a:extLst>
-          </p:cNvPr>
-          <p:cNvSpPr>
-            <a:spLocks noGrp="1"/>
-          </p:cNvSpPr>
-          <p:nvPr>
-            <p:ph type="title"/>
-          </p:nvPr>
-        </p:nvSpPr>
-        <p:spPr>
-          <a:xfrm>
-            <a:off x="0" y="-92546"/>
-            <a:ext cx="9144000" cy="857250"/>
-          </a:xfrm>
-        </p:spPr>
-        <p:txBody>
-          <a:bodyPr>
-            <a:normAutofit fontScale="90000"/>
-          </a:bodyPr>
-          <a:lstStyle/>
-          <a:p>
-            <a:r>
-              <a:rPr lang="en-US" altLang="ko-KR"/>
-              <a:t>CUDA Container OCI Runtime Spec</a:t>
-            </a:r>
-            <a:endParaRPr lang="ko-KR" altLang="en-US" dirty="0"/>
-          </a:p>
-        </p:txBody>
-      </p:sp>
-      <p:sp>
-        <p:nvSpPr>
-          <p:cNvPr id="7" name="사각형: 둥근 모서리 114">
-            <a:extLst>
-              <a:ext uri="{FF2B5EF4-FFF2-40B4-BE49-F238E27FC236}">
-                <a16:creationId xmlns:a16="http://schemas.microsoft.com/office/drawing/2014/main" id="{E074CAD6-7716-4458-B0D4-1C0318E58F6D}"/>
-              </a:ext>
-            </a:extLst>
-          </p:cNvPr>
-          <p:cNvSpPr/>
-          <p:nvPr/>
-        </p:nvSpPr>
-        <p:spPr>
-          <a:xfrm>
-            <a:off x="2267744" y="698149"/>
-            <a:ext cx="4752528" cy="433441"/>
-          </a:xfrm>
-          <a:prstGeom prst="roundRect">
-            <a:avLst>
-              <a:gd name="adj" fmla="val 0"/>
-            </a:avLst>
-          </a:prstGeom>
-        </p:spPr>
-        <p:style>
-          <a:lnRef idx="2">
-            <a:schemeClr val="dk1"/>
-          </a:lnRef>
-          <a:fillRef idx="1">
-            <a:schemeClr val="lt1"/>
-          </a:fillRef>
-          <a:effectRef idx="0">
-            <a:schemeClr val="dk1"/>
-          </a:effectRef>
-          <a:fontRef idx="minor">
-            <a:schemeClr val="dk1"/>
-          </a:fontRef>
-        </p:style>
-        <p:txBody>
-          <a:bodyPr rtlCol="0" anchor="ctr"/>
-          <a:lstStyle/>
-          <a:p>
-            <a:r>
-              <a:rPr lang="en-US" altLang="ko-KR" sz="1400"/>
-              <a:t># docker run --gpu all nvidia/cuda:9.0-base nvidia-smi</a:t>
-            </a:r>
-            <a:endParaRPr lang="en-US" altLang="ko-KR" sz="1400" dirty="0"/>
-          </a:p>
-        </p:txBody>
-      </p:sp>
-      <p:sp>
-        <p:nvSpPr>
-          <p:cNvPr id="11" name="사각형: 둥근 모서리 114">
-            <a:extLst>
-              <a:ext uri="{FF2B5EF4-FFF2-40B4-BE49-F238E27FC236}">
-                <a16:creationId xmlns:a16="http://schemas.microsoft.com/office/drawing/2014/main" id="{E07F06D4-AF1E-486E-8493-362B4DEDC5E3}"/>
-              </a:ext>
-            </a:extLst>
-          </p:cNvPr>
-          <p:cNvSpPr/>
-          <p:nvPr/>
-        </p:nvSpPr>
-        <p:spPr>
-          <a:xfrm>
-            <a:off x="899592" y="1354461"/>
-            <a:ext cx="7488831" cy="3367380"/>
-          </a:xfrm>
-          <a:prstGeom prst="roundRect">
-            <a:avLst>
-              <a:gd name="adj" fmla="val 0"/>
-            </a:avLst>
-          </a:prstGeom>
-        </p:spPr>
-        <p:style>
-          <a:lnRef idx="2">
-            <a:schemeClr val="dk1"/>
-          </a:lnRef>
-          <a:fillRef idx="1">
-            <a:schemeClr val="lt1"/>
-          </a:fillRef>
-          <a:effectRef idx="0">
-            <a:schemeClr val="dk1"/>
-          </a:effectRef>
-          <a:fontRef idx="minor">
-            <a:schemeClr val="dk1"/>
-          </a:fontRef>
-        </p:style>
-        <p:txBody>
-          <a:bodyPr rtlCol="0" anchor="ctr"/>
-          <a:lstStyle/>
-          <a:p>
-            <a:r>
-              <a:rPr lang="en-US" altLang="ko-KR" sz="1400"/>
-              <a:t>"hooks": {</a:t>
-            </a:r>
-          </a:p>
-          <a:p>
-            <a:r>
-              <a:rPr lang="en-US" altLang="ko-KR" sz="1400"/>
-              <a:t>    "prestart": [</a:t>
-            </a:r>
-          </a:p>
-          <a:p>
-            <a:r>
-              <a:rPr lang="en-US" altLang="ko-KR" sz="1400"/>
-              <a:t>         {</a:t>
-            </a:r>
-          </a:p>
-          <a:p>
-            <a:r>
-              <a:rPr lang="en-US" altLang="ko-KR" sz="1400"/>
-              <a:t>             "path": “/usr/bin/nvidia-container-runtime-hook”,</a:t>
-            </a:r>
-          </a:p>
-          <a:p>
-            <a:r>
-              <a:rPr lang="en-US" altLang="ko-KR" sz="1400"/>
-              <a:t>             "args": ["nvidia-container-runtime-hook ", “prestart"],</a:t>
-            </a:r>
-          </a:p>
-          <a:p>
-            <a:r>
-              <a:rPr lang="en-US" altLang="ko-KR" sz="1400"/>
-              <a:t>             "env": [“CUDA_VERSION=9.0.176”,</a:t>
-            </a:r>
-            <a:br>
-              <a:rPr lang="en-US" altLang="ko-KR" sz="1400"/>
-            </a:br>
-            <a:r>
-              <a:rPr lang="en-US" altLang="ko-KR" sz="1400"/>
-              <a:t>                       “CUDA_PKG_VERSION=9-0=9.0.176-1”,</a:t>
-            </a:r>
-          </a:p>
-          <a:p>
-            <a:r>
-              <a:rPr lang="en-US" altLang="ko-KR" sz="1400"/>
-              <a:t>                       “NVIDIA_VISIBLE_DEVICES=all“,</a:t>
-            </a:r>
-            <a:br>
-              <a:rPr lang="en-US" altLang="ko-KR" sz="1400"/>
-            </a:br>
-            <a:r>
-              <a:rPr lang="en-US" altLang="ko-KR" sz="1400"/>
-              <a:t>                       “NVIDIA_DRIVER_CAPABILITIES=“compute,utility”,</a:t>
-            </a:r>
-          </a:p>
-          <a:p>
-            <a:r>
-              <a:rPr lang="en-US" altLang="ko-KR" sz="1400"/>
-              <a:t>                       "NVIDIA_REQUIRE_CUDA=cuda&gt;=9.0“,</a:t>
-            </a:r>
-            <a:br>
-              <a:rPr lang="en-US" altLang="ko-KR" sz="1400"/>
-            </a:br>
-            <a:r>
-              <a:rPr lang="en-US" altLang="ko-KR" sz="1400"/>
-              <a:t>                       "LD_LIBRARY_PATH=/usr/local/nvidia/lib:/usr/local/nvidia/lib64“</a:t>
-            </a:r>
-          </a:p>
-          <a:p>
-            <a:r>
-              <a:rPr lang="en-US" altLang="ko-KR" sz="1400"/>
-              <a:t>             ]</a:t>
-            </a:r>
-          </a:p>
-          <a:p>
-            <a:r>
-              <a:rPr lang="en-US" altLang="ko-KR" sz="1400"/>
-              <a:t>         },</a:t>
-            </a:r>
-          </a:p>
-          <a:p>
-            <a:r>
-              <a:rPr lang="en-US" altLang="ko-KR" sz="1400"/>
-              <a:t>    ],</a:t>
-            </a:r>
-          </a:p>
-          <a:p>
-            <a:r>
-              <a:rPr lang="en-US" altLang="ko-KR" sz="1400"/>
-              <a:t>}</a:t>
-            </a:r>
-            <a:endParaRPr lang="en-US" altLang="ko-KR" sz="1400" dirty="0"/>
-          </a:p>
-        </p:txBody>
-      </p:sp>
-      <p:cxnSp>
-        <p:nvCxnSpPr>
-          <p:cNvPr id="9" name="직선 화살표 연결선 8">
-            <a:extLst>
-              <a:ext uri="{FF2B5EF4-FFF2-40B4-BE49-F238E27FC236}">
-                <a16:creationId xmlns:a16="http://schemas.microsoft.com/office/drawing/2014/main" id="{D3447036-464F-4C90-9B09-6E8806442451}"/>
-              </a:ext>
-            </a:extLst>
-          </p:cNvPr>
-          <p:cNvCxnSpPr>
-            <a:cxnSpLocks/>
-            <a:stCxn id="7" idx="2"/>
-            <a:endCxn id="11" idx="0"/>
-          </p:cNvCxnSpPr>
-          <p:nvPr/>
-        </p:nvCxnSpPr>
-        <p:spPr>
-          <a:xfrm>
-            <a:off x="4644008" y="1131590"/>
-            <a:ext cx="0" cy="222871"/>
-          </a:xfrm>
-          <a:prstGeom prst="straightConnector1">
-            <a:avLst/>
-          </a:prstGeom>
-          <a:ln w="19050">
-            <a:solidFill>
-              <a:schemeClr val="tx1"/>
-            </a:solidFill>
-            <a:headEnd type="none" w="med" len="med"/>
-            <a:tailEnd type="arrow" w="med" len="med"/>
-          </a:ln>
-        </p:spPr>
-        <p:style>
-          <a:lnRef idx="1">
-            <a:schemeClr val="accent1"/>
-          </a:lnRef>
-          <a:fillRef idx="0">
-            <a:schemeClr val="accent1"/>
-          </a:fillRef>
-          <a:effectRef idx="0">
-            <a:schemeClr val="accent1"/>
-          </a:effectRef>
-          <a:fontRef idx="minor">
-            <a:schemeClr val="tx1"/>
-          </a:fontRef>
-        </p:style>
-      </p:cxnSp>
-      <p:sp>
-        <p:nvSpPr>
-          <p:cNvPr id="22" name="사각형: 둥근 모서리 114">
-            <a:extLst>
-              <a:ext uri="{FF2B5EF4-FFF2-40B4-BE49-F238E27FC236}">
-                <a16:creationId xmlns:a16="http://schemas.microsoft.com/office/drawing/2014/main" id="{0B79FB11-EB5E-48B2-9B7D-2CF7A5759856}"/>
-              </a:ext>
-            </a:extLst>
-          </p:cNvPr>
-          <p:cNvSpPr/>
-          <p:nvPr/>
-        </p:nvSpPr>
-        <p:spPr>
-          <a:xfrm>
-            <a:off x="3278436" y="4658589"/>
-            <a:ext cx="2731142" cy="433441"/>
-          </a:xfrm>
-          <a:prstGeom prst="roundRect">
-            <a:avLst>
-              <a:gd name="adj" fmla="val 10304"/>
-            </a:avLst>
-          </a:prstGeom>
-          <a:noFill/>
-          <a:ln>
-            <a:noFill/>
-          </a:ln>
-        </p:spPr>
-        <p:style>
-          <a:lnRef idx="2">
-            <a:schemeClr val="dk1"/>
-          </a:lnRef>
-          <a:fillRef idx="1">
-            <a:schemeClr val="lt1"/>
-          </a:fillRef>
-          <a:effectRef idx="0">
-            <a:schemeClr val="dk1"/>
-          </a:effectRef>
-          <a:fontRef idx="minor">
-            <a:schemeClr val="dk1"/>
-          </a:fontRef>
-        </p:style>
-        <p:txBody>
-          <a:bodyPr rtlCol="0" anchor="ctr"/>
-          <a:lstStyle/>
-          <a:p>
-            <a:pPr algn="ctr"/>
-            <a:r>
-              <a:rPr lang="en-US" altLang="ko-KR" sz="1400"/>
-              <a:t>OCI Runtime Spec</a:t>
-            </a:r>
-            <a:endParaRPr lang="en-US" altLang="ko-KR" sz="1400" dirty="0"/>
-          </a:p>
-        </p:txBody>
-      </p:sp>
-    </p:spTree>
-    <p:extLst>
-      <p:ext uri="{BB962C8B-B14F-4D97-AF65-F5344CB8AC3E}">
-        <p14:creationId xmlns:p14="http://schemas.microsoft.com/office/powerpoint/2010/main" val="3532445663"/>
       </p:ext>
     </p:extLst>
   </p:cSld>
@@ -9089,6 +9430,358 @@
         </p:spPr>
         <p:txBody>
           <a:bodyPr>
+            <a:normAutofit fontScale="90000"/>
+          </a:bodyPr>
+          <a:lstStyle/>
+          <a:p>
+            <a:r>
+              <a:rPr lang="en-US" altLang="ko-KR"/>
+              <a:t>CUDA Container OCI Runtime Spec</a:t>
+            </a:r>
+            <a:endParaRPr lang="ko-KR" altLang="en-US" dirty="0"/>
+          </a:p>
+        </p:txBody>
+      </p:sp>
+      <p:sp>
+        <p:nvSpPr>
+          <p:cNvPr id="7" name="사각형: 둥근 모서리 114">
+            <a:extLst>
+              <a:ext uri="{FF2B5EF4-FFF2-40B4-BE49-F238E27FC236}">
+                <a16:creationId xmlns:a16="http://schemas.microsoft.com/office/drawing/2014/main" id="{E074CAD6-7716-4458-B0D4-1C0318E58F6D}"/>
+              </a:ext>
+            </a:extLst>
+          </p:cNvPr>
+          <p:cNvSpPr/>
+          <p:nvPr/>
+        </p:nvSpPr>
+        <p:spPr>
+          <a:xfrm>
+            <a:off x="2267744" y="698149"/>
+            <a:ext cx="4752528" cy="433441"/>
+          </a:xfrm>
+          <a:prstGeom prst="roundRect">
+            <a:avLst>
+              <a:gd name="adj" fmla="val 0"/>
+            </a:avLst>
+          </a:prstGeom>
+        </p:spPr>
+        <p:style>
+          <a:lnRef idx="2">
+            <a:schemeClr val="dk1"/>
+          </a:lnRef>
+          <a:fillRef idx="1">
+            <a:schemeClr val="lt1"/>
+          </a:fillRef>
+          <a:effectRef idx="0">
+            <a:schemeClr val="dk1"/>
+          </a:effectRef>
+          <a:fontRef idx="minor">
+            <a:schemeClr val="dk1"/>
+          </a:fontRef>
+        </p:style>
+        <p:txBody>
+          <a:bodyPr rtlCol="0" anchor="ctr"/>
+          <a:lstStyle/>
+          <a:p>
+            <a:r>
+              <a:rPr lang="en-US" altLang="ko-KR" sz="1400"/>
+              <a:t># docker run --gpu all nvidia/cuda:9.0-base nvidia-smi</a:t>
+            </a:r>
+            <a:endParaRPr lang="en-US" altLang="ko-KR" sz="1400" dirty="0"/>
+          </a:p>
+        </p:txBody>
+      </p:sp>
+      <p:sp>
+        <p:nvSpPr>
+          <p:cNvPr id="11" name="사각형: 둥근 모서리 114">
+            <a:extLst>
+              <a:ext uri="{FF2B5EF4-FFF2-40B4-BE49-F238E27FC236}">
+                <a16:creationId xmlns:a16="http://schemas.microsoft.com/office/drawing/2014/main" id="{E07F06D4-AF1E-486E-8493-362B4DEDC5E3}"/>
+              </a:ext>
+            </a:extLst>
+          </p:cNvPr>
+          <p:cNvSpPr/>
+          <p:nvPr/>
+        </p:nvSpPr>
+        <p:spPr>
+          <a:xfrm>
+            <a:off x="899592" y="1354461"/>
+            <a:ext cx="7488831" cy="3367380"/>
+          </a:xfrm>
+          <a:prstGeom prst="roundRect">
+            <a:avLst>
+              <a:gd name="adj" fmla="val 0"/>
+            </a:avLst>
+          </a:prstGeom>
+        </p:spPr>
+        <p:style>
+          <a:lnRef idx="2">
+            <a:schemeClr val="dk1"/>
+          </a:lnRef>
+          <a:fillRef idx="1">
+            <a:schemeClr val="lt1"/>
+          </a:fillRef>
+          <a:effectRef idx="0">
+            <a:schemeClr val="dk1"/>
+          </a:effectRef>
+          <a:fontRef idx="minor">
+            <a:schemeClr val="dk1"/>
+          </a:fontRef>
+        </p:style>
+        <p:txBody>
+          <a:bodyPr rtlCol="0" anchor="ctr"/>
+          <a:lstStyle/>
+          <a:p>
+            <a:r>
+              <a:rPr lang="en-US" altLang="ko-KR" sz="1400"/>
+              <a:t>"hooks": {</a:t>
+            </a:r>
+          </a:p>
+          <a:p>
+            <a:r>
+              <a:rPr lang="en-US" altLang="ko-KR" sz="1400"/>
+              <a:t>    "prestart": [</a:t>
+            </a:r>
+          </a:p>
+          <a:p>
+            <a:r>
+              <a:rPr lang="en-US" altLang="ko-KR" sz="1400"/>
+              <a:t>         {</a:t>
+            </a:r>
+          </a:p>
+          <a:p>
+            <a:r>
+              <a:rPr lang="en-US" altLang="ko-KR" sz="1400"/>
+              <a:t>             "path": “/usr/bin/nvidia-container-runtime-hook”,</a:t>
+            </a:r>
+          </a:p>
+          <a:p>
+            <a:r>
+              <a:rPr lang="en-US" altLang="ko-KR" sz="1400"/>
+              <a:t>             "args": ["nvidia-container-runtime-hook ", “prestart"],</a:t>
+            </a:r>
+          </a:p>
+          <a:p>
+            <a:r>
+              <a:rPr lang="en-US" altLang="ko-KR" sz="1400"/>
+              <a:t>             "env": [“CUDA_VERSION=9.0.176”,</a:t>
+            </a:r>
+            <a:br>
+              <a:rPr lang="en-US" altLang="ko-KR" sz="1400"/>
+            </a:br>
+            <a:r>
+              <a:rPr lang="en-US" altLang="ko-KR" sz="1400"/>
+              <a:t>                       “CUDA_PKG_VERSION=9-0=9.0.176-1”,</a:t>
+            </a:r>
+          </a:p>
+          <a:p>
+            <a:r>
+              <a:rPr lang="en-US" altLang="ko-KR" sz="1400"/>
+              <a:t>                       “NVIDIA_VISIBLE_DEVICES=all“,</a:t>
+            </a:r>
+            <a:br>
+              <a:rPr lang="en-US" altLang="ko-KR" sz="1400"/>
+            </a:br>
+            <a:r>
+              <a:rPr lang="en-US" altLang="ko-KR" sz="1400"/>
+              <a:t>                       “NVIDIA_DRIVER_CAPABILITIES=“compute,utility”,</a:t>
+            </a:r>
+          </a:p>
+          <a:p>
+            <a:r>
+              <a:rPr lang="en-US" altLang="ko-KR" sz="1400"/>
+              <a:t>                       "NVIDIA_REQUIRE_CUDA=cuda&gt;=9.0“,</a:t>
+            </a:r>
+            <a:br>
+              <a:rPr lang="en-US" altLang="ko-KR" sz="1400"/>
+            </a:br>
+            <a:r>
+              <a:rPr lang="en-US" altLang="ko-KR" sz="1400"/>
+              <a:t>                       "LD_LIBRARY_PATH=/usr/local/nvidia/lib:/usr/local/nvidia/lib64“</a:t>
+            </a:r>
+          </a:p>
+          <a:p>
+            <a:r>
+              <a:rPr lang="en-US" altLang="ko-KR" sz="1400"/>
+              <a:t>             ]</a:t>
+            </a:r>
+          </a:p>
+          <a:p>
+            <a:r>
+              <a:rPr lang="en-US" altLang="ko-KR" sz="1400"/>
+              <a:t>         },</a:t>
+            </a:r>
+          </a:p>
+          <a:p>
+            <a:r>
+              <a:rPr lang="en-US" altLang="ko-KR" sz="1400"/>
+              <a:t>    ],</a:t>
+            </a:r>
+          </a:p>
+          <a:p>
+            <a:r>
+              <a:rPr lang="en-US" altLang="ko-KR" sz="1400"/>
+              <a:t>}</a:t>
+            </a:r>
+            <a:endParaRPr lang="en-US" altLang="ko-KR" sz="1400" dirty="0"/>
+          </a:p>
+        </p:txBody>
+      </p:sp>
+      <p:cxnSp>
+        <p:nvCxnSpPr>
+          <p:cNvPr id="9" name="직선 화살표 연결선 8">
+            <a:extLst>
+              <a:ext uri="{FF2B5EF4-FFF2-40B4-BE49-F238E27FC236}">
+                <a16:creationId xmlns:a16="http://schemas.microsoft.com/office/drawing/2014/main" id="{D3447036-464F-4C90-9B09-6E8806442451}"/>
+              </a:ext>
+            </a:extLst>
+          </p:cNvPr>
+          <p:cNvCxnSpPr>
+            <a:cxnSpLocks/>
+            <a:stCxn id="7" idx="2"/>
+            <a:endCxn id="11" idx="0"/>
+          </p:cNvCxnSpPr>
+          <p:nvPr/>
+        </p:nvCxnSpPr>
+        <p:spPr>
+          <a:xfrm>
+            <a:off x="4644008" y="1131590"/>
+            <a:ext cx="0" cy="222871"/>
+          </a:xfrm>
+          <a:prstGeom prst="straightConnector1">
+            <a:avLst/>
+          </a:prstGeom>
+          <a:ln w="19050">
+            <a:solidFill>
+              <a:schemeClr val="tx1"/>
+            </a:solidFill>
+            <a:headEnd type="none" w="med" len="med"/>
+            <a:tailEnd type="arrow" w="med" len="med"/>
+          </a:ln>
+        </p:spPr>
+        <p:style>
+          <a:lnRef idx="1">
+            <a:schemeClr val="accent1"/>
+          </a:lnRef>
+          <a:fillRef idx="0">
+            <a:schemeClr val="accent1"/>
+          </a:fillRef>
+          <a:effectRef idx="0">
+            <a:schemeClr val="accent1"/>
+          </a:effectRef>
+          <a:fontRef idx="minor">
+            <a:schemeClr val="tx1"/>
+          </a:fontRef>
+        </p:style>
+      </p:cxnSp>
+      <p:sp>
+        <p:nvSpPr>
+          <p:cNvPr id="22" name="사각형: 둥근 모서리 114">
+            <a:extLst>
+              <a:ext uri="{FF2B5EF4-FFF2-40B4-BE49-F238E27FC236}">
+                <a16:creationId xmlns:a16="http://schemas.microsoft.com/office/drawing/2014/main" id="{0B79FB11-EB5E-48B2-9B7D-2CF7A5759856}"/>
+              </a:ext>
+            </a:extLst>
+          </p:cNvPr>
+          <p:cNvSpPr/>
+          <p:nvPr/>
+        </p:nvSpPr>
+        <p:spPr>
+          <a:xfrm>
+            <a:off x="3278436" y="4658589"/>
+            <a:ext cx="2731142" cy="433441"/>
+          </a:xfrm>
+          <a:prstGeom prst="roundRect">
+            <a:avLst>
+              <a:gd name="adj" fmla="val 10304"/>
+            </a:avLst>
+          </a:prstGeom>
+          <a:noFill/>
+          <a:ln>
+            <a:noFill/>
+          </a:ln>
+        </p:spPr>
+        <p:style>
+          <a:lnRef idx="2">
+            <a:schemeClr val="dk1"/>
+          </a:lnRef>
+          <a:fillRef idx="1">
+            <a:schemeClr val="lt1"/>
+          </a:fillRef>
+          <a:effectRef idx="0">
+            <a:schemeClr val="dk1"/>
+          </a:effectRef>
+          <a:fontRef idx="minor">
+            <a:schemeClr val="dk1"/>
+          </a:fontRef>
+        </p:style>
+        <p:txBody>
+          <a:bodyPr rtlCol="0" anchor="ctr"/>
+          <a:lstStyle/>
+          <a:p>
+            <a:pPr algn="ctr"/>
+            <a:r>
+              <a:rPr lang="en-US" altLang="ko-KR" sz="1400"/>
+              <a:t>OCI Runtime Spec</a:t>
+            </a:r>
+            <a:endParaRPr lang="en-US" altLang="ko-KR" sz="1400" dirty="0"/>
+          </a:p>
+        </p:txBody>
+      </p:sp>
+    </p:spTree>
+    <p:extLst>
+      <p:ext uri="{BB962C8B-B14F-4D97-AF65-F5344CB8AC3E}">
+        <p14:creationId xmlns:p14="http://schemas.microsoft.com/office/powerpoint/2010/main" val="3532445663"/>
+      </p:ext>
+    </p:extLst>
+  </p:cSld>
+  <p:clrMapOvr>
+    <a:masterClrMapping/>
+  </p:clrMapOvr>
+</p:sld>
+</file>
+
+<file path=ppt/slides/slide8.xml><?xml version="1.0" encoding="utf-8"?>
+<p:sld xmlns:a="http://schemas.openxmlformats.org/drawingml/2006/main" xmlns:r="http://schemas.openxmlformats.org/officeDocument/2006/relationships" xmlns:p="http://schemas.openxmlformats.org/presentationml/2006/main">
+  <p:cSld>
+    <p:spTree>
+      <p:nvGrpSpPr>
+        <p:cNvPr id="1" name=""/>
+        <p:cNvGrpSpPr/>
+        <p:nvPr/>
+      </p:nvGrpSpPr>
+      <p:grpSpPr>
+        <a:xfrm>
+          <a:off x="0" y="0"/>
+          <a:ext cx="0" cy="0"/>
+          <a:chOff x="0" y="0"/>
+          <a:chExt cx="0" cy="0"/>
+        </a:xfrm>
+      </p:grpSpPr>
+      <p:sp>
+        <p:nvSpPr>
+          <p:cNvPr id="2" name="제목 1">
+            <a:extLst>
+              <a:ext uri="{FF2B5EF4-FFF2-40B4-BE49-F238E27FC236}">
+                <a16:creationId xmlns:a16="http://schemas.microsoft.com/office/drawing/2014/main" id="{8738443D-5E72-49E2-86AC-581D61C41C39}"/>
+              </a:ext>
+            </a:extLst>
+          </p:cNvPr>
+          <p:cNvSpPr>
+            <a:spLocks noGrp="1"/>
+          </p:cNvSpPr>
+          <p:nvPr>
+            <p:ph type="title"/>
+          </p:nvPr>
+        </p:nvSpPr>
+        <p:spPr>
+          <a:xfrm>
+            <a:off x="0" y="-92546"/>
+            <a:ext cx="9144000" cy="857250"/>
+          </a:xfrm>
+        </p:spPr>
+        <p:txBody>
+          <a:bodyPr>
             <a:normAutofit/>
           </a:bodyPr>
           <a:lstStyle/>
@@ -10277,7 +10970,7 @@
 </p:sld>
 </file>
 
-<file path=ppt/slides/slide8.xml><?xml version="1.0" encoding="utf-8"?>
+<file path=ppt/slides/slide9.xml><?xml version="1.0" encoding="utf-8"?>
 <p:sld xmlns:a="http://schemas.openxmlformats.org/drawingml/2006/main" xmlns:r="http://schemas.openxmlformats.org/officeDocument/2006/relationships" xmlns:p="http://schemas.openxmlformats.org/presentationml/2006/main">
   <p:cSld>
     <p:spTree>
